--- a/DE2_presentation.pptx
+++ b/DE2_presentation.pptx
@@ -334,10 +334,95 @@
   <p1510:revLst>
     <p1510:client id="{14A4CDFD-8E48-D1BF-72AB-EDE13ABE4BD4}" v="293" dt="2020-12-11T19:10:11.360"/>
     <p1510:client id="{A840613B-B7FC-055F-80D0-7C6BBB13DC24}" v="157" dt="2020-12-11T22:57:17.621"/>
+    <p1510:client id="{ABF2C295-E7FC-4B11-9917-BBF7EB8A969F}" v="1" dt="2020-12-12T14:20:33.673"/>
     <p1510:client id="{C76712C1-FFBA-C70B-AC01-3217D3D0E90A}" v="512" dt="2020-12-11T19:31:23.518"/>
     <p1510:client id="{E17F444C-8ABF-3A54-6335-CB5AC4781C1E}" v="263" dt="2020-12-11T22:26:06.794"/>
   </p1510:revLst>
 </p1510:revInfo>
+</file>
+
+<file path=ppt/changesInfos/changesInfo1.xml><?xml version="1.0" encoding="utf-8"?>
+<pc:chgInfo xmlns:a="http://schemas.openxmlformats.org/drawingml/2006/main" xmlns:r="http://schemas.openxmlformats.org/officeDocument/2006/relationships" xmlns:ac="http://schemas.microsoft.com/office/drawing/2013/main/command" xmlns:pc="http://schemas.microsoft.com/office/powerpoint/2013/main/command">
+  <pc:docChgLst>
+    <pc:chgData name="Karola Takacs" userId="2162ebed-bfa1-4720-80e3-006b318a75ab" providerId="ADAL" clId="{ABF2C295-E7FC-4B11-9917-BBF7EB8A969F}"/>
+    <pc:docChg chg="custSel modSld">
+      <pc:chgData name="Karola Takacs" userId="2162ebed-bfa1-4720-80e3-006b318a75ab" providerId="ADAL" clId="{ABF2C295-E7FC-4B11-9917-BBF7EB8A969F}" dt="2020-12-12T14:21:39.271" v="11" actId="14100"/>
+      <pc:docMkLst>
+        <pc:docMk/>
+      </pc:docMkLst>
+      <pc:sldChg chg="modSp">
+        <pc:chgData name="Karola Takacs" userId="2162ebed-bfa1-4720-80e3-006b318a75ab" providerId="ADAL" clId="{ABF2C295-E7FC-4B11-9917-BBF7EB8A969F}" dt="2020-12-12T14:21:39.271" v="11" actId="14100"/>
+        <pc:sldMkLst>
+          <pc:docMk/>
+          <pc:sldMk cId="0" sldId="287"/>
+        </pc:sldMkLst>
+        <pc:spChg chg="mod">
+          <ac:chgData name="Karola Takacs" userId="2162ebed-bfa1-4720-80e3-006b318a75ab" providerId="ADAL" clId="{ABF2C295-E7FC-4B11-9917-BBF7EB8A969F}" dt="2020-12-12T14:21:09.217" v="5" actId="14100"/>
+          <ac:spMkLst>
+            <pc:docMk/>
+            <pc:sldMk cId="0" sldId="287"/>
+            <ac:spMk id="988" creationId="{00000000-0000-0000-0000-000000000000}"/>
+          </ac:spMkLst>
+        </pc:spChg>
+        <pc:spChg chg="mod">
+          <ac:chgData name="Karola Takacs" userId="2162ebed-bfa1-4720-80e3-006b318a75ab" providerId="ADAL" clId="{ABF2C295-E7FC-4B11-9917-BBF7EB8A969F}" dt="2020-12-12T14:21:13.028" v="6" actId="14100"/>
+          <ac:spMkLst>
+            <pc:docMk/>
+            <pc:sldMk cId="0" sldId="287"/>
+            <ac:spMk id="992" creationId="{00000000-0000-0000-0000-000000000000}"/>
+          </ac:spMkLst>
+        </pc:spChg>
+        <pc:spChg chg="mod">
+          <ac:chgData name="Karola Takacs" userId="2162ebed-bfa1-4720-80e3-006b318a75ab" providerId="ADAL" clId="{ABF2C295-E7FC-4B11-9917-BBF7EB8A969F}" dt="2020-12-12T14:21:18.342" v="7" actId="14100"/>
+          <ac:spMkLst>
+            <pc:docMk/>
+            <pc:sldMk cId="0" sldId="287"/>
+            <ac:spMk id="996" creationId="{00000000-0000-0000-0000-000000000000}"/>
+          </ac:spMkLst>
+        </pc:spChg>
+        <pc:spChg chg="mod">
+          <ac:chgData name="Karola Takacs" userId="2162ebed-bfa1-4720-80e3-006b318a75ab" providerId="ADAL" clId="{ABF2C295-E7FC-4B11-9917-BBF7EB8A969F}" dt="2020-12-12T14:21:27.732" v="9" actId="1076"/>
+          <ac:spMkLst>
+            <pc:docMk/>
+            <pc:sldMk cId="0" sldId="287"/>
+            <ac:spMk id="997" creationId="{00000000-0000-0000-0000-000000000000}"/>
+          </ac:spMkLst>
+        </pc:spChg>
+        <pc:spChg chg="mod">
+          <ac:chgData name="Karola Takacs" userId="2162ebed-bfa1-4720-80e3-006b318a75ab" providerId="ADAL" clId="{ABF2C295-E7FC-4B11-9917-BBF7EB8A969F}" dt="2020-12-12T14:21:39.271" v="11" actId="14100"/>
+          <ac:spMkLst>
+            <pc:docMk/>
+            <pc:sldMk cId="0" sldId="287"/>
+            <ac:spMk id="1000" creationId="{00000000-0000-0000-0000-000000000000}"/>
+          </ac:spMkLst>
+        </pc:spChg>
+      </pc:sldChg>
+      <pc:sldChg chg="addSp delSp modSp">
+        <pc:chgData name="Karola Takacs" userId="2162ebed-bfa1-4720-80e3-006b318a75ab" providerId="ADAL" clId="{ABF2C295-E7FC-4B11-9917-BBF7EB8A969F}" dt="2020-12-12T14:20:41.609" v="4" actId="1076"/>
+        <pc:sldMkLst>
+          <pc:docMk/>
+          <pc:sldMk cId="3454319733" sldId="365"/>
+        </pc:sldMkLst>
+        <pc:picChg chg="add mod">
+          <ac:chgData name="Karola Takacs" userId="2162ebed-bfa1-4720-80e3-006b318a75ab" providerId="ADAL" clId="{ABF2C295-E7FC-4B11-9917-BBF7EB8A969F}" dt="2020-12-12T14:20:41.609" v="4" actId="1076"/>
+          <ac:picMkLst>
+            <pc:docMk/>
+            <pc:sldMk cId="3454319733" sldId="365"/>
+            <ac:picMk id="2" creationId="{AD52A557-B452-43B3-8001-9D90BDB45735}"/>
+          </ac:picMkLst>
+        </pc:picChg>
+        <pc:picChg chg="del">
+          <ac:chgData name="Karola Takacs" userId="2162ebed-bfa1-4720-80e3-006b318a75ab" providerId="ADAL" clId="{ABF2C295-E7FC-4B11-9917-BBF7EB8A969F}" dt="2020-12-12T14:20:32.310" v="0" actId="478"/>
+          <ac:picMkLst>
+            <pc:docMk/>
+            <pc:sldMk cId="3454319733" sldId="365"/>
+            <ac:picMk id="5" creationId="{C2B3D979-A30E-4081-B88B-0456654741EB}"/>
+          </ac:picMkLst>
+        </pc:picChg>
+      </pc:sldChg>
+    </pc:docChg>
+  </pc:docChgLst>
+</pc:chgInfo>
 </file>
 
 <file path=ppt/notesMasters/notesMaster1.xml><?xml version="1.0" encoding="utf-8"?>
@@ -7187,7 +7272,7 @@
             <a:effectLst/>
             <a:extLst>
               <a:ext uri="{C572A759-6A51-4108-AA02-DFA0A04FC94B}">
-                <ma14:wrappingTextBoxFlag xmlns:ma14="http://schemas.microsoft.com/office/mac/drawingml/2011/main" xmlns="" val="1"/>
+                <ma14:wrappingTextBoxFlag xmlns="" xmlns:ma14="http://schemas.microsoft.com/office/mac/drawingml/2011/main" val="1"/>
               </a:ext>
             </a:extLst>
           </p:spPr>
@@ -7237,7 +7322,7 @@
             <a:effectLst/>
             <a:extLst>
               <a:ext uri="{C572A759-6A51-4108-AA02-DFA0A04FC94B}">
-                <ma14:wrappingTextBoxFlag xmlns:ma14="http://schemas.microsoft.com/office/mac/drawingml/2011/main" xmlns="" val="1"/>
+                <ma14:wrappingTextBoxFlag xmlns="" xmlns:ma14="http://schemas.microsoft.com/office/mac/drawingml/2011/main" val="1"/>
               </a:ext>
             </a:extLst>
           </p:spPr>
@@ -7316,7 +7401,7 @@
           </a:ln>
           <a:extLst>
             <a:ext uri="{C572A759-6A51-4108-AA02-DFA0A04FC94B}">
-              <ma14:wrappingTextBoxFlag xmlns:ma14="http://schemas.microsoft.com/office/mac/drawingml/2011/main" xmlns="" val="1"/>
+              <ma14:wrappingTextBoxFlag xmlns="" xmlns:ma14="http://schemas.microsoft.com/office/mac/drawingml/2011/main" val="1"/>
             </a:ext>
           </a:extLst>
         </p:spPr>
@@ -7353,7 +7438,7 @@
           </a:ln>
           <a:extLst>
             <a:ext uri="{C572A759-6A51-4108-AA02-DFA0A04FC94B}">
-              <ma14:wrappingTextBoxFlag xmlns:ma14="http://schemas.microsoft.com/office/mac/drawingml/2011/main" xmlns="" val="1"/>
+              <ma14:wrappingTextBoxFlag xmlns="" xmlns:ma14="http://schemas.microsoft.com/office/mac/drawingml/2011/main" val="1"/>
             </a:ext>
           </a:extLst>
         </p:spPr>
@@ -10280,7 +10365,7 @@
           <a:effectLst/>
           <a:extLst>
             <a:ext uri="{C572A759-6A51-4108-AA02-DFA0A04FC94B}">
-              <ma14:wrappingTextBoxFlag xmlns:ma14="http://schemas.microsoft.com/office/mac/drawingml/2011/main" xmlns="" val="1"/>
+              <ma14:wrappingTextBoxFlag xmlns="" xmlns:ma14="http://schemas.microsoft.com/office/mac/drawingml/2011/main" val="1"/>
             </a:ext>
           </a:extLst>
         </p:spPr>
@@ -10353,7 +10438,7 @@
           </a:prstGeom>
           <a:extLst>
             <a:ext uri="{C572A759-6A51-4108-AA02-DFA0A04FC94B}">
-              <ma14:wrappingTextBoxFlag xmlns:ma14="http://schemas.microsoft.com/office/mac/drawingml/2011/main" xmlns="" val="1"/>
+              <ma14:wrappingTextBoxFlag xmlns="" xmlns:ma14="http://schemas.microsoft.com/office/mac/drawingml/2011/main" val="1"/>
             </a:ext>
           </a:extLst>
         </p:spPr>
@@ -10404,7 +10489,7 @@
           <a:effectLst/>
           <a:extLst>
             <a:ext uri="{C572A759-6A51-4108-AA02-DFA0A04FC94B}">
-              <ma14:wrappingTextBoxFlag xmlns:ma14="http://schemas.microsoft.com/office/mac/drawingml/2011/main" xmlns="" val="1"/>
+              <ma14:wrappingTextBoxFlag xmlns="" xmlns:ma14="http://schemas.microsoft.com/office/mac/drawingml/2011/main" val="1"/>
             </a:ext>
           </a:extLst>
         </p:spPr>
@@ -10491,7 +10576,7 @@
           <a:effectLst/>
           <a:extLst>
             <a:ext uri="{C572A759-6A51-4108-AA02-DFA0A04FC94B}">
-              <ma14:wrappingTextBoxFlag xmlns:ma14="http://schemas.microsoft.com/office/mac/drawingml/2011/main" xmlns="" val="1"/>
+              <ma14:wrappingTextBoxFlag xmlns="" xmlns:ma14="http://schemas.microsoft.com/office/mac/drawingml/2011/main" val="1"/>
             </a:ext>
           </a:extLst>
         </p:spPr>
@@ -10643,7 +10728,7 @@
           </a:prstGeom>
           <a:extLst>
             <a:ext uri="{C572A759-6A51-4108-AA02-DFA0A04FC94B}">
-              <ma14:wrappingTextBoxFlag xmlns:ma14="http://schemas.microsoft.com/office/mac/drawingml/2011/main" xmlns="" val="1"/>
+              <ma14:wrappingTextBoxFlag xmlns="" xmlns:ma14="http://schemas.microsoft.com/office/mac/drawingml/2011/main" val="1"/>
             </a:ext>
           </a:extLst>
         </p:spPr>
@@ -10702,7 +10787,7 @@
             <a:effectLst/>
             <a:extLst>
               <a:ext uri="{C572A759-6A51-4108-AA02-DFA0A04FC94B}">
-                <ma14:wrappingTextBoxFlag xmlns:ma14="http://schemas.microsoft.com/office/mac/drawingml/2011/main" xmlns="" val="1"/>
+                <ma14:wrappingTextBoxFlag xmlns="" xmlns:ma14="http://schemas.microsoft.com/office/mac/drawingml/2011/main" val="1"/>
               </a:ext>
             </a:extLst>
           </p:spPr>
@@ -10754,7 +10839,7 @@
             <a:effectLst/>
             <a:extLst>
               <a:ext uri="{C572A759-6A51-4108-AA02-DFA0A04FC94B}">
-                <ma14:wrappingTextBoxFlag xmlns:ma14="http://schemas.microsoft.com/office/mac/drawingml/2011/main" xmlns="" val="1"/>
+                <ma14:wrappingTextBoxFlag xmlns="" xmlns:ma14="http://schemas.microsoft.com/office/mac/drawingml/2011/main" val="1"/>
               </a:ext>
             </a:extLst>
           </p:spPr>
@@ -11252,7 +11337,7 @@
                             </p:stCondLst>
                             <p:childTnLst>
                               <p:par>
-                                <p:cTn id="5" presetID="2" presetClass="entr" presetSubtype="8" fill="hold" grpId="1" nodeType="clickEffect">
+                                <p:cTn id="5" presetID="2" presetClass="entr" presetSubtype="8" fill="hold" grpId="0" nodeType="clickEffect">
                                   <p:stCondLst>
                                     <p:cond delay="0"/>
                                   </p:stCondLst>
@@ -11351,7 +11436,7 @@
       </p:par>
     </p:tnLst>
     <p:bldLst>
-      <p:bldP spid="2738" grpId="1" animBg="1" advAuto="0"/>
+      <p:bldP spid="2738" grpId="0" animBg="1" advAuto="0"/>
     </p:bldLst>
   </p:timing>
 </p:sld>
@@ -11390,7 +11475,7 @@
           </a:prstGeom>
           <a:extLst>
             <a:ext uri="{C572A759-6A51-4108-AA02-DFA0A04FC94B}">
-              <ma14:wrappingTextBoxFlag xmlns:ma14="http://schemas.microsoft.com/office/mac/drawingml/2011/main" xmlns="" val="1"/>
+              <ma14:wrappingTextBoxFlag xmlns="" xmlns:ma14="http://schemas.microsoft.com/office/mac/drawingml/2011/main" val="1"/>
             </a:ext>
           </a:extLst>
         </p:spPr>
@@ -11435,7 +11520,7 @@
           <a:effectLst/>
           <a:extLst>
             <a:ext uri="{C572A759-6A51-4108-AA02-DFA0A04FC94B}">
-              <ma14:wrappingTextBoxFlag xmlns:ma14="http://schemas.microsoft.com/office/mac/drawingml/2011/main" xmlns="" val="1"/>
+              <ma14:wrappingTextBoxFlag xmlns="" xmlns:ma14="http://schemas.microsoft.com/office/mac/drawingml/2011/main" val="1"/>
             </a:ext>
           </a:extLst>
         </p:spPr>
@@ -11492,7 +11577,7 @@
           </a:ln>
           <a:extLst>
             <a:ext uri="{C572A759-6A51-4108-AA02-DFA0A04FC94B}">
-              <ma14:wrappingTextBoxFlag xmlns:ma14="http://schemas.microsoft.com/office/mac/drawingml/2011/main" xmlns="" val="1"/>
+              <ma14:wrappingTextBoxFlag xmlns="" xmlns:ma14="http://schemas.microsoft.com/office/mac/drawingml/2011/main" val="1"/>
             </a:ext>
           </a:extLst>
         </p:spPr>
@@ -11906,7 +11991,7 @@
             <a:effectLst/>
             <a:extLst>
               <a:ext uri="{C572A759-6A51-4108-AA02-DFA0A04FC94B}">
-                <ma14:wrappingTextBoxFlag xmlns:ma14="http://schemas.microsoft.com/office/mac/drawingml/2011/main" xmlns="" val="1"/>
+                <ma14:wrappingTextBoxFlag xmlns="" xmlns:ma14="http://schemas.microsoft.com/office/mac/drawingml/2011/main" val="1"/>
               </a:ext>
             </a:extLst>
           </p:spPr>
@@ -11962,7 +12047,7 @@
             <a:effectLst/>
             <a:extLst>
               <a:ext uri="{C572A759-6A51-4108-AA02-DFA0A04FC94B}">
-                <ma14:wrappingTextBoxFlag xmlns:ma14="http://schemas.microsoft.com/office/mac/drawingml/2011/main" xmlns="" val="1"/>
+                <ma14:wrappingTextBoxFlag xmlns="" xmlns:ma14="http://schemas.microsoft.com/office/mac/drawingml/2011/main" val="1"/>
               </a:ext>
             </a:extLst>
           </p:spPr>
@@ -12060,7 +12145,7 @@
             <a:effectLst/>
             <a:extLst>
               <a:ext uri="{C572A759-6A51-4108-AA02-DFA0A04FC94B}">
-                <ma14:wrappingTextBoxFlag xmlns:ma14="http://schemas.microsoft.com/office/mac/drawingml/2011/main" xmlns="" val="1"/>
+                <ma14:wrappingTextBoxFlag xmlns="" xmlns:ma14="http://schemas.microsoft.com/office/mac/drawingml/2011/main" val="1"/>
               </a:ext>
             </a:extLst>
           </p:spPr>
@@ -12166,7 +12251,7 @@
             <a:effectLst/>
             <a:extLst>
               <a:ext uri="{C572A759-6A51-4108-AA02-DFA0A04FC94B}">
-                <ma14:wrappingTextBoxFlag xmlns:ma14="http://schemas.microsoft.com/office/mac/drawingml/2011/main" xmlns="" val="1"/>
+                <ma14:wrappingTextBoxFlag xmlns="" xmlns:ma14="http://schemas.microsoft.com/office/mac/drawingml/2011/main" val="1"/>
               </a:ext>
             </a:extLst>
           </p:spPr>
@@ -12293,7 +12378,7 @@
             <a:effectLst/>
             <a:extLst>
               <a:ext uri="{C572A759-6A51-4108-AA02-DFA0A04FC94B}">
-                <ma14:wrappingTextBoxFlag xmlns:ma14="http://schemas.microsoft.com/office/mac/drawingml/2011/main" xmlns="" val="1"/>
+                <ma14:wrappingTextBoxFlag xmlns="" xmlns:ma14="http://schemas.microsoft.com/office/mac/drawingml/2011/main" val="1"/>
               </a:ext>
             </a:extLst>
           </p:spPr>
@@ -12399,7 +12484,7 @@
             <a:effectLst/>
             <a:extLst>
               <a:ext uri="{C572A759-6A51-4108-AA02-DFA0A04FC94B}">
-                <ma14:wrappingTextBoxFlag xmlns:ma14="http://schemas.microsoft.com/office/mac/drawingml/2011/main" xmlns="" val="1"/>
+                <ma14:wrappingTextBoxFlag xmlns="" xmlns:ma14="http://schemas.microsoft.com/office/mac/drawingml/2011/main" val="1"/>
               </a:ext>
             </a:extLst>
           </p:spPr>
@@ -12505,7 +12590,7 @@
             <a:effectLst/>
             <a:extLst>
               <a:ext uri="{C572A759-6A51-4108-AA02-DFA0A04FC94B}">
-                <ma14:wrappingTextBoxFlag xmlns:ma14="http://schemas.microsoft.com/office/mac/drawingml/2011/main" xmlns="" val="1"/>
+                <ma14:wrappingTextBoxFlag xmlns="" xmlns:ma14="http://schemas.microsoft.com/office/mac/drawingml/2011/main" val="1"/>
               </a:ext>
             </a:extLst>
           </p:spPr>
@@ -12562,7 +12647,7 @@
           <a:effectLst/>
           <a:extLst>
             <a:ext uri="{C572A759-6A51-4108-AA02-DFA0A04FC94B}">
-              <ma14:wrappingTextBoxFlag xmlns:ma14="http://schemas.microsoft.com/office/mac/drawingml/2011/main" xmlns="" val="1"/>
+              <ma14:wrappingTextBoxFlag xmlns="" xmlns:ma14="http://schemas.microsoft.com/office/mac/drawingml/2011/main" val="1"/>
             </a:ext>
           </a:extLst>
         </p:spPr>
@@ -12610,7 +12695,7 @@
           <a:effectLst/>
           <a:extLst>
             <a:ext uri="{C572A759-6A51-4108-AA02-DFA0A04FC94B}">
-              <ma14:wrappingTextBoxFlag xmlns:ma14="http://schemas.microsoft.com/office/mac/drawingml/2011/main" xmlns="" val="1"/>
+              <ma14:wrappingTextBoxFlag xmlns="" xmlns:ma14="http://schemas.microsoft.com/office/mac/drawingml/2011/main" val="1"/>
             </a:ext>
           </a:extLst>
         </p:spPr>
@@ -12658,7 +12743,7 @@
           <a:effectLst/>
           <a:extLst>
             <a:ext uri="{C572A759-6A51-4108-AA02-DFA0A04FC94B}">
-              <ma14:wrappingTextBoxFlag xmlns:ma14="http://schemas.microsoft.com/office/mac/drawingml/2011/main" xmlns="" val="1"/>
+              <ma14:wrappingTextBoxFlag xmlns="" xmlns:ma14="http://schemas.microsoft.com/office/mac/drawingml/2011/main" val="1"/>
             </a:ext>
           </a:extLst>
         </p:spPr>
@@ -12706,7 +12791,7 @@
           <a:effectLst/>
           <a:extLst>
             <a:ext uri="{C572A759-6A51-4108-AA02-DFA0A04FC94B}">
-              <ma14:wrappingTextBoxFlag xmlns:ma14="http://schemas.microsoft.com/office/mac/drawingml/2011/main" xmlns="" val="1"/>
+              <ma14:wrappingTextBoxFlag xmlns="" xmlns:ma14="http://schemas.microsoft.com/office/mac/drawingml/2011/main" val="1"/>
             </a:ext>
           </a:extLst>
         </p:spPr>
@@ -12754,7 +12839,7 @@
           <a:effectLst/>
           <a:extLst>
             <a:ext uri="{C572A759-6A51-4108-AA02-DFA0A04FC94B}">
-              <ma14:wrappingTextBoxFlag xmlns:ma14="http://schemas.microsoft.com/office/mac/drawingml/2011/main" xmlns="" val="1"/>
+              <ma14:wrappingTextBoxFlag xmlns="" xmlns:ma14="http://schemas.microsoft.com/office/mac/drawingml/2011/main" val="1"/>
             </a:ext>
           </a:extLst>
         </p:spPr>
@@ -13043,7 +13128,7 @@
           <a:effectLst/>
           <a:extLst>
             <a:ext uri="{C572A759-6A51-4108-AA02-DFA0A04FC94B}">
-              <ma14:wrappingTextBoxFlag xmlns:ma14="http://schemas.microsoft.com/office/mac/drawingml/2011/main" xmlns="" val="1"/>
+              <ma14:wrappingTextBoxFlag xmlns="" xmlns:ma14="http://schemas.microsoft.com/office/mac/drawingml/2011/main" val="1"/>
             </a:ext>
           </a:extLst>
         </p:spPr>
@@ -13154,7 +13239,7 @@
             <a:effectLst/>
             <a:extLst>
               <a:ext uri="{C572A759-6A51-4108-AA02-DFA0A04FC94B}">
-                <ma14:wrappingTextBoxFlag xmlns:ma14="http://schemas.microsoft.com/office/mac/drawingml/2011/main" xmlns="" val="1"/>
+                <ma14:wrappingTextBoxFlag xmlns="" xmlns:ma14="http://schemas.microsoft.com/office/mac/drawingml/2011/main" val="1"/>
               </a:ext>
             </a:extLst>
           </p:spPr>
@@ -13212,7 +13297,7 @@
                             </p:stCondLst>
                             <p:childTnLst>
                               <p:par>
-                                <p:cTn id="5" presetID="2" presetClass="entr" presetSubtype="1" fill="hold" grpId="1" nodeType="clickEffect">
+                                <p:cTn id="5" presetID="2" presetClass="entr" presetSubtype="1" fill="hold" grpId="0" nodeType="clickEffect">
                                   <p:stCondLst>
                                     <p:cond delay="0"/>
                                   </p:stCondLst>
@@ -13311,7 +13396,7 @@
       </p:par>
     </p:tnLst>
     <p:bldLst>
-      <p:bldP spid="2973" grpId="1" animBg="1" advAuto="0"/>
+      <p:bldP spid="2973" grpId="0" animBg="1" advAuto="0"/>
     </p:bldLst>
   </p:timing>
 </p:sld>
@@ -13350,7 +13435,7 @@
           </a:prstGeom>
           <a:extLst>
             <a:ext uri="{C572A759-6A51-4108-AA02-DFA0A04FC94B}">
-              <ma14:wrappingTextBoxFlag xmlns:ma14="http://schemas.microsoft.com/office/mac/drawingml/2011/main" xmlns="" val="1"/>
+              <ma14:wrappingTextBoxFlag xmlns="" xmlns:ma14="http://schemas.microsoft.com/office/mac/drawingml/2011/main" val="1"/>
             </a:ext>
           </a:extLst>
         </p:spPr>
@@ -13774,7 +13859,7 @@
               <a:effectLst/>
               <a:extLst>
                 <a:ext uri="{C572A759-6A51-4108-AA02-DFA0A04FC94B}">
-                  <ma14:wrappingTextBoxFlag xmlns:ma14="http://schemas.microsoft.com/office/mac/drawingml/2011/main" xmlns="" val="1"/>
+                  <ma14:wrappingTextBoxFlag xmlns="" xmlns:ma14="http://schemas.microsoft.com/office/mac/drawingml/2011/main" val="1"/>
                 </a:ext>
               </a:extLst>
             </p:spPr>
@@ -13870,7 +13955,7 @@
               <a:effectLst/>
               <a:extLst>
                 <a:ext uri="{C572A759-6A51-4108-AA02-DFA0A04FC94B}">
-                  <ma14:wrappingTextBoxFlag xmlns:ma14="http://schemas.microsoft.com/office/mac/drawingml/2011/main" xmlns="" val="1"/>
+                  <ma14:wrappingTextBoxFlag xmlns="" xmlns:ma14="http://schemas.microsoft.com/office/mac/drawingml/2011/main" val="1"/>
                 </a:ext>
               </a:extLst>
             </p:spPr>
@@ -13935,7 +14020,7 @@
               <a:effectLst/>
               <a:extLst>
                 <a:ext uri="{C572A759-6A51-4108-AA02-DFA0A04FC94B}">
-                  <ma14:wrappingTextBoxFlag xmlns:ma14="http://schemas.microsoft.com/office/mac/drawingml/2011/main" xmlns="" val="1"/>
+                  <ma14:wrappingTextBoxFlag xmlns="" xmlns:ma14="http://schemas.microsoft.com/office/mac/drawingml/2011/main" val="1"/>
                 </a:ext>
               </a:extLst>
             </p:spPr>
@@ -13975,7 +14060,7 @@
               <a:effectLst/>
               <a:extLst>
                 <a:ext uri="{C572A759-6A51-4108-AA02-DFA0A04FC94B}">
-                  <ma14:wrappingTextBoxFlag xmlns:ma14="http://schemas.microsoft.com/office/mac/drawingml/2011/main" xmlns="" val="1"/>
+                  <ma14:wrappingTextBoxFlag xmlns="" xmlns:ma14="http://schemas.microsoft.com/office/mac/drawingml/2011/main" val="1"/>
                 </a:ext>
               </a:extLst>
             </p:spPr>
@@ -14071,7 +14156,7 @@
               <a:effectLst/>
               <a:extLst>
                 <a:ext uri="{C572A759-6A51-4108-AA02-DFA0A04FC94B}">
-                  <ma14:wrappingTextBoxFlag xmlns:ma14="http://schemas.microsoft.com/office/mac/drawingml/2011/main" xmlns="" val="1"/>
+                  <ma14:wrappingTextBoxFlag xmlns="" xmlns:ma14="http://schemas.microsoft.com/office/mac/drawingml/2011/main" val="1"/>
                 </a:ext>
               </a:extLst>
             </p:spPr>
@@ -14136,7 +14221,7 @@
               <a:effectLst/>
               <a:extLst>
                 <a:ext uri="{C572A759-6A51-4108-AA02-DFA0A04FC94B}">
-                  <ma14:wrappingTextBoxFlag xmlns:ma14="http://schemas.microsoft.com/office/mac/drawingml/2011/main" xmlns="" val="1"/>
+                  <ma14:wrappingTextBoxFlag xmlns="" xmlns:ma14="http://schemas.microsoft.com/office/mac/drawingml/2011/main" val="1"/>
                 </a:ext>
               </a:extLst>
             </p:spPr>
@@ -14232,7 +14317,7 @@
               <a:effectLst/>
               <a:extLst>
                 <a:ext uri="{C572A759-6A51-4108-AA02-DFA0A04FC94B}">
-                  <ma14:wrappingTextBoxFlag xmlns:ma14="http://schemas.microsoft.com/office/mac/drawingml/2011/main" xmlns="" val="1"/>
+                  <ma14:wrappingTextBoxFlag xmlns="" xmlns:ma14="http://schemas.microsoft.com/office/mac/drawingml/2011/main" val="1"/>
                 </a:ext>
               </a:extLst>
             </p:spPr>
@@ -14340,7 +14425,7 @@
           <a:effectLst/>
           <a:extLst>
             <a:ext uri="{C572A759-6A51-4108-AA02-DFA0A04FC94B}">
-              <ma14:wrappingTextBoxFlag xmlns:ma14="http://schemas.microsoft.com/office/mac/drawingml/2011/main" xmlns="" val="1"/>
+              <ma14:wrappingTextBoxFlag xmlns="" xmlns:ma14="http://schemas.microsoft.com/office/mac/drawingml/2011/main" val="1"/>
             </a:ext>
           </a:extLst>
         </p:spPr>
@@ -14398,7 +14483,7 @@
           <a:effectLst/>
           <a:extLst>
             <a:ext uri="{C572A759-6A51-4108-AA02-DFA0A04FC94B}">
-              <ma14:wrappingTextBoxFlag xmlns:ma14="http://schemas.microsoft.com/office/mac/drawingml/2011/main" xmlns="" val="1"/>
+              <ma14:wrappingTextBoxFlag xmlns="" xmlns:ma14="http://schemas.microsoft.com/office/mac/drawingml/2011/main" val="1"/>
             </a:ext>
           </a:extLst>
         </p:spPr>
@@ -14444,7 +14529,7 @@
           <a:effectLst/>
           <a:extLst>
             <a:ext uri="{C572A759-6A51-4108-AA02-DFA0A04FC94B}">
-              <ma14:wrappingTextBoxFlag xmlns:ma14="http://schemas.microsoft.com/office/mac/drawingml/2011/main" xmlns="" val="1"/>
+              <ma14:wrappingTextBoxFlag xmlns="" xmlns:ma14="http://schemas.microsoft.com/office/mac/drawingml/2011/main" val="1"/>
             </a:ext>
           </a:extLst>
         </p:spPr>
@@ -14492,7 +14577,7 @@
           <a:effectLst/>
           <a:extLst>
             <a:ext uri="{C572A759-6A51-4108-AA02-DFA0A04FC94B}">
-              <ma14:wrappingTextBoxFlag xmlns:ma14="http://schemas.microsoft.com/office/mac/drawingml/2011/main" xmlns="" val="1"/>
+              <ma14:wrappingTextBoxFlag xmlns="" xmlns:ma14="http://schemas.microsoft.com/office/mac/drawingml/2011/main" val="1"/>
             </a:ext>
           </a:extLst>
         </p:spPr>
@@ -14550,7 +14635,7 @@
           <a:effectLst/>
           <a:extLst>
             <a:ext uri="{C572A759-6A51-4108-AA02-DFA0A04FC94B}">
-              <ma14:wrappingTextBoxFlag xmlns:ma14="http://schemas.microsoft.com/office/mac/drawingml/2011/main" xmlns="" val="1"/>
+              <ma14:wrappingTextBoxFlag xmlns="" xmlns:ma14="http://schemas.microsoft.com/office/mac/drawingml/2011/main" val="1"/>
             </a:ext>
           </a:extLst>
         </p:spPr>
@@ -14629,7 +14714,7 @@
                             </p:stCondLst>
                             <p:childTnLst>
                               <p:par>
-                                <p:cTn id="5" presetID="23" presetClass="entr" presetSubtype="16" fill="hold" grpId="1" nodeType="clickEffect">
+                                <p:cTn id="5" presetID="23" presetClass="entr" presetSubtype="16" fill="hold" grpId="0" nodeType="clickEffect">
                                   <p:stCondLst>
                                     <p:cond delay="0"/>
                                   </p:stCondLst>
@@ -14719,7 +14804,7 @@
                             </p:stCondLst>
                             <p:childTnLst>
                               <p:par>
-                                <p:cTn id="11" presetID="2" presetClass="entr" presetSubtype="2" fill="hold" grpId="2" nodeType="clickEffect">
+                                <p:cTn id="11" presetID="2" presetClass="entr" presetSubtype="2" fill="hold" grpId="0" nodeType="clickEffect">
                                   <p:stCondLst>
                                     <p:cond delay="0"/>
                                   </p:stCondLst>
@@ -14818,8 +14903,8 @@
       </p:par>
     </p:tnLst>
     <p:bldLst>
-      <p:bldP spid="524" grpId="1" animBg="1" advAuto="0"/>
-      <p:bldP spid="540" grpId="2" animBg="1" advAuto="0"/>
+      <p:bldP spid="524" grpId="0" animBg="1" advAuto="0"/>
+      <p:bldP spid="540" grpId="0" animBg="1" advAuto="0"/>
     </p:bldLst>
   </p:timing>
 </p:sld>
@@ -14864,7 +14949,7 @@
           <a:effectLst/>
           <a:extLst>
             <a:ext uri="{C572A759-6A51-4108-AA02-DFA0A04FC94B}">
-              <ma14:wrappingTextBoxFlag xmlns:ma14="http://schemas.microsoft.com/office/mac/drawingml/2011/main" xmlns="" val="1"/>
+              <ma14:wrappingTextBoxFlag xmlns="" xmlns:ma14="http://schemas.microsoft.com/office/mac/drawingml/2011/main" val="1"/>
             </a:ext>
           </a:extLst>
         </p:spPr>
@@ -14975,7 +15060,7 @@
             <a:effectLst/>
             <a:extLst>
               <a:ext uri="{C572A759-6A51-4108-AA02-DFA0A04FC94B}">
-                <ma14:wrappingTextBoxFlag xmlns:ma14="http://schemas.microsoft.com/office/mac/drawingml/2011/main" xmlns="" val="1"/>
+                <ma14:wrappingTextBoxFlag xmlns="" xmlns:ma14="http://schemas.microsoft.com/office/mac/drawingml/2011/main" val="1"/>
               </a:ext>
             </a:extLst>
           </p:spPr>
@@ -15181,7 +15266,7 @@
           </a:prstGeom>
           <a:extLst>
             <a:ext uri="{C572A759-6A51-4108-AA02-DFA0A04FC94B}">
-              <ma14:wrappingTextBoxFlag xmlns:ma14="http://schemas.microsoft.com/office/mac/drawingml/2011/main" xmlns="" val="1"/>
+              <ma14:wrappingTextBoxFlag xmlns="" xmlns:ma14="http://schemas.microsoft.com/office/mac/drawingml/2011/main" val="1"/>
             </a:ext>
           </a:extLst>
         </p:spPr>
@@ -15227,7 +15312,7 @@
           <p:spPr>
             <a:xfrm>
               <a:off x="0" y="1544638"/>
-              <a:ext cx="4495800" cy="1552731"/>
+              <a:ext cx="4826000" cy="1552731"/>
             </a:xfrm>
             <a:prstGeom prst="rect">
               <a:avLst/>
@@ -15240,7 +15325,7 @@
             <a:effectLst/>
             <a:extLst>
               <a:ext uri="{C572A759-6A51-4108-AA02-DFA0A04FC94B}">
-                <ma14:wrappingTextBoxFlag xmlns:ma14="http://schemas.microsoft.com/office/mac/drawingml/2011/main" xmlns="" val="1"/>
+                <ma14:wrappingTextBoxFlag xmlns="" xmlns:ma14="http://schemas.microsoft.com/office/mac/drawingml/2011/main" val="1"/>
               </a:ext>
             </a:extLst>
           </p:spPr>
@@ -15252,14 +15337,14 @@
             <a:p>
               <a:pPr algn="l"/>
               <a:r>
-                <a:rPr lang="hu-HU"/>
+                <a:rPr lang="hu-HU" dirty="0"/>
                 <a:t>Deduplicatation / empty year columns before pivoting</a:t>
               </a:r>
-              <a:endParaRPr lang="en-US"/>
+              <a:endParaRPr lang="en-US" dirty="0"/>
             </a:p>
             <a:p>
               <a:pPr algn="l"/>
-              <a:endParaRPr/>
+              <a:endParaRPr dirty="0"/>
             </a:p>
           </p:txBody>
         </p:sp>
@@ -15285,7 +15370,7 @@
             <a:effectLst/>
             <a:extLst>
               <a:ext uri="{C572A759-6A51-4108-AA02-DFA0A04FC94B}">
-                <ma14:wrappingTextBoxFlag xmlns:ma14="http://schemas.microsoft.com/office/mac/drawingml/2011/main" xmlns="" val="1"/>
+                <ma14:wrappingTextBoxFlag xmlns="" xmlns:ma14="http://schemas.microsoft.com/office/mac/drawingml/2011/main" val="1"/>
               </a:ext>
             </a:extLst>
           </p:spPr>
@@ -15393,7 +15478,7 @@
           <p:spPr>
             <a:xfrm>
               <a:off x="0" y="1544637"/>
-              <a:ext cx="4495800" cy="2568392"/>
+              <a:ext cx="4826000" cy="2568392"/>
             </a:xfrm>
             <a:prstGeom prst="rect">
               <a:avLst/>
@@ -15406,7 +15491,7 @@
             <a:effectLst/>
             <a:extLst>
               <a:ext uri="{C572A759-6A51-4108-AA02-DFA0A04FC94B}">
-                <ma14:wrappingTextBoxFlag xmlns:ma14="http://schemas.microsoft.com/office/mac/drawingml/2011/main" xmlns="" val="1"/>
+                <ma14:wrappingTextBoxFlag xmlns="" xmlns:ma14="http://schemas.microsoft.com/office/mac/drawingml/2011/main" val="1"/>
               </a:ext>
             </a:extLst>
           </p:spPr>
@@ -15418,14 +15503,14 @@
             <a:p>
               <a:pPr algn="l"/>
               <a:r>
-                <a:rPr lang="hu-HU"/>
+                <a:rPr lang="hu-HU" dirty="0"/>
                 <a:t>Aggregate  observations / NULL values for main variable / Possibly wrong data (have 0 value for a scale 1-10)</a:t>
               </a:r>
-              <a:endParaRPr lang="en-US"/>
+              <a:endParaRPr lang="en-US" dirty="0"/>
             </a:p>
             <a:p>
               <a:pPr algn="l"/>
-              <a:endParaRPr/>
+              <a:endParaRPr dirty="0"/>
             </a:p>
           </p:txBody>
         </p:sp>
@@ -15451,7 +15536,7 @@
             <a:effectLst/>
             <a:extLst>
               <a:ext uri="{C572A759-6A51-4108-AA02-DFA0A04FC94B}">
-                <ma14:wrappingTextBoxFlag xmlns:ma14="http://schemas.microsoft.com/office/mac/drawingml/2011/main" xmlns="" val="1"/>
+                <ma14:wrappingTextBoxFlag xmlns="" xmlns:ma14="http://schemas.microsoft.com/office/mac/drawingml/2011/main" val="1"/>
               </a:ext>
             </a:extLst>
           </p:spPr>
@@ -15545,10 +15630,10 @@
         </p:nvGrpSpPr>
         <p:grpSpPr>
           <a:xfrm>
-            <a:off x="12009925" y="4418493"/>
-            <a:ext cx="6239121" cy="2589536"/>
-            <a:chOff x="-390037" y="0"/>
-            <a:chExt cx="6239119" cy="2589536"/>
+            <a:off x="12399962" y="3759761"/>
+            <a:ext cx="5578964" cy="3248268"/>
+            <a:chOff x="0" y="-658732"/>
+            <a:chExt cx="5578962" cy="3248268"/>
           </a:xfrm>
         </p:grpSpPr>
         <p:sp>
@@ -15560,7 +15645,7 @@
           <p:spPr>
             <a:xfrm>
               <a:off x="0" y="1544637"/>
-              <a:ext cx="4495800" cy="1044899"/>
+              <a:ext cx="4826000" cy="1044899"/>
             </a:xfrm>
             <a:prstGeom prst="rect">
               <a:avLst/>
@@ -15573,7 +15658,7 @@
             <a:effectLst/>
             <a:extLst>
               <a:ext uri="{C572A759-6A51-4108-AA02-DFA0A04FC94B}">
-                <ma14:wrappingTextBoxFlag xmlns:ma14="http://schemas.microsoft.com/office/mac/drawingml/2011/main" xmlns="" val="1"/>
+                <ma14:wrappingTextBoxFlag xmlns="" xmlns:ma14="http://schemas.microsoft.com/office/mac/drawingml/2011/main" val="1"/>
               </a:ext>
             </a:extLst>
           </p:spPr>
@@ -15584,7 +15669,7 @@
             <a:lstStyle/>
             <a:p>
               <a:r>
-                <a:rPr lang="en-US"/>
+                <a:rPr lang="en-US" dirty="0"/>
                 <a:t>Unify column naming, and re-order columns arrangement</a:t>
               </a:r>
             </a:p>
@@ -15598,8 +15683,8 @@
           </p:nvSpPr>
           <p:spPr>
             <a:xfrm>
-              <a:off x="-390037" y="0"/>
-              <a:ext cx="6239119" cy="1549142"/>
+              <a:off x="92197" y="-658732"/>
+              <a:ext cx="5486765" cy="2333972"/>
             </a:xfrm>
             <a:prstGeom prst="rect">
               <a:avLst/>
@@ -15612,7 +15697,7 @@
             <a:effectLst/>
             <a:extLst>
               <a:ext uri="{C572A759-6A51-4108-AA02-DFA0A04FC94B}">
-                <ma14:wrappingTextBoxFlag xmlns:ma14="http://schemas.microsoft.com/office/mac/drawingml/2011/main" xmlns="" val="1"/>
+                <ma14:wrappingTextBoxFlag xmlns="" xmlns:ma14="http://schemas.microsoft.com/office/mac/drawingml/2011/main" val="1"/>
               </a:ext>
             </a:extLst>
           </p:spPr>
@@ -15636,20 +15721,20 @@
             <a:p>
               <a:pPr algn="l"/>
               <a:r>
-                <a:rPr lang="hu-HU" sz="3400">
+                <a:rPr lang="hu-HU" sz="3400" dirty="0">
                   <a:ea typeface="+mn-lt"/>
                   <a:cs typeface="+mn-lt"/>
                 </a:rPr>
                 <a:t>Column rename &amp; resorter</a:t>
               </a:r>
-              <a:endParaRPr lang="en-US" sz="3400" b="0">
+              <a:endParaRPr lang="en-US" sz="3400" b="0" dirty="0">
                 <a:ea typeface="+mn-lt"/>
                 <a:cs typeface="+mn-lt"/>
               </a:endParaRPr>
             </a:p>
             <a:p>
               <a:pPr algn="l"/>
-              <a:endParaRPr sz="3400"/>
+              <a:endParaRPr sz="3400" dirty="0"/>
             </a:p>
           </p:txBody>
         </p:sp>
@@ -15721,7 +15806,7 @@
           <p:spPr>
             <a:xfrm>
               <a:off x="0" y="1544637"/>
-              <a:ext cx="4495800" cy="2060562"/>
+              <a:ext cx="4592148" cy="2060562"/>
             </a:xfrm>
             <a:prstGeom prst="rect">
               <a:avLst/>
@@ -15734,7 +15819,7 @@
             <a:effectLst/>
             <a:extLst>
               <a:ext uri="{C572A759-6A51-4108-AA02-DFA0A04FC94B}">
-                <ma14:wrappingTextBoxFlag xmlns:ma14="http://schemas.microsoft.com/office/mac/drawingml/2011/main" xmlns="" val="1"/>
+                <ma14:wrappingTextBoxFlag xmlns="" xmlns:ma14="http://schemas.microsoft.com/office/mac/drawingml/2011/main" val="1"/>
               </a:ext>
             </a:extLst>
           </p:spPr>
@@ -15746,14 +15831,14 @@
             <a:p>
               <a:pPr algn="l"/>
               <a:r>
-                <a:rPr lang="hu-HU"/>
+                <a:rPr lang="hu-HU" dirty="0"/>
                 <a:t>String to number conversion / number formatter / string replacer to change country names </a:t>
               </a:r>
-              <a:endParaRPr lang="en-US"/>
+              <a:endParaRPr lang="en-US" dirty="0"/>
             </a:p>
             <a:p>
               <a:pPr algn="l"/>
-              <a:endParaRPr/>
+              <a:endParaRPr dirty="0"/>
             </a:p>
           </p:txBody>
         </p:sp>
@@ -15779,7 +15864,7 @@
             <a:effectLst/>
             <a:extLst>
               <a:ext uri="{C572A759-6A51-4108-AA02-DFA0A04FC94B}">
-                <ma14:wrappingTextBoxFlag xmlns:ma14="http://schemas.microsoft.com/office/mac/drawingml/2011/main" xmlns="" val="1"/>
+                <ma14:wrappingTextBoxFlag xmlns="" xmlns:ma14="http://schemas.microsoft.com/office/mac/drawingml/2011/main" val="1"/>
               </a:ext>
             </a:extLst>
           </p:spPr>
@@ -15881,7 +15966,7 @@
           <a:effectLst/>
           <a:extLst>
             <a:ext uri="{C572A759-6A51-4108-AA02-DFA0A04FC94B}">
-              <ma14:wrappingTextBoxFlag xmlns:ma14="http://schemas.microsoft.com/office/mac/drawingml/2011/main" xmlns="" val="1"/>
+              <ma14:wrappingTextBoxFlag xmlns="" xmlns:ma14="http://schemas.microsoft.com/office/mac/drawingml/2011/main" val="1"/>
             </a:ext>
           </a:extLst>
         </p:spPr>
@@ -15939,7 +16024,7 @@
                             </p:stCondLst>
                             <p:childTnLst>
                               <p:par>
-                                <p:cTn id="5" presetID="2" presetClass="entr" presetSubtype="1" fill="hold" grpId="1" nodeType="clickEffect">
+                                <p:cTn id="5" presetID="2" presetClass="entr" presetSubtype="1" fill="hold" grpId="0" nodeType="clickEffect">
                                   <p:stCondLst>
                                     <p:cond delay="0"/>
                                   </p:stCondLst>
@@ -16029,7 +16114,7 @@
                             </p:stCondLst>
                             <p:childTnLst>
                               <p:par>
-                                <p:cTn id="11" presetID="2" presetClass="entr" presetSubtype="1" fill="hold" grpId="2" nodeType="clickEffect">
+                                <p:cTn id="11" presetID="2" presetClass="entr" presetSubtype="1" fill="hold" grpId="0" nodeType="clickEffect">
                                   <p:stCondLst>
                                     <p:cond delay="0"/>
                                   </p:stCondLst>
@@ -16119,7 +16204,7 @@
                             </p:stCondLst>
                             <p:childTnLst>
                               <p:par>
-                                <p:cTn id="17" presetID="2" presetClass="entr" presetSubtype="1" fill="hold" grpId="3" nodeType="clickEffect">
+                                <p:cTn id="17" presetID="2" presetClass="entr" presetSubtype="1" fill="hold" grpId="0" nodeType="clickEffect">
                                   <p:stCondLst>
                                     <p:cond delay="0"/>
                                   </p:stCondLst>
@@ -16209,7 +16294,7 @@
                             </p:stCondLst>
                             <p:childTnLst>
                               <p:par>
-                                <p:cTn id="23" presetID="2" presetClass="entr" presetSubtype="1" fill="hold" grpId="4" nodeType="clickEffect">
+                                <p:cTn id="23" presetID="2" presetClass="entr" presetSubtype="1" fill="hold" grpId="0" nodeType="clickEffect">
                                   <p:stCondLst>
                                     <p:cond delay="0"/>
                                   </p:stCondLst>
@@ -16308,10 +16393,10 @@
       </p:par>
     </p:tnLst>
     <p:bldLst>
-      <p:bldP spid="991" grpId="1" animBg="1" advAuto="0"/>
-      <p:bldP spid="995" grpId="2" animBg="1" advAuto="0"/>
-      <p:bldP spid="999" grpId="3" animBg="1" advAuto="0"/>
-      <p:bldP spid="1003" grpId="4" animBg="1" advAuto="0"/>
+      <p:bldP spid="991" grpId="0" animBg="1" advAuto="0"/>
+      <p:bldP spid="995" grpId="0" animBg="1" advAuto="0"/>
+      <p:bldP spid="999" grpId="0" animBg="1" advAuto="0"/>
+      <p:bldP spid="1003" grpId="0" animBg="1" advAuto="0"/>
     </p:bldLst>
   </p:timing>
 </p:sld>
@@ -16362,7 +16447,7 @@
           <a:effectLst/>
           <a:extLst>
             <a:ext uri="{C572A759-6A51-4108-AA02-DFA0A04FC94B}">
-              <ma14:wrappingTextBoxFlag xmlns:ma14="http://schemas.microsoft.com/office/mac/drawingml/2011/main" xmlns="" val="1"/>
+              <ma14:wrappingTextBoxFlag xmlns="" xmlns:ma14="http://schemas.microsoft.com/office/mac/drawingml/2011/main" val="1"/>
             </a:ext>
           </a:extLst>
         </p:spPr>
@@ -16393,10 +16478,10 @@
       </p:sp>
       <p:pic>
         <p:nvPicPr>
-          <p:cNvPr id="5" name="Kép 2" descr=".jpg">
+          <p:cNvPr id="2" name="Picture 1">
             <a:extLst>
               <a:ext uri="{FF2B5EF4-FFF2-40B4-BE49-F238E27FC236}">
-                <a16:creationId xmlns:a16="http://schemas.microsoft.com/office/drawing/2014/main" id="{C2B3D979-A30E-4081-B88B-0456654741EB}"/>
+                <a16:creationId xmlns:a16="http://schemas.microsoft.com/office/drawing/2014/main" id="{AD52A557-B452-43B3-8001-9D90BDB45735}"/>
               </a:ext>
             </a:extLst>
           </p:cNvPr>
@@ -16413,8 +16498,8 @@
         </p:blipFill>
         <p:spPr>
           <a:xfrm>
-            <a:off x="9430760" y="1249109"/>
-            <a:ext cx="13004797" cy="11488759"/>
+            <a:off x="8923825" y="601112"/>
+            <a:ext cx="14125856" cy="12513775"/>
           </a:xfrm>
           <a:prstGeom prst="rect">
             <a:avLst/>
@@ -16474,7 +16559,7 @@
           <a:effectLst/>
           <a:extLst>
             <a:ext uri="{C572A759-6A51-4108-AA02-DFA0A04FC94B}">
-              <ma14:wrappingTextBoxFlag xmlns:ma14="http://schemas.microsoft.com/office/mac/drawingml/2011/main" xmlns="" val="1"/>
+              <ma14:wrappingTextBoxFlag xmlns="" xmlns:ma14="http://schemas.microsoft.com/office/mac/drawingml/2011/main" val="1"/>
             </a:ext>
           </a:extLst>
         </p:spPr>
@@ -16586,7 +16671,7 @@
             <a:effectLst/>
             <a:extLst>
               <a:ext uri="{C572A759-6A51-4108-AA02-DFA0A04FC94B}">
-                <ma14:wrappingTextBoxFlag xmlns:ma14="http://schemas.microsoft.com/office/mac/drawingml/2011/main" xmlns="" val="1"/>
+                <ma14:wrappingTextBoxFlag xmlns="" xmlns:ma14="http://schemas.microsoft.com/office/mac/drawingml/2011/main" val="1"/>
               </a:ext>
             </a:extLst>
           </p:spPr>

--- a/DE2_presentation.pptx
+++ b/DE2_presentation.pptx
@@ -7272,7 +7272,7 @@
             <a:effectLst/>
             <a:extLst>
               <a:ext uri="{C572A759-6A51-4108-AA02-DFA0A04FC94B}">
-                <ma14:wrappingTextBoxFlag xmlns="" xmlns:ma14="http://schemas.microsoft.com/office/mac/drawingml/2011/main" val="1"/>
+                <ma14:wrappingTextBoxFlag xmlns:ma14="http://schemas.microsoft.com/office/mac/drawingml/2011/main" xmlns="" val="1"/>
               </a:ext>
             </a:extLst>
           </p:spPr>
@@ -7322,7 +7322,7 @@
             <a:effectLst/>
             <a:extLst>
               <a:ext uri="{C572A759-6A51-4108-AA02-DFA0A04FC94B}">
-                <ma14:wrappingTextBoxFlag xmlns="" xmlns:ma14="http://schemas.microsoft.com/office/mac/drawingml/2011/main" val="1"/>
+                <ma14:wrappingTextBoxFlag xmlns:ma14="http://schemas.microsoft.com/office/mac/drawingml/2011/main" xmlns="" val="1"/>
               </a:ext>
             </a:extLst>
           </p:spPr>
@@ -7401,7 +7401,7 @@
           </a:ln>
           <a:extLst>
             <a:ext uri="{C572A759-6A51-4108-AA02-DFA0A04FC94B}">
-              <ma14:wrappingTextBoxFlag xmlns="" xmlns:ma14="http://schemas.microsoft.com/office/mac/drawingml/2011/main" val="1"/>
+              <ma14:wrappingTextBoxFlag xmlns:ma14="http://schemas.microsoft.com/office/mac/drawingml/2011/main" xmlns="" val="1"/>
             </a:ext>
           </a:extLst>
         </p:spPr>
@@ -7438,7 +7438,7 @@
           </a:ln>
           <a:extLst>
             <a:ext uri="{C572A759-6A51-4108-AA02-DFA0A04FC94B}">
-              <ma14:wrappingTextBoxFlag xmlns="" xmlns:ma14="http://schemas.microsoft.com/office/mac/drawingml/2011/main" val="1"/>
+              <ma14:wrappingTextBoxFlag xmlns:ma14="http://schemas.microsoft.com/office/mac/drawingml/2011/main" xmlns="" val="1"/>
             </a:ext>
           </a:extLst>
         </p:spPr>
@@ -10365,7 +10365,7 @@
           <a:effectLst/>
           <a:extLst>
             <a:ext uri="{C572A759-6A51-4108-AA02-DFA0A04FC94B}">
-              <ma14:wrappingTextBoxFlag xmlns="" xmlns:ma14="http://schemas.microsoft.com/office/mac/drawingml/2011/main" val="1"/>
+              <ma14:wrappingTextBoxFlag xmlns:ma14="http://schemas.microsoft.com/office/mac/drawingml/2011/main" xmlns="" val="1"/>
             </a:ext>
           </a:extLst>
         </p:spPr>
@@ -10438,7 +10438,7 @@
           </a:prstGeom>
           <a:extLst>
             <a:ext uri="{C572A759-6A51-4108-AA02-DFA0A04FC94B}">
-              <ma14:wrappingTextBoxFlag xmlns="" xmlns:ma14="http://schemas.microsoft.com/office/mac/drawingml/2011/main" val="1"/>
+              <ma14:wrappingTextBoxFlag xmlns:ma14="http://schemas.microsoft.com/office/mac/drawingml/2011/main" xmlns="" val="1"/>
             </a:ext>
           </a:extLst>
         </p:spPr>
@@ -10489,7 +10489,7 @@
           <a:effectLst/>
           <a:extLst>
             <a:ext uri="{C572A759-6A51-4108-AA02-DFA0A04FC94B}">
-              <ma14:wrappingTextBoxFlag xmlns="" xmlns:ma14="http://schemas.microsoft.com/office/mac/drawingml/2011/main" val="1"/>
+              <ma14:wrappingTextBoxFlag xmlns:ma14="http://schemas.microsoft.com/office/mac/drawingml/2011/main" xmlns="" val="1"/>
             </a:ext>
           </a:extLst>
         </p:spPr>
@@ -10576,7 +10576,7 @@
           <a:effectLst/>
           <a:extLst>
             <a:ext uri="{C572A759-6A51-4108-AA02-DFA0A04FC94B}">
-              <ma14:wrappingTextBoxFlag xmlns="" xmlns:ma14="http://schemas.microsoft.com/office/mac/drawingml/2011/main" val="1"/>
+              <ma14:wrappingTextBoxFlag xmlns:ma14="http://schemas.microsoft.com/office/mac/drawingml/2011/main" xmlns="" val="1"/>
             </a:ext>
           </a:extLst>
         </p:spPr>
@@ -10728,7 +10728,7 @@
           </a:prstGeom>
           <a:extLst>
             <a:ext uri="{C572A759-6A51-4108-AA02-DFA0A04FC94B}">
-              <ma14:wrappingTextBoxFlag xmlns="" xmlns:ma14="http://schemas.microsoft.com/office/mac/drawingml/2011/main" val="1"/>
+              <ma14:wrappingTextBoxFlag xmlns:ma14="http://schemas.microsoft.com/office/mac/drawingml/2011/main" xmlns="" val="1"/>
             </a:ext>
           </a:extLst>
         </p:spPr>
@@ -10787,7 +10787,7 @@
             <a:effectLst/>
             <a:extLst>
               <a:ext uri="{C572A759-6A51-4108-AA02-DFA0A04FC94B}">
-                <ma14:wrappingTextBoxFlag xmlns="" xmlns:ma14="http://schemas.microsoft.com/office/mac/drawingml/2011/main" val="1"/>
+                <ma14:wrappingTextBoxFlag xmlns:ma14="http://schemas.microsoft.com/office/mac/drawingml/2011/main" xmlns="" val="1"/>
               </a:ext>
             </a:extLst>
           </p:spPr>
@@ -10839,7 +10839,7 @@
             <a:effectLst/>
             <a:extLst>
               <a:ext uri="{C572A759-6A51-4108-AA02-DFA0A04FC94B}">
-                <ma14:wrappingTextBoxFlag xmlns="" xmlns:ma14="http://schemas.microsoft.com/office/mac/drawingml/2011/main" val="1"/>
+                <ma14:wrappingTextBoxFlag xmlns:ma14="http://schemas.microsoft.com/office/mac/drawingml/2011/main" xmlns="" val="1"/>
               </a:ext>
             </a:extLst>
           </p:spPr>
@@ -11475,7 +11475,7 @@
           </a:prstGeom>
           <a:extLst>
             <a:ext uri="{C572A759-6A51-4108-AA02-DFA0A04FC94B}">
-              <ma14:wrappingTextBoxFlag xmlns="" xmlns:ma14="http://schemas.microsoft.com/office/mac/drawingml/2011/main" val="1"/>
+              <ma14:wrappingTextBoxFlag xmlns:ma14="http://schemas.microsoft.com/office/mac/drawingml/2011/main" xmlns="" val="1"/>
             </a:ext>
           </a:extLst>
         </p:spPr>
@@ -11520,7 +11520,7 @@
           <a:effectLst/>
           <a:extLst>
             <a:ext uri="{C572A759-6A51-4108-AA02-DFA0A04FC94B}">
-              <ma14:wrappingTextBoxFlag xmlns="" xmlns:ma14="http://schemas.microsoft.com/office/mac/drawingml/2011/main" val="1"/>
+              <ma14:wrappingTextBoxFlag xmlns:ma14="http://schemas.microsoft.com/office/mac/drawingml/2011/main" xmlns="" val="1"/>
             </a:ext>
           </a:extLst>
         </p:spPr>
@@ -11577,7 +11577,7 @@
           </a:ln>
           <a:extLst>
             <a:ext uri="{C572A759-6A51-4108-AA02-DFA0A04FC94B}">
-              <ma14:wrappingTextBoxFlag xmlns="" xmlns:ma14="http://schemas.microsoft.com/office/mac/drawingml/2011/main" val="1"/>
+              <ma14:wrappingTextBoxFlag xmlns:ma14="http://schemas.microsoft.com/office/mac/drawingml/2011/main" xmlns="" val="1"/>
             </a:ext>
           </a:extLst>
         </p:spPr>
@@ -11991,7 +11991,7 @@
             <a:effectLst/>
             <a:extLst>
               <a:ext uri="{C572A759-6A51-4108-AA02-DFA0A04FC94B}">
-                <ma14:wrappingTextBoxFlag xmlns="" xmlns:ma14="http://schemas.microsoft.com/office/mac/drawingml/2011/main" val="1"/>
+                <ma14:wrappingTextBoxFlag xmlns:ma14="http://schemas.microsoft.com/office/mac/drawingml/2011/main" xmlns="" val="1"/>
               </a:ext>
             </a:extLst>
           </p:spPr>
@@ -12047,7 +12047,7 @@
             <a:effectLst/>
             <a:extLst>
               <a:ext uri="{C572A759-6A51-4108-AA02-DFA0A04FC94B}">
-                <ma14:wrappingTextBoxFlag xmlns="" xmlns:ma14="http://schemas.microsoft.com/office/mac/drawingml/2011/main" val="1"/>
+                <ma14:wrappingTextBoxFlag xmlns:ma14="http://schemas.microsoft.com/office/mac/drawingml/2011/main" xmlns="" val="1"/>
               </a:ext>
             </a:extLst>
           </p:spPr>
@@ -12145,7 +12145,7 @@
             <a:effectLst/>
             <a:extLst>
               <a:ext uri="{C572A759-6A51-4108-AA02-DFA0A04FC94B}">
-                <ma14:wrappingTextBoxFlag xmlns="" xmlns:ma14="http://schemas.microsoft.com/office/mac/drawingml/2011/main" val="1"/>
+                <ma14:wrappingTextBoxFlag xmlns:ma14="http://schemas.microsoft.com/office/mac/drawingml/2011/main" xmlns="" val="1"/>
               </a:ext>
             </a:extLst>
           </p:spPr>
@@ -12251,7 +12251,7 @@
             <a:effectLst/>
             <a:extLst>
               <a:ext uri="{C572A759-6A51-4108-AA02-DFA0A04FC94B}">
-                <ma14:wrappingTextBoxFlag xmlns="" xmlns:ma14="http://schemas.microsoft.com/office/mac/drawingml/2011/main" val="1"/>
+                <ma14:wrappingTextBoxFlag xmlns:ma14="http://schemas.microsoft.com/office/mac/drawingml/2011/main" xmlns="" val="1"/>
               </a:ext>
             </a:extLst>
           </p:spPr>
@@ -12378,7 +12378,7 @@
             <a:effectLst/>
             <a:extLst>
               <a:ext uri="{C572A759-6A51-4108-AA02-DFA0A04FC94B}">
-                <ma14:wrappingTextBoxFlag xmlns="" xmlns:ma14="http://schemas.microsoft.com/office/mac/drawingml/2011/main" val="1"/>
+                <ma14:wrappingTextBoxFlag xmlns:ma14="http://schemas.microsoft.com/office/mac/drawingml/2011/main" xmlns="" val="1"/>
               </a:ext>
             </a:extLst>
           </p:spPr>
@@ -12484,7 +12484,7 @@
             <a:effectLst/>
             <a:extLst>
               <a:ext uri="{C572A759-6A51-4108-AA02-DFA0A04FC94B}">
-                <ma14:wrappingTextBoxFlag xmlns="" xmlns:ma14="http://schemas.microsoft.com/office/mac/drawingml/2011/main" val="1"/>
+                <ma14:wrappingTextBoxFlag xmlns:ma14="http://schemas.microsoft.com/office/mac/drawingml/2011/main" xmlns="" val="1"/>
               </a:ext>
             </a:extLst>
           </p:spPr>
@@ -12590,7 +12590,7 @@
             <a:effectLst/>
             <a:extLst>
               <a:ext uri="{C572A759-6A51-4108-AA02-DFA0A04FC94B}">
-                <ma14:wrappingTextBoxFlag xmlns="" xmlns:ma14="http://schemas.microsoft.com/office/mac/drawingml/2011/main" val="1"/>
+                <ma14:wrappingTextBoxFlag xmlns:ma14="http://schemas.microsoft.com/office/mac/drawingml/2011/main" xmlns="" val="1"/>
               </a:ext>
             </a:extLst>
           </p:spPr>
@@ -12647,7 +12647,7 @@
           <a:effectLst/>
           <a:extLst>
             <a:ext uri="{C572A759-6A51-4108-AA02-DFA0A04FC94B}">
-              <ma14:wrappingTextBoxFlag xmlns="" xmlns:ma14="http://schemas.microsoft.com/office/mac/drawingml/2011/main" val="1"/>
+              <ma14:wrappingTextBoxFlag xmlns:ma14="http://schemas.microsoft.com/office/mac/drawingml/2011/main" xmlns="" val="1"/>
             </a:ext>
           </a:extLst>
         </p:spPr>
@@ -12695,7 +12695,7 @@
           <a:effectLst/>
           <a:extLst>
             <a:ext uri="{C572A759-6A51-4108-AA02-DFA0A04FC94B}">
-              <ma14:wrappingTextBoxFlag xmlns="" xmlns:ma14="http://schemas.microsoft.com/office/mac/drawingml/2011/main" val="1"/>
+              <ma14:wrappingTextBoxFlag xmlns:ma14="http://schemas.microsoft.com/office/mac/drawingml/2011/main" xmlns="" val="1"/>
             </a:ext>
           </a:extLst>
         </p:spPr>
@@ -12743,7 +12743,7 @@
           <a:effectLst/>
           <a:extLst>
             <a:ext uri="{C572A759-6A51-4108-AA02-DFA0A04FC94B}">
-              <ma14:wrappingTextBoxFlag xmlns="" xmlns:ma14="http://schemas.microsoft.com/office/mac/drawingml/2011/main" val="1"/>
+              <ma14:wrappingTextBoxFlag xmlns:ma14="http://schemas.microsoft.com/office/mac/drawingml/2011/main" xmlns="" val="1"/>
             </a:ext>
           </a:extLst>
         </p:spPr>
@@ -12791,7 +12791,7 @@
           <a:effectLst/>
           <a:extLst>
             <a:ext uri="{C572A759-6A51-4108-AA02-DFA0A04FC94B}">
-              <ma14:wrappingTextBoxFlag xmlns="" xmlns:ma14="http://schemas.microsoft.com/office/mac/drawingml/2011/main" val="1"/>
+              <ma14:wrappingTextBoxFlag xmlns:ma14="http://schemas.microsoft.com/office/mac/drawingml/2011/main" xmlns="" val="1"/>
             </a:ext>
           </a:extLst>
         </p:spPr>
@@ -12839,7 +12839,7 @@
           <a:effectLst/>
           <a:extLst>
             <a:ext uri="{C572A759-6A51-4108-AA02-DFA0A04FC94B}">
-              <ma14:wrappingTextBoxFlag xmlns="" xmlns:ma14="http://schemas.microsoft.com/office/mac/drawingml/2011/main" val="1"/>
+              <ma14:wrappingTextBoxFlag xmlns:ma14="http://schemas.microsoft.com/office/mac/drawingml/2011/main" xmlns="" val="1"/>
             </a:ext>
           </a:extLst>
         </p:spPr>
@@ -13128,7 +13128,7 @@
           <a:effectLst/>
           <a:extLst>
             <a:ext uri="{C572A759-6A51-4108-AA02-DFA0A04FC94B}">
-              <ma14:wrappingTextBoxFlag xmlns="" xmlns:ma14="http://schemas.microsoft.com/office/mac/drawingml/2011/main" val="1"/>
+              <ma14:wrappingTextBoxFlag xmlns:ma14="http://schemas.microsoft.com/office/mac/drawingml/2011/main" xmlns="" val="1"/>
             </a:ext>
           </a:extLst>
         </p:spPr>
@@ -13239,7 +13239,7 @@
             <a:effectLst/>
             <a:extLst>
               <a:ext uri="{C572A759-6A51-4108-AA02-DFA0A04FC94B}">
-                <ma14:wrappingTextBoxFlag xmlns="" xmlns:ma14="http://schemas.microsoft.com/office/mac/drawingml/2011/main" val="1"/>
+                <ma14:wrappingTextBoxFlag xmlns:ma14="http://schemas.microsoft.com/office/mac/drawingml/2011/main" xmlns="" val="1"/>
               </a:ext>
             </a:extLst>
           </p:spPr>
@@ -13435,7 +13435,7 @@
           </a:prstGeom>
           <a:extLst>
             <a:ext uri="{C572A759-6A51-4108-AA02-DFA0A04FC94B}">
-              <ma14:wrappingTextBoxFlag xmlns="" xmlns:ma14="http://schemas.microsoft.com/office/mac/drawingml/2011/main" val="1"/>
+              <ma14:wrappingTextBoxFlag xmlns:ma14="http://schemas.microsoft.com/office/mac/drawingml/2011/main" xmlns="" val="1"/>
             </a:ext>
           </a:extLst>
         </p:spPr>
@@ -13859,7 +13859,7 @@
               <a:effectLst/>
               <a:extLst>
                 <a:ext uri="{C572A759-6A51-4108-AA02-DFA0A04FC94B}">
-                  <ma14:wrappingTextBoxFlag xmlns="" xmlns:ma14="http://schemas.microsoft.com/office/mac/drawingml/2011/main" val="1"/>
+                  <ma14:wrappingTextBoxFlag xmlns:ma14="http://schemas.microsoft.com/office/mac/drawingml/2011/main" xmlns="" val="1"/>
                 </a:ext>
               </a:extLst>
             </p:spPr>
@@ -13955,7 +13955,7 @@
               <a:effectLst/>
               <a:extLst>
                 <a:ext uri="{C572A759-6A51-4108-AA02-DFA0A04FC94B}">
-                  <ma14:wrappingTextBoxFlag xmlns="" xmlns:ma14="http://schemas.microsoft.com/office/mac/drawingml/2011/main" val="1"/>
+                  <ma14:wrappingTextBoxFlag xmlns:ma14="http://schemas.microsoft.com/office/mac/drawingml/2011/main" xmlns="" val="1"/>
                 </a:ext>
               </a:extLst>
             </p:spPr>
@@ -14020,7 +14020,7 @@
               <a:effectLst/>
               <a:extLst>
                 <a:ext uri="{C572A759-6A51-4108-AA02-DFA0A04FC94B}">
-                  <ma14:wrappingTextBoxFlag xmlns="" xmlns:ma14="http://schemas.microsoft.com/office/mac/drawingml/2011/main" val="1"/>
+                  <ma14:wrappingTextBoxFlag xmlns:ma14="http://schemas.microsoft.com/office/mac/drawingml/2011/main" xmlns="" val="1"/>
                 </a:ext>
               </a:extLst>
             </p:spPr>
@@ -14060,7 +14060,7 @@
               <a:effectLst/>
               <a:extLst>
                 <a:ext uri="{C572A759-6A51-4108-AA02-DFA0A04FC94B}">
-                  <ma14:wrappingTextBoxFlag xmlns="" xmlns:ma14="http://schemas.microsoft.com/office/mac/drawingml/2011/main" val="1"/>
+                  <ma14:wrappingTextBoxFlag xmlns:ma14="http://schemas.microsoft.com/office/mac/drawingml/2011/main" xmlns="" val="1"/>
                 </a:ext>
               </a:extLst>
             </p:spPr>
@@ -14156,7 +14156,7 @@
               <a:effectLst/>
               <a:extLst>
                 <a:ext uri="{C572A759-6A51-4108-AA02-DFA0A04FC94B}">
-                  <ma14:wrappingTextBoxFlag xmlns="" xmlns:ma14="http://schemas.microsoft.com/office/mac/drawingml/2011/main" val="1"/>
+                  <ma14:wrappingTextBoxFlag xmlns:ma14="http://schemas.microsoft.com/office/mac/drawingml/2011/main" xmlns="" val="1"/>
                 </a:ext>
               </a:extLst>
             </p:spPr>
@@ -14221,7 +14221,7 @@
               <a:effectLst/>
               <a:extLst>
                 <a:ext uri="{C572A759-6A51-4108-AA02-DFA0A04FC94B}">
-                  <ma14:wrappingTextBoxFlag xmlns="" xmlns:ma14="http://schemas.microsoft.com/office/mac/drawingml/2011/main" val="1"/>
+                  <ma14:wrappingTextBoxFlag xmlns:ma14="http://schemas.microsoft.com/office/mac/drawingml/2011/main" xmlns="" val="1"/>
                 </a:ext>
               </a:extLst>
             </p:spPr>
@@ -14317,7 +14317,7 @@
               <a:effectLst/>
               <a:extLst>
                 <a:ext uri="{C572A759-6A51-4108-AA02-DFA0A04FC94B}">
-                  <ma14:wrappingTextBoxFlag xmlns="" xmlns:ma14="http://schemas.microsoft.com/office/mac/drawingml/2011/main" val="1"/>
+                  <ma14:wrappingTextBoxFlag xmlns:ma14="http://schemas.microsoft.com/office/mac/drawingml/2011/main" xmlns="" val="1"/>
                 </a:ext>
               </a:extLst>
             </p:spPr>
@@ -14425,7 +14425,7 @@
           <a:effectLst/>
           <a:extLst>
             <a:ext uri="{C572A759-6A51-4108-AA02-DFA0A04FC94B}">
-              <ma14:wrappingTextBoxFlag xmlns="" xmlns:ma14="http://schemas.microsoft.com/office/mac/drawingml/2011/main" val="1"/>
+              <ma14:wrappingTextBoxFlag xmlns:ma14="http://schemas.microsoft.com/office/mac/drawingml/2011/main" xmlns="" val="1"/>
             </a:ext>
           </a:extLst>
         </p:spPr>
@@ -14483,7 +14483,7 @@
           <a:effectLst/>
           <a:extLst>
             <a:ext uri="{C572A759-6A51-4108-AA02-DFA0A04FC94B}">
-              <ma14:wrappingTextBoxFlag xmlns="" xmlns:ma14="http://schemas.microsoft.com/office/mac/drawingml/2011/main" val="1"/>
+              <ma14:wrappingTextBoxFlag xmlns:ma14="http://schemas.microsoft.com/office/mac/drawingml/2011/main" xmlns="" val="1"/>
             </a:ext>
           </a:extLst>
         </p:spPr>
@@ -14529,7 +14529,7 @@
           <a:effectLst/>
           <a:extLst>
             <a:ext uri="{C572A759-6A51-4108-AA02-DFA0A04FC94B}">
-              <ma14:wrappingTextBoxFlag xmlns="" xmlns:ma14="http://schemas.microsoft.com/office/mac/drawingml/2011/main" val="1"/>
+              <ma14:wrappingTextBoxFlag xmlns:ma14="http://schemas.microsoft.com/office/mac/drawingml/2011/main" xmlns="" val="1"/>
             </a:ext>
           </a:extLst>
         </p:spPr>
@@ -14577,7 +14577,7 @@
           <a:effectLst/>
           <a:extLst>
             <a:ext uri="{C572A759-6A51-4108-AA02-DFA0A04FC94B}">
-              <ma14:wrappingTextBoxFlag xmlns="" xmlns:ma14="http://schemas.microsoft.com/office/mac/drawingml/2011/main" val="1"/>
+              <ma14:wrappingTextBoxFlag xmlns:ma14="http://schemas.microsoft.com/office/mac/drawingml/2011/main" xmlns="" val="1"/>
             </a:ext>
           </a:extLst>
         </p:spPr>
@@ -14635,7 +14635,7 @@
           <a:effectLst/>
           <a:extLst>
             <a:ext uri="{C572A759-6A51-4108-AA02-DFA0A04FC94B}">
-              <ma14:wrappingTextBoxFlag xmlns="" xmlns:ma14="http://schemas.microsoft.com/office/mac/drawingml/2011/main" val="1"/>
+              <ma14:wrappingTextBoxFlag xmlns:ma14="http://schemas.microsoft.com/office/mac/drawingml/2011/main" xmlns="" val="1"/>
             </a:ext>
           </a:extLst>
         </p:spPr>
@@ -14949,7 +14949,7 @@
           <a:effectLst/>
           <a:extLst>
             <a:ext uri="{C572A759-6A51-4108-AA02-DFA0A04FC94B}">
-              <ma14:wrappingTextBoxFlag xmlns="" xmlns:ma14="http://schemas.microsoft.com/office/mac/drawingml/2011/main" val="1"/>
+              <ma14:wrappingTextBoxFlag xmlns:ma14="http://schemas.microsoft.com/office/mac/drawingml/2011/main" xmlns="" val="1"/>
             </a:ext>
           </a:extLst>
         </p:spPr>
@@ -15060,7 +15060,7 @@
             <a:effectLst/>
             <a:extLst>
               <a:ext uri="{C572A759-6A51-4108-AA02-DFA0A04FC94B}">
-                <ma14:wrappingTextBoxFlag xmlns="" xmlns:ma14="http://schemas.microsoft.com/office/mac/drawingml/2011/main" val="1"/>
+                <ma14:wrappingTextBoxFlag xmlns:ma14="http://schemas.microsoft.com/office/mac/drawingml/2011/main" xmlns="" val="1"/>
               </a:ext>
             </a:extLst>
           </p:spPr>
@@ -15250,6 +15250,36 @@
           <a:chExt cx="0" cy="0"/>
         </a:xfrm>
       </p:grpSpPr>
+      <p:pic>
+        <p:nvPicPr>
+          <p:cNvPr id="3" name="Picture 2">
+            <a:extLst>
+              <a:ext uri="{FF2B5EF4-FFF2-40B4-BE49-F238E27FC236}">
+                <a16:creationId xmlns:a16="http://schemas.microsoft.com/office/drawing/2014/main" id="{77167565-827A-4794-8180-8F2227924E33}"/>
+              </a:ext>
+            </a:extLst>
+          </p:cNvPr>
+          <p:cNvPicPr>
+            <a:picLocks noChangeAspect="1"/>
+          </p:cNvPicPr>
+          <p:nvPr/>
+        </p:nvPicPr>
+        <p:blipFill>
+          <a:blip r:embed="rId2"/>
+          <a:stretch>
+            <a:fillRect/>
+          </a:stretch>
+        </p:blipFill>
+        <p:spPr>
+          <a:xfrm>
+            <a:off x="8510953" y="7431848"/>
+            <a:ext cx="15724675" cy="6266420"/>
+          </a:xfrm>
+          <a:prstGeom prst="rect">
+            <a:avLst/>
+          </a:prstGeom>
+        </p:spPr>
+      </p:pic>
       <p:sp>
         <p:nvSpPr>
           <p:cNvPr id="987" name="Shape 987"/>
@@ -15266,7 +15296,7 @@
           </a:prstGeom>
           <a:extLst>
             <a:ext uri="{C572A759-6A51-4108-AA02-DFA0A04FC94B}">
-              <ma14:wrappingTextBoxFlag xmlns="" xmlns:ma14="http://schemas.microsoft.com/office/mac/drawingml/2011/main" val="1"/>
+              <ma14:wrappingTextBoxFlag xmlns:ma14="http://schemas.microsoft.com/office/mac/drawingml/2011/main" xmlns="" val="1"/>
             </a:ext>
           </a:extLst>
         </p:spPr>
@@ -15297,7 +15327,7 @@
         </p:nvGrpSpPr>
         <p:grpSpPr>
           <a:xfrm>
-            <a:off x="1719262" y="7647468"/>
+            <a:off x="1719262" y="6645146"/>
             <a:ext cx="4826002" cy="3097370"/>
             <a:chOff x="0" y="0"/>
             <a:chExt cx="4826000" cy="3097369"/>
@@ -15325,7 +15355,7 @@
             <a:effectLst/>
             <a:extLst>
               <a:ext uri="{C572A759-6A51-4108-AA02-DFA0A04FC94B}">
-                <ma14:wrappingTextBoxFlag xmlns="" xmlns:ma14="http://schemas.microsoft.com/office/mac/drawingml/2011/main" val="1"/>
+                <ma14:wrappingTextBoxFlag xmlns:ma14="http://schemas.microsoft.com/office/mac/drawingml/2011/main" xmlns="" val="1"/>
               </a:ext>
             </a:extLst>
           </p:spPr>
@@ -15370,7 +15400,7 @@
             <a:effectLst/>
             <a:extLst>
               <a:ext uri="{C572A759-6A51-4108-AA02-DFA0A04FC94B}">
-                <ma14:wrappingTextBoxFlag xmlns="" xmlns:ma14="http://schemas.microsoft.com/office/mac/drawingml/2011/main" val="1"/>
+                <ma14:wrappingTextBoxFlag xmlns:ma14="http://schemas.microsoft.com/office/mac/drawingml/2011/main" xmlns="" val="1"/>
               </a:ext>
             </a:extLst>
           </p:spPr>
@@ -15394,19 +15424,19 @@
             <a:p>
               <a:pPr algn="l"/>
               <a:r>
-                <a:rPr lang="hu-HU" sz="3600">
+                <a:rPr lang="hu-HU" sz="3600" dirty="0">
                   <a:ea typeface="+mn-lt"/>
                   <a:cs typeface="+mn-lt"/>
                 </a:rPr>
                 <a:t>Column filter</a:t>
               </a:r>
-              <a:endParaRPr lang="en-US" sz="3600" b="0">
+              <a:endParaRPr lang="en-US" sz="3600" b="0" dirty="0">
                 <a:ea typeface="+mn-lt"/>
                 <a:cs typeface="+mn-lt"/>
               </a:endParaRPr>
             </a:p>
             <a:p>
-              <a:endParaRPr/>
+              <a:endParaRPr dirty="0"/>
             </a:p>
           </p:txBody>
         </p:sp>
@@ -15463,8 +15493,8 @@
         </p:nvGrpSpPr>
         <p:grpSpPr>
           <a:xfrm>
-            <a:off x="7059612" y="6031393"/>
-            <a:ext cx="4826002" cy="4113030"/>
+            <a:off x="7059612" y="5503866"/>
+            <a:ext cx="4826002" cy="3557583"/>
             <a:chOff x="0" y="0"/>
             <a:chExt cx="4826000" cy="4113029"/>
           </a:xfrm>
@@ -15491,7 +15521,7 @@
             <a:effectLst/>
             <a:extLst>
               <a:ext uri="{C572A759-6A51-4108-AA02-DFA0A04FC94B}">
-                <ma14:wrappingTextBoxFlag xmlns="" xmlns:ma14="http://schemas.microsoft.com/office/mac/drawingml/2011/main" val="1"/>
+                <ma14:wrappingTextBoxFlag xmlns:ma14="http://schemas.microsoft.com/office/mac/drawingml/2011/main" xmlns="" val="1"/>
               </a:ext>
             </a:extLst>
           </p:spPr>
@@ -15536,7 +15566,7 @@
             <a:effectLst/>
             <a:extLst>
               <a:ext uri="{C572A759-6A51-4108-AA02-DFA0A04FC94B}">
-                <ma14:wrappingTextBoxFlag xmlns="" xmlns:ma14="http://schemas.microsoft.com/office/mac/drawingml/2011/main" val="1"/>
+                <ma14:wrappingTextBoxFlag xmlns:ma14="http://schemas.microsoft.com/office/mac/drawingml/2011/main" xmlns="" val="1"/>
               </a:ext>
             </a:extLst>
           </p:spPr>
@@ -15560,20 +15590,20 @@
             <a:p>
               <a:pPr algn="l"/>
               <a:r>
-                <a:rPr lang="hu-HU" sz="3600">
+                <a:rPr lang="hu-HU" sz="3600" dirty="0">
                   <a:ea typeface="+mn-lt"/>
                   <a:cs typeface="+mn-lt"/>
                 </a:rPr>
                 <a:t>Row filter</a:t>
               </a:r>
-              <a:endParaRPr lang="en-US" sz="3600" b="0">
+              <a:endParaRPr lang="en-US" sz="3600" b="0" dirty="0">
                 <a:ea typeface="+mn-lt"/>
                 <a:cs typeface="+mn-lt"/>
               </a:endParaRPr>
             </a:p>
             <a:p>
               <a:pPr algn="l"/>
-              <a:endParaRPr sz="3600"/>
+              <a:endParaRPr sz="3600" dirty="0"/>
             </a:p>
           </p:txBody>
         </p:sp>
@@ -15630,7 +15660,7 @@
         </p:nvGrpSpPr>
         <p:grpSpPr>
           <a:xfrm>
-            <a:off x="12399962" y="3759761"/>
+            <a:off x="12399962" y="3566327"/>
             <a:ext cx="5578964" cy="3248268"/>
             <a:chOff x="0" y="-658732"/>
             <a:chExt cx="5578962" cy="3248268"/>
@@ -15658,7 +15688,7 @@
             <a:effectLst/>
             <a:extLst>
               <a:ext uri="{C572A759-6A51-4108-AA02-DFA0A04FC94B}">
-                <ma14:wrappingTextBoxFlag xmlns="" xmlns:ma14="http://schemas.microsoft.com/office/mac/drawingml/2011/main" val="1"/>
+                <ma14:wrappingTextBoxFlag xmlns:ma14="http://schemas.microsoft.com/office/mac/drawingml/2011/main" xmlns="" val="1"/>
               </a:ext>
             </a:extLst>
           </p:spPr>
@@ -15697,7 +15727,7 @@
             <a:effectLst/>
             <a:extLst>
               <a:ext uri="{C572A759-6A51-4108-AA02-DFA0A04FC94B}">
-                <ma14:wrappingTextBoxFlag xmlns="" xmlns:ma14="http://schemas.microsoft.com/office/mac/drawingml/2011/main" val="1"/>
+                <ma14:wrappingTextBoxFlag xmlns:ma14="http://schemas.microsoft.com/office/mac/drawingml/2011/main" xmlns="" val="1"/>
               </a:ext>
             </a:extLst>
           </p:spPr>
@@ -15819,7 +15849,7 @@
             <a:effectLst/>
             <a:extLst>
               <a:ext uri="{C572A759-6A51-4108-AA02-DFA0A04FC94B}">
-                <ma14:wrappingTextBoxFlag xmlns="" xmlns:ma14="http://schemas.microsoft.com/office/mac/drawingml/2011/main" val="1"/>
+                <ma14:wrappingTextBoxFlag xmlns:ma14="http://schemas.microsoft.com/office/mac/drawingml/2011/main" xmlns="" val="1"/>
               </a:ext>
             </a:extLst>
           </p:spPr>
@@ -15864,7 +15894,7 @@
             <a:effectLst/>
             <a:extLst>
               <a:ext uri="{C572A759-6A51-4108-AA02-DFA0A04FC94B}">
-                <ma14:wrappingTextBoxFlag xmlns="" xmlns:ma14="http://schemas.microsoft.com/office/mac/drawingml/2011/main" val="1"/>
+                <ma14:wrappingTextBoxFlag xmlns:ma14="http://schemas.microsoft.com/office/mac/drawingml/2011/main" xmlns="" val="1"/>
               </a:ext>
             </a:extLst>
           </p:spPr>
@@ -15966,7 +15996,7 @@
           <a:effectLst/>
           <a:extLst>
             <a:ext uri="{C572A759-6A51-4108-AA02-DFA0A04FC94B}">
-              <ma14:wrappingTextBoxFlag xmlns="" xmlns:ma14="http://schemas.microsoft.com/office/mac/drawingml/2011/main" val="1"/>
+              <ma14:wrappingTextBoxFlag xmlns:ma14="http://schemas.microsoft.com/office/mac/drawingml/2011/main" xmlns="" val="1"/>
             </a:ext>
           </a:extLst>
         </p:spPr>
@@ -16447,7 +16477,7 @@
           <a:effectLst/>
           <a:extLst>
             <a:ext uri="{C572A759-6A51-4108-AA02-DFA0A04FC94B}">
-              <ma14:wrappingTextBoxFlag xmlns="" xmlns:ma14="http://schemas.microsoft.com/office/mac/drawingml/2011/main" val="1"/>
+              <ma14:wrappingTextBoxFlag xmlns:ma14="http://schemas.microsoft.com/office/mac/drawingml/2011/main" xmlns="" val="1"/>
             </a:ext>
           </a:extLst>
         </p:spPr>
@@ -16559,7 +16589,7 @@
           <a:effectLst/>
           <a:extLst>
             <a:ext uri="{C572A759-6A51-4108-AA02-DFA0A04FC94B}">
-              <ma14:wrappingTextBoxFlag xmlns="" xmlns:ma14="http://schemas.microsoft.com/office/mac/drawingml/2011/main" val="1"/>
+              <ma14:wrappingTextBoxFlag xmlns:ma14="http://schemas.microsoft.com/office/mac/drawingml/2011/main" xmlns="" val="1"/>
             </a:ext>
           </a:extLst>
         </p:spPr>
@@ -16671,7 +16701,7 @@
             <a:effectLst/>
             <a:extLst>
               <a:ext uri="{C572A759-6A51-4108-AA02-DFA0A04FC94B}">
-                <ma14:wrappingTextBoxFlag xmlns="" xmlns:ma14="http://schemas.microsoft.com/office/mac/drawingml/2011/main" val="1"/>
+                <ma14:wrappingTextBoxFlag xmlns:ma14="http://schemas.microsoft.com/office/mac/drawingml/2011/main" xmlns="" val="1"/>
               </a:ext>
             </a:extLst>
           </p:spPr>

--- a/DE2_presentation.pptx
+++ b/DE2_presentation.pptx
@@ -6,7 +6,7 @@
     <p:sldMasterId id="2147483654" r:id="rId2"/>
   </p:sldMasterIdLst>
   <p:notesMasterIdLst>
-    <p:notesMasterId r:id="rId14"/>
+    <p:notesMasterId r:id="rId17"/>
   </p:notesMasterIdLst>
   <p:sldIdLst>
     <p:sldId id="361" r:id="rId3"/>
@@ -14,12 +14,15 @@
     <p:sldId id="364" r:id="rId5"/>
     <p:sldId id="360" r:id="rId6"/>
     <p:sldId id="274" r:id="rId7"/>
-    <p:sldId id="362" r:id="rId8"/>
-    <p:sldId id="287" r:id="rId9"/>
-    <p:sldId id="365" r:id="rId10"/>
-    <p:sldId id="363" r:id="rId11"/>
-    <p:sldId id="279" r:id="rId12"/>
-    <p:sldId id="271" r:id="rId13"/>
+    <p:sldId id="366" r:id="rId8"/>
+    <p:sldId id="362" r:id="rId9"/>
+    <p:sldId id="287" r:id="rId10"/>
+    <p:sldId id="365" r:id="rId11"/>
+    <p:sldId id="363" r:id="rId12"/>
+    <p:sldId id="368" r:id="rId13"/>
+    <p:sldId id="279" r:id="rId14"/>
+    <p:sldId id="271" r:id="rId15"/>
+    <p:sldId id="369" r:id="rId16"/>
   </p:sldIdLst>
   <p:sldSz cx="24384000" cy="13716000"/>
   <p:notesSz cx="6858000" cy="9144000"/>
@@ -7272,7 +7275,7 @@
             <a:effectLst/>
             <a:extLst>
               <a:ext uri="{C572A759-6A51-4108-AA02-DFA0A04FC94B}">
-                <ma14:wrappingTextBoxFlag xmlns:ma14="http://schemas.microsoft.com/office/mac/drawingml/2011/main" xmlns="" val="1"/>
+                <ma14:wrappingTextBoxFlag xmlns="" xmlns:ma14="http://schemas.microsoft.com/office/mac/drawingml/2011/main" val="1"/>
               </a:ext>
             </a:extLst>
           </p:spPr>
@@ -7322,7 +7325,7 @@
             <a:effectLst/>
             <a:extLst>
               <a:ext uri="{C572A759-6A51-4108-AA02-DFA0A04FC94B}">
-                <ma14:wrappingTextBoxFlag xmlns:ma14="http://schemas.microsoft.com/office/mac/drawingml/2011/main" xmlns="" val="1"/>
+                <ma14:wrappingTextBoxFlag xmlns="" xmlns:ma14="http://schemas.microsoft.com/office/mac/drawingml/2011/main" val="1"/>
               </a:ext>
             </a:extLst>
           </p:spPr>
@@ -7401,7 +7404,7 @@
           </a:ln>
           <a:extLst>
             <a:ext uri="{C572A759-6A51-4108-AA02-DFA0A04FC94B}">
-              <ma14:wrappingTextBoxFlag xmlns:ma14="http://schemas.microsoft.com/office/mac/drawingml/2011/main" xmlns="" val="1"/>
+              <ma14:wrappingTextBoxFlag xmlns="" xmlns:ma14="http://schemas.microsoft.com/office/mac/drawingml/2011/main" val="1"/>
             </a:ext>
           </a:extLst>
         </p:spPr>
@@ -7438,7 +7441,7 @@
           </a:ln>
           <a:extLst>
             <a:ext uri="{C572A759-6A51-4108-AA02-DFA0A04FC94B}">
-              <ma14:wrappingTextBoxFlag xmlns:ma14="http://schemas.microsoft.com/office/mac/drawingml/2011/main" xmlns="" val="1"/>
+              <ma14:wrappingTextBoxFlag xmlns="" xmlns:ma14="http://schemas.microsoft.com/office/mac/drawingml/2011/main" val="1"/>
             </a:ext>
           </a:extLst>
         </p:spPr>
@@ -10307,6 +10310,1977 @@
           <a:chExt cx="0" cy="0"/>
         </a:xfrm>
       </p:grpSpPr>
+      <p:sp>
+        <p:nvSpPr>
+          <p:cNvPr id="2969" name="Shape 2969"/>
+          <p:cNvSpPr/>
+          <p:nvPr/>
+        </p:nvSpPr>
+        <p:spPr>
+          <a:xfrm>
+            <a:off x="7078662" y="5191124"/>
+            <a:ext cx="10798176" cy="1785425"/>
+          </a:xfrm>
+          <a:prstGeom prst="rect">
+            <a:avLst/>
+          </a:prstGeom>
+          <a:noFill/>
+          <a:ln w="12700" cap="flat">
+            <a:noFill/>
+            <a:miter lim="400000"/>
+          </a:ln>
+          <a:effectLst/>
+          <a:extLst>
+            <a:ext uri="{C572A759-6A51-4108-AA02-DFA0A04FC94B}">
+              <ma14:wrappingTextBoxFlag xmlns="" xmlns:ma14="http://schemas.microsoft.com/office/mac/drawingml/2011/main" val="1"/>
+            </a:ext>
+          </a:extLst>
+        </p:spPr>
+        <p:txBody>
+          <a:bodyPr wrap="square" lIns="38100" tIns="38100" rIns="38100" bIns="38100" numCol="1" anchor="t">
+            <a:spAutoFit/>
+          </a:bodyPr>
+          <a:lstStyle/>
+          <a:p>
+            <a:pPr algn="l">
+              <a:lnSpc>
+                <a:spcPct val="70000"/>
+              </a:lnSpc>
+              <a:defRPr sz="15000" b="1">
+                <a:solidFill>
+                  <a:srgbClr val="282828"/>
+                </a:solidFill>
+                <a:latin typeface="+mn-lt"/>
+                <a:ea typeface="+mn-ea"/>
+                <a:cs typeface="+mn-cs"/>
+                <a:sym typeface="Open Sans Semibold"/>
+              </a:defRPr>
+            </a:pPr>
+            <a:r>
+              <a:rPr lang="en-US" dirty="0"/>
+              <a:t>Analytics</a:t>
+            </a:r>
+            <a:endParaRPr dirty="0"/>
+          </a:p>
+        </p:txBody>
+      </p:sp>
+      <p:grpSp>
+        <p:nvGrpSpPr>
+          <p:cNvPr id="2973" name="Group 2973"/>
+          <p:cNvGrpSpPr/>
+          <p:nvPr/>
+        </p:nvGrpSpPr>
+        <p:grpSpPr>
+          <a:xfrm>
+            <a:off x="2614612" y="-2"/>
+            <a:ext cx="3673477" cy="9741084"/>
+            <a:chOff x="0" y="-1"/>
+            <a:chExt cx="3673476" cy="9741082"/>
+          </a:xfrm>
+        </p:grpSpPr>
+        <p:sp>
+          <p:nvSpPr>
+            <p:cNvPr id="2971" name="Shape 2971"/>
+            <p:cNvSpPr/>
+            <p:nvPr/>
+          </p:nvSpPr>
+          <p:spPr>
+            <a:xfrm rot="5400000">
+              <a:off x="-2852738" y="2852737"/>
+              <a:ext cx="9378951" cy="3673476"/>
+            </a:xfrm>
+            <a:prstGeom prst="rect">
+              <a:avLst/>
+            </a:prstGeom>
+            <a:solidFill>
+              <a:srgbClr val="3A76B4"/>
+            </a:solidFill>
+            <a:ln w="12700" cap="flat">
+              <a:noFill/>
+              <a:miter lim="400000"/>
+            </a:ln>
+            <a:effectLst/>
+          </p:spPr>
+          <p:txBody>
+            <a:bodyPr wrap="square" lIns="38100" tIns="38100" rIns="38100" bIns="38100" numCol="1" anchor="ctr">
+              <a:noAutofit/>
+            </a:bodyPr>
+            <a:lstStyle/>
+            <a:p>
+              <a:pPr>
+                <a:defRPr sz="1800">
+                  <a:solidFill>
+                    <a:srgbClr val="FEFCFF"/>
+                  </a:solidFill>
+                  <a:latin typeface="Arial"/>
+                  <a:ea typeface="Arial"/>
+                  <a:cs typeface="Arial"/>
+                  <a:sym typeface="Arial"/>
+                </a:defRPr>
+              </a:pPr>
+              <a:endParaRPr/>
+            </a:p>
+          </p:txBody>
+        </p:sp>
+        <p:sp>
+          <p:nvSpPr>
+            <p:cNvPr id="2972" name="Shape 2972"/>
+            <p:cNvSpPr/>
+            <p:nvPr/>
+          </p:nvSpPr>
+          <p:spPr>
+            <a:xfrm>
+              <a:off x="792162" y="6570662"/>
+              <a:ext cx="2376488" cy="3170419"/>
+            </a:xfrm>
+            <a:prstGeom prst="rect">
+              <a:avLst/>
+            </a:prstGeom>
+            <a:noFill/>
+            <a:ln w="12700" cap="flat">
+              <a:noFill/>
+              <a:miter lim="400000"/>
+            </a:ln>
+            <a:effectLst/>
+            <a:extLst>
+              <a:ext uri="{C572A759-6A51-4108-AA02-DFA0A04FC94B}">
+                <ma14:wrappingTextBoxFlag xmlns="" xmlns:ma14="http://schemas.microsoft.com/office/mac/drawingml/2011/main" val="1"/>
+              </a:ext>
+            </a:extLst>
+          </p:spPr>
+          <p:txBody>
+            <a:bodyPr wrap="square" lIns="38100" tIns="38100" rIns="38100" bIns="38100" numCol="1" anchor="t">
+              <a:spAutoFit/>
+            </a:bodyPr>
+            <a:lstStyle>
+              <a:lvl1pPr>
+                <a:defRPr sz="15000" b="1">
+                  <a:solidFill>
+                    <a:srgbClr val="FEFCFF"/>
+                  </a:solidFill>
+                  <a:latin typeface="+mn-lt"/>
+                  <a:ea typeface="+mn-ea"/>
+                  <a:cs typeface="+mn-cs"/>
+                  <a:sym typeface="Open Sans Semibold"/>
+                </a:defRPr>
+              </a:lvl1pPr>
+            </a:lstStyle>
+            <a:p>
+              <a:r>
+                <a:t>0</a:t>
+              </a:r>
+              <a:r>
+                <a:rPr lang="en-US"/>
+                <a:t>3</a:t>
+              </a:r>
+              <a:endParaRPr/>
+            </a:p>
+          </p:txBody>
+        </p:sp>
+      </p:grpSp>
+    </p:spTree>
+    <p:extLst>
+      <p:ext uri="{BB962C8B-B14F-4D97-AF65-F5344CB8AC3E}">
+        <p14:creationId xmlns:p14="http://schemas.microsoft.com/office/powerpoint/2010/main" val="2908928930"/>
+      </p:ext>
+    </p:extLst>
+  </p:cSld>
+  <p:clrMapOvr>
+    <a:masterClrMapping/>
+  </p:clrMapOvr>
+  <p:transition spd="med">
+    <p:push/>
+  </p:transition>
+  <p:timing>
+    <p:tnLst>
+      <p:par>
+        <p:cTn id="1" dur="indefinite" restart="never" fill="hold" nodeType="tmRoot">
+          <p:childTnLst>
+            <p:seq concurrent="1" prevAc="none" nextAc="seek">
+              <p:cTn id="2" dur="indefinite" fill="hold" nodeType="mainSeq">
+                <p:childTnLst>
+                  <p:par>
+                    <p:cTn id="3" fill="hold">
+                      <p:stCondLst>
+                        <p:cond delay="indefinite"/>
+                      </p:stCondLst>
+                      <p:childTnLst>
+                        <p:par>
+                          <p:cTn id="4" fill="hold">
+                            <p:stCondLst>
+                              <p:cond delay="0"/>
+                            </p:stCondLst>
+                            <p:childTnLst>
+                              <p:par>
+                                <p:cTn id="5" presetID="2" presetClass="entr" presetSubtype="1" fill="hold" grpId="0" nodeType="clickEffect">
+                                  <p:stCondLst>
+                                    <p:cond delay="0"/>
+                                  </p:stCondLst>
+                                  <p:iterate>
+                                    <p:tmAbs val="0"/>
+                                  </p:iterate>
+                                  <p:childTnLst>
+                                    <p:set>
+                                      <p:cBhvr>
+                                        <p:cTn id="6" fill="hold"/>
+                                        <p:tgtEl>
+                                          <p:spTgt spid="2973"/>
+                                        </p:tgtEl>
+                                        <p:attrNameLst>
+                                          <p:attrName>style.visibility</p:attrName>
+                                        </p:attrNameLst>
+                                      </p:cBhvr>
+                                      <p:to>
+                                        <p:strVal val="visible"/>
+                                      </p:to>
+                                    </p:set>
+                                    <p:anim calcmode="lin" valueType="num">
+                                      <p:cBhvr>
+                                        <p:cTn id="7" dur="1000" fill="hold"/>
+                                        <p:tgtEl>
+                                          <p:spTgt spid="2973"/>
+                                        </p:tgtEl>
+                                        <p:attrNameLst>
+                                          <p:attrName>ppt_x</p:attrName>
+                                        </p:attrNameLst>
+                                      </p:cBhvr>
+                                      <p:tavLst>
+                                        <p:tav tm="0">
+                                          <p:val>
+                                            <p:strVal val="#ppt_x"/>
+                                          </p:val>
+                                        </p:tav>
+                                        <p:tav tm="100000">
+                                          <p:val>
+                                            <p:strVal val="#ppt_x"/>
+                                          </p:val>
+                                        </p:tav>
+                                      </p:tavLst>
+                                    </p:anim>
+                                    <p:anim calcmode="lin" valueType="num">
+                                      <p:cBhvr>
+                                        <p:cTn id="8" dur="1000" fill="hold"/>
+                                        <p:tgtEl>
+                                          <p:spTgt spid="2973"/>
+                                        </p:tgtEl>
+                                        <p:attrNameLst>
+                                          <p:attrName>ppt_y</p:attrName>
+                                        </p:attrNameLst>
+                                      </p:cBhvr>
+                                      <p:tavLst>
+                                        <p:tav tm="0">
+                                          <p:val>
+                                            <p:strVal val="0-#ppt_h/2"/>
+                                          </p:val>
+                                        </p:tav>
+                                        <p:tav tm="100000">
+                                          <p:val>
+                                            <p:strVal val="#ppt_y"/>
+                                          </p:val>
+                                        </p:tav>
+                                      </p:tavLst>
+                                    </p:anim>
+                                  </p:childTnLst>
+                                </p:cTn>
+                              </p:par>
+                            </p:childTnLst>
+                          </p:cTn>
+                        </p:par>
+                      </p:childTnLst>
+                    </p:cTn>
+                  </p:par>
+                </p:childTnLst>
+              </p:cTn>
+              <p:prevCondLst>
+                <p:cond evt="onPrev" delay="0">
+                  <p:tgtEl>
+                    <p:sldTgt/>
+                  </p:tgtEl>
+                </p:cond>
+              </p:prevCondLst>
+              <p:nextCondLst>
+                <p:cond evt="onNext" delay="0">
+                  <p:tgtEl>
+                    <p:sldTgt/>
+                  </p:tgtEl>
+                </p:cond>
+              </p:nextCondLst>
+            </p:seq>
+          </p:childTnLst>
+        </p:cTn>
+      </p:par>
+    </p:tnLst>
+    <p:bldLst>
+      <p:bldP spid="2973" grpId="0" animBg="1" advAuto="0"/>
+    </p:bldLst>
+  </p:timing>
+</p:sld>
+</file>
+
+<file path=ppt/slides/slide11.xml><?xml version="1.0" encoding="utf-8"?>
+<p:sld xmlns:a="http://schemas.openxmlformats.org/drawingml/2006/main" xmlns:r="http://schemas.openxmlformats.org/officeDocument/2006/relationships" xmlns:p="http://schemas.openxmlformats.org/presentationml/2006/main">
+  <p:cSld>
+    <p:spTree>
+      <p:nvGrpSpPr>
+        <p:cNvPr id="1" name=""/>
+        <p:cNvGrpSpPr/>
+        <p:nvPr/>
+      </p:nvGrpSpPr>
+      <p:grpSpPr>
+        <a:xfrm>
+          <a:off x="0" y="0"/>
+          <a:ext cx="0" cy="0"/>
+          <a:chOff x="0" y="0"/>
+          <a:chExt cx="0" cy="0"/>
+        </a:xfrm>
+      </p:grpSpPr>
+      <p:sp>
+        <p:nvSpPr>
+          <p:cNvPr id="2734" name="Shape 2734"/>
+          <p:cNvSpPr>
+            <a:spLocks noGrp="1"/>
+          </p:cNvSpPr>
+          <p:nvPr>
+            <p:ph type="sldNum" sz="quarter" idx="2"/>
+          </p:nvPr>
+        </p:nvSpPr>
+        <p:spPr>
+          <a:prstGeom prst="rect">
+            <a:avLst/>
+          </a:prstGeom>
+          <a:extLst>
+            <a:ext uri="{C572A759-6A51-4108-AA02-DFA0A04FC94B}">
+              <ma14:wrappingTextBoxFlag xmlns="" xmlns:ma14="http://schemas.microsoft.com/office/mac/drawingml/2011/main" val="1"/>
+            </a:ext>
+          </a:extLst>
+        </p:spPr>
+        <p:txBody>
+          <a:bodyPr/>
+          <a:lstStyle>
+            <a:lvl1pPr>
+              <a:defRPr>
+                <a:solidFill>
+                  <a:srgbClr val="9B9A9C"/>
+                </a:solidFill>
+              </a:defRPr>
+            </a:lvl1pPr>
+          </a:lstStyle>
+          <a:p>
+            <a:fld id="{86CB4B4D-7CA3-9044-876B-883B54F8677D}" type="slidenum">
+              <a:t>11</a:t>
+            </a:fld>
+            <a:endParaRPr/>
+          </a:p>
+        </p:txBody>
+      </p:sp>
+      <p:sp>
+        <p:nvSpPr>
+          <p:cNvPr id="2736" name="Shape 2736"/>
+          <p:cNvSpPr/>
+          <p:nvPr/>
+        </p:nvSpPr>
+        <p:spPr>
+          <a:xfrm>
+            <a:off x="3046660" y="2418960"/>
+            <a:ext cx="9471924" cy="1520544"/>
+          </a:xfrm>
+          <a:prstGeom prst="rect">
+            <a:avLst/>
+          </a:prstGeom>
+          <a:noFill/>
+          <a:ln w="12700" cap="flat">
+            <a:noFill/>
+            <a:miter lim="400000"/>
+          </a:ln>
+          <a:effectLst/>
+          <a:extLst>
+            <a:ext uri="{C572A759-6A51-4108-AA02-DFA0A04FC94B}">
+              <ma14:wrappingTextBoxFlag xmlns="" xmlns:ma14="http://schemas.microsoft.com/office/mac/drawingml/2011/main" val="1"/>
+            </a:ext>
+          </a:extLst>
+        </p:spPr>
+        <p:txBody>
+          <a:bodyPr wrap="square" lIns="38100" tIns="38100" rIns="38100" bIns="38100" numCol="1" anchor="t">
+            <a:spAutoFit/>
+          </a:bodyPr>
+          <a:lstStyle>
+            <a:lvl1pPr>
+              <a:defRPr sz="10000" b="1">
+                <a:solidFill>
+                  <a:srgbClr val="252D30"/>
+                </a:solidFill>
+                <a:latin typeface="+mn-lt"/>
+                <a:ea typeface="+mn-ea"/>
+                <a:cs typeface="+mn-cs"/>
+                <a:sym typeface="Open Sans Semibold"/>
+              </a:defRPr>
+            </a:lvl1pPr>
+          </a:lstStyle>
+          <a:p>
+            <a:r>
+              <a:rPr lang="en-US" sz="7000" dirty="0"/>
+              <a:t>Analytical Questions</a:t>
+            </a:r>
+            <a:endParaRPr sz="7000" dirty="0"/>
+          </a:p>
+        </p:txBody>
+      </p:sp>
+      <p:sp>
+        <p:nvSpPr>
+          <p:cNvPr id="10" name="Shape 444">
+            <a:extLst>
+              <a:ext uri="{FF2B5EF4-FFF2-40B4-BE49-F238E27FC236}">
+                <a16:creationId xmlns:a16="http://schemas.microsoft.com/office/drawing/2014/main" id="{032083C1-E760-4F66-A41F-095A21D1BAA5}"/>
+              </a:ext>
+            </a:extLst>
+          </p:cNvPr>
+          <p:cNvSpPr txBox="1">
+            <a:spLocks/>
+          </p:cNvSpPr>
+          <p:nvPr/>
+        </p:nvSpPr>
+        <p:spPr>
+          <a:xfrm>
+            <a:off x="23145750" y="15399028"/>
+            <a:ext cx="408410" cy="457200"/>
+          </a:xfrm>
+          <a:prstGeom prst="rect">
+            <a:avLst/>
+          </a:prstGeom>
+          <a:ln w="12700">
+            <a:miter lim="400000"/>
+          </a:ln>
+          <a:extLst>
+            <a:ext uri="{C572A759-6A51-4108-AA02-DFA0A04FC94B}">
+              <ma14:wrappingTextBoxFlag xmlns="" xmlns:ma14="http://schemas.microsoft.com/office/mac/drawingml/2011/main" val="1"/>
+            </a:ext>
+          </a:extLst>
+        </p:spPr>
+        <p:txBody>
+          <a:bodyPr wrap="none" lIns="38100" tIns="38100" rIns="38100" bIns="38100">
+            <a:spAutoFit/>
+          </a:bodyPr>
+          <a:lstStyle>
+            <a:defPPr marL="0" marR="0" indent="0" algn="l" defTabSz="914400" rtl="0" fontAlgn="auto" latinLnBrk="1" hangingPunct="0">
+              <a:lnSpc>
+                <a:spcPct val="100000"/>
+              </a:lnSpc>
+              <a:spcBef>
+                <a:spcPts val="0"/>
+              </a:spcBef>
+              <a:spcAft>
+                <a:spcPts val="0"/>
+              </a:spcAft>
+              <a:buClrTx/>
+              <a:buSzTx/>
+              <a:buFontTx/>
+              <a:buNone/>
+              <a:tabLst/>
+              <a:defRPr kumimoji="0" sz="1800" b="0" i="0" u="none" strike="noStrike" cap="none" spc="0" normalizeH="0" baseline="0">
+                <a:ln>
+                  <a:noFill/>
+                </a:ln>
+                <a:solidFill>
+                  <a:srgbClr val="000000"/>
+                </a:solidFill>
+                <a:effectLst/>
+                <a:uFillTx/>
+              </a:defRPr>
+            </a:defPPr>
+            <a:lvl1pPr marL="0" marR="0" indent="0" algn="just" defTabSz="914400" rtl="0" fontAlgn="auto" latinLnBrk="0" hangingPunct="0">
+              <a:lnSpc>
+                <a:spcPct val="150000"/>
+              </a:lnSpc>
+              <a:spcBef>
+                <a:spcPts val="0"/>
+              </a:spcBef>
+              <a:spcAft>
+                <a:spcPts val="0"/>
+              </a:spcAft>
+              <a:buClrTx/>
+              <a:buSzTx/>
+              <a:buFontTx/>
+              <a:buNone/>
+              <a:tabLst/>
+              <a:defRPr kumimoji="0" sz="2200" b="0" i="0" u="none" strike="noStrike" cap="none" spc="0" normalizeH="0" baseline="0">
+                <a:ln>
+                  <a:noFill/>
+                </a:ln>
+                <a:solidFill>
+                  <a:srgbClr val="9B9A9C"/>
+                </a:solidFill>
+                <a:effectLst/>
+                <a:uFillTx/>
+                <a:latin typeface="Open Sans"/>
+                <a:ea typeface="Open Sans"/>
+                <a:cs typeface="Open Sans"/>
+                <a:sym typeface="Open Sans"/>
+              </a:defRPr>
+            </a:lvl1pPr>
+            <a:lvl2pPr marL="0" marR="0" indent="228600" algn="just" defTabSz="914400" rtl="0" fontAlgn="auto" latinLnBrk="0" hangingPunct="0">
+              <a:lnSpc>
+                <a:spcPct val="150000"/>
+              </a:lnSpc>
+              <a:spcBef>
+                <a:spcPts val="0"/>
+              </a:spcBef>
+              <a:spcAft>
+                <a:spcPts val="0"/>
+              </a:spcAft>
+              <a:buClrTx/>
+              <a:buSzTx/>
+              <a:buFontTx/>
+              <a:buNone/>
+              <a:tabLst/>
+              <a:defRPr kumimoji="0" sz="2200" b="0" i="0" u="none" strike="noStrike" cap="none" spc="0" normalizeH="0" baseline="0">
+                <a:ln>
+                  <a:noFill/>
+                </a:ln>
+                <a:solidFill>
+                  <a:srgbClr val="9B999C"/>
+                </a:solidFill>
+                <a:effectLst/>
+                <a:uFillTx/>
+                <a:latin typeface="Open Sans"/>
+                <a:ea typeface="Open Sans"/>
+                <a:cs typeface="Open Sans"/>
+                <a:sym typeface="Open Sans"/>
+              </a:defRPr>
+            </a:lvl2pPr>
+            <a:lvl3pPr marL="0" marR="0" indent="457200" algn="just" defTabSz="914400" rtl="0" fontAlgn="auto" latinLnBrk="0" hangingPunct="0">
+              <a:lnSpc>
+                <a:spcPct val="150000"/>
+              </a:lnSpc>
+              <a:spcBef>
+                <a:spcPts val="0"/>
+              </a:spcBef>
+              <a:spcAft>
+                <a:spcPts val="0"/>
+              </a:spcAft>
+              <a:buClrTx/>
+              <a:buSzTx/>
+              <a:buFontTx/>
+              <a:buNone/>
+              <a:tabLst/>
+              <a:defRPr kumimoji="0" sz="2200" b="0" i="0" u="none" strike="noStrike" cap="none" spc="0" normalizeH="0" baseline="0">
+                <a:ln>
+                  <a:noFill/>
+                </a:ln>
+                <a:solidFill>
+                  <a:srgbClr val="9B999C"/>
+                </a:solidFill>
+                <a:effectLst/>
+                <a:uFillTx/>
+                <a:latin typeface="Open Sans"/>
+                <a:ea typeface="Open Sans"/>
+                <a:cs typeface="Open Sans"/>
+                <a:sym typeface="Open Sans"/>
+              </a:defRPr>
+            </a:lvl3pPr>
+            <a:lvl4pPr marL="0" marR="0" indent="685800" algn="just" defTabSz="914400" rtl="0" fontAlgn="auto" latinLnBrk="0" hangingPunct="0">
+              <a:lnSpc>
+                <a:spcPct val="150000"/>
+              </a:lnSpc>
+              <a:spcBef>
+                <a:spcPts val="0"/>
+              </a:spcBef>
+              <a:spcAft>
+                <a:spcPts val="0"/>
+              </a:spcAft>
+              <a:buClrTx/>
+              <a:buSzTx/>
+              <a:buFontTx/>
+              <a:buNone/>
+              <a:tabLst/>
+              <a:defRPr kumimoji="0" sz="2200" b="0" i="0" u="none" strike="noStrike" cap="none" spc="0" normalizeH="0" baseline="0">
+                <a:ln>
+                  <a:noFill/>
+                </a:ln>
+                <a:solidFill>
+                  <a:srgbClr val="9B999C"/>
+                </a:solidFill>
+                <a:effectLst/>
+                <a:uFillTx/>
+                <a:latin typeface="Open Sans"/>
+                <a:ea typeface="Open Sans"/>
+                <a:cs typeface="Open Sans"/>
+                <a:sym typeface="Open Sans"/>
+              </a:defRPr>
+            </a:lvl4pPr>
+            <a:lvl5pPr marL="0" marR="0" indent="914400" algn="just" defTabSz="914400" rtl="0" fontAlgn="auto" latinLnBrk="0" hangingPunct="0">
+              <a:lnSpc>
+                <a:spcPct val="150000"/>
+              </a:lnSpc>
+              <a:spcBef>
+                <a:spcPts val="0"/>
+              </a:spcBef>
+              <a:spcAft>
+                <a:spcPts val="0"/>
+              </a:spcAft>
+              <a:buClrTx/>
+              <a:buSzTx/>
+              <a:buFontTx/>
+              <a:buNone/>
+              <a:tabLst/>
+              <a:defRPr kumimoji="0" sz="2200" b="0" i="0" u="none" strike="noStrike" cap="none" spc="0" normalizeH="0" baseline="0">
+                <a:ln>
+                  <a:noFill/>
+                </a:ln>
+                <a:solidFill>
+                  <a:srgbClr val="9B999C"/>
+                </a:solidFill>
+                <a:effectLst/>
+                <a:uFillTx/>
+                <a:latin typeface="Open Sans"/>
+                <a:ea typeface="Open Sans"/>
+                <a:cs typeface="Open Sans"/>
+                <a:sym typeface="Open Sans"/>
+              </a:defRPr>
+            </a:lvl5pPr>
+            <a:lvl6pPr marL="0" marR="0" indent="0" algn="just" defTabSz="914400" rtl="0" fontAlgn="auto" latinLnBrk="0" hangingPunct="0">
+              <a:lnSpc>
+                <a:spcPct val="150000"/>
+              </a:lnSpc>
+              <a:spcBef>
+                <a:spcPts val="0"/>
+              </a:spcBef>
+              <a:spcAft>
+                <a:spcPts val="0"/>
+              </a:spcAft>
+              <a:buClrTx/>
+              <a:buSzTx/>
+              <a:buFontTx/>
+              <a:buNone/>
+              <a:tabLst/>
+              <a:defRPr kumimoji="0" sz="2200" b="0" i="0" u="none" strike="noStrike" cap="none" spc="0" normalizeH="0" baseline="0">
+                <a:ln>
+                  <a:noFill/>
+                </a:ln>
+                <a:solidFill>
+                  <a:srgbClr val="9B999C"/>
+                </a:solidFill>
+                <a:effectLst/>
+                <a:uFillTx/>
+                <a:latin typeface="Open Sans"/>
+                <a:ea typeface="Open Sans"/>
+                <a:cs typeface="Open Sans"/>
+                <a:sym typeface="Open Sans"/>
+              </a:defRPr>
+            </a:lvl6pPr>
+            <a:lvl7pPr marL="0" marR="0" indent="0" algn="just" defTabSz="914400" rtl="0" fontAlgn="auto" latinLnBrk="0" hangingPunct="0">
+              <a:lnSpc>
+                <a:spcPct val="150000"/>
+              </a:lnSpc>
+              <a:spcBef>
+                <a:spcPts val="0"/>
+              </a:spcBef>
+              <a:spcAft>
+                <a:spcPts val="0"/>
+              </a:spcAft>
+              <a:buClrTx/>
+              <a:buSzTx/>
+              <a:buFontTx/>
+              <a:buNone/>
+              <a:tabLst/>
+              <a:defRPr kumimoji="0" sz="2200" b="0" i="0" u="none" strike="noStrike" cap="none" spc="0" normalizeH="0" baseline="0">
+                <a:ln>
+                  <a:noFill/>
+                </a:ln>
+                <a:solidFill>
+                  <a:srgbClr val="9B999C"/>
+                </a:solidFill>
+                <a:effectLst/>
+                <a:uFillTx/>
+                <a:latin typeface="Open Sans"/>
+                <a:ea typeface="Open Sans"/>
+                <a:cs typeface="Open Sans"/>
+                <a:sym typeface="Open Sans"/>
+              </a:defRPr>
+            </a:lvl7pPr>
+            <a:lvl8pPr marL="0" marR="0" indent="0" algn="just" defTabSz="914400" rtl="0" fontAlgn="auto" latinLnBrk="0" hangingPunct="0">
+              <a:lnSpc>
+                <a:spcPct val="150000"/>
+              </a:lnSpc>
+              <a:spcBef>
+                <a:spcPts val="0"/>
+              </a:spcBef>
+              <a:spcAft>
+                <a:spcPts val="0"/>
+              </a:spcAft>
+              <a:buClrTx/>
+              <a:buSzTx/>
+              <a:buFontTx/>
+              <a:buNone/>
+              <a:tabLst/>
+              <a:defRPr kumimoji="0" sz="2200" b="0" i="0" u="none" strike="noStrike" cap="none" spc="0" normalizeH="0" baseline="0">
+                <a:ln>
+                  <a:noFill/>
+                </a:ln>
+                <a:solidFill>
+                  <a:srgbClr val="9B999C"/>
+                </a:solidFill>
+                <a:effectLst/>
+                <a:uFillTx/>
+                <a:latin typeface="Open Sans"/>
+                <a:ea typeface="Open Sans"/>
+                <a:cs typeface="Open Sans"/>
+                <a:sym typeface="Open Sans"/>
+              </a:defRPr>
+            </a:lvl8pPr>
+            <a:lvl9pPr marL="0" marR="0" indent="0" algn="just" defTabSz="914400" rtl="0" fontAlgn="auto" latinLnBrk="0" hangingPunct="0">
+              <a:lnSpc>
+                <a:spcPct val="150000"/>
+              </a:lnSpc>
+              <a:spcBef>
+                <a:spcPts val="0"/>
+              </a:spcBef>
+              <a:spcAft>
+                <a:spcPts val="0"/>
+              </a:spcAft>
+              <a:buClrTx/>
+              <a:buSzTx/>
+              <a:buFontTx/>
+              <a:buNone/>
+              <a:tabLst/>
+              <a:defRPr kumimoji="0" sz="2200" b="0" i="0" u="none" strike="noStrike" cap="none" spc="0" normalizeH="0" baseline="0">
+                <a:ln>
+                  <a:noFill/>
+                </a:ln>
+                <a:solidFill>
+                  <a:srgbClr val="9B999C"/>
+                </a:solidFill>
+                <a:effectLst/>
+                <a:uFillTx/>
+                <a:latin typeface="Open Sans"/>
+                <a:ea typeface="Open Sans"/>
+                <a:cs typeface="Open Sans"/>
+                <a:sym typeface="Open Sans"/>
+              </a:defRPr>
+            </a:lvl9pPr>
+          </a:lstStyle>
+          <a:p>
+            <a:fld id="{86CB4B4D-7CA3-9044-876B-883B54F8677D}" type="slidenum">
+              <a:rPr lang="en-US"/>
+              <a:pPr/>
+              <a:t>11</a:t>
+            </a:fld>
+            <a:endParaRPr lang="en-US"/>
+          </a:p>
+        </p:txBody>
+      </p:sp>
+      <p:grpSp>
+        <p:nvGrpSpPr>
+          <p:cNvPr id="11" name="Group 457">
+            <a:extLst>
+              <a:ext uri="{FF2B5EF4-FFF2-40B4-BE49-F238E27FC236}">
+                <a16:creationId xmlns:a16="http://schemas.microsoft.com/office/drawing/2014/main" id="{85A886C7-7827-4A20-9869-B4D89F13F0EE}"/>
+              </a:ext>
+            </a:extLst>
+          </p:cNvPr>
+          <p:cNvGrpSpPr/>
+          <p:nvPr/>
+        </p:nvGrpSpPr>
+        <p:grpSpPr>
+          <a:xfrm>
+            <a:off x="2038349" y="5504140"/>
+            <a:ext cx="8785226" cy="4846045"/>
+            <a:chOff x="0" y="0"/>
+            <a:chExt cx="8785226" cy="4846045"/>
+          </a:xfrm>
+        </p:grpSpPr>
+        <p:sp>
+          <p:nvSpPr>
+            <p:cNvPr id="45" name="Shape 447">
+              <a:extLst>
+                <a:ext uri="{FF2B5EF4-FFF2-40B4-BE49-F238E27FC236}">
+                  <a16:creationId xmlns:a16="http://schemas.microsoft.com/office/drawing/2014/main" id="{639B2379-B6EC-49B9-9127-A9F9530DE762}"/>
+                </a:ext>
+              </a:extLst>
+            </p:cNvPr>
+            <p:cNvSpPr/>
+            <p:nvPr/>
+          </p:nvSpPr>
+          <p:spPr>
+            <a:xfrm>
+              <a:off x="0" y="0"/>
+              <a:ext cx="695325" cy="695325"/>
+            </a:xfrm>
+            <a:prstGeom prst="ellipse">
+              <a:avLst/>
+            </a:prstGeom>
+            <a:solidFill>
+              <a:srgbClr val="3A76B4"/>
+            </a:solidFill>
+            <a:ln w="12700" cap="flat">
+              <a:noFill/>
+              <a:miter lim="400000"/>
+            </a:ln>
+            <a:effectLst/>
+          </p:spPr>
+          <p:txBody>
+            <a:bodyPr wrap="square" lIns="38100" tIns="38100" rIns="38100" bIns="38100" numCol="1" anchor="ctr">
+              <a:noAutofit/>
+            </a:bodyPr>
+            <a:lstStyle/>
+            <a:p>
+              <a:pPr>
+                <a:defRPr sz="1800">
+                  <a:solidFill>
+                    <a:srgbClr val="FEFCFF"/>
+                  </a:solidFill>
+                  <a:latin typeface="Arial"/>
+                  <a:ea typeface="Arial"/>
+                  <a:cs typeface="Arial"/>
+                  <a:sym typeface="Arial"/>
+                </a:defRPr>
+              </a:pPr>
+              <a:endParaRPr/>
+            </a:p>
+          </p:txBody>
+        </p:sp>
+        <p:sp>
+          <p:nvSpPr>
+            <p:cNvPr id="46" name="Shape 448">
+              <a:extLst>
+                <a:ext uri="{FF2B5EF4-FFF2-40B4-BE49-F238E27FC236}">
+                  <a16:creationId xmlns:a16="http://schemas.microsoft.com/office/drawing/2014/main" id="{7BDBF45F-7B9C-4661-BA70-D5B1ADB6AA16}"/>
+                </a:ext>
+              </a:extLst>
+            </p:cNvPr>
+            <p:cNvSpPr/>
+            <p:nvPr/>
+          </p:nvSpPr>
+          <p:spPr>
+            <a:xfrm>
+              <a:off x="0" y="91165"/>
+              <a:ext cx="685801" cy="381001"/>
+            </a:xfrm>
+            <a:prstGeom prst="rect">
+              <a:avLst/>
+            </a:prstGeom>
+            <a:noFill/>
+            <a:ln w="12700" cap="flat">
+              <a:noFill/>
+              <a:miter lim="400000"/>
+            </a:ln>
+            <a:effectLst/>
+            <a:extLst>
+              <a:ext uri="{C572A759-6A51-4108-AA02-DFA0A04FC94B}">
+                <ma14:wrappingTextBoxFlag xmlns="" xmlns:ma14="http://schemas.microsoft.com/office/mac/drawingml/2011/main" val="1"/>
+              </a:ext>
+            </a:extLst>
+          </p:spPr>
+          <p:txBody>
+            <a:bodyPr wrap="square" lIns="38100" tIns="38100" rIns="38100" bIns="38100" numCol="1" anchor="t">
+              <a:spAutoFit/>
+            </a:bodyPr>
+            <a:lstStyle>
+              <a:lvl1pPr algn="ctr">
+                <a:defRPr sz="1800" b="1">
+                  <a:solidFill>
+                    <a:srgbClr val="FEFCFF"/>
+                  </a:solidFill>
+                  <a:latin typeface="+mn-lt"/>
+                  <a:ea typeface="+mn-ea"/>
+                  <a:cs typeface="+mn-cs"/>
+                  <a:sym typeface="Open Sans Semibold"/>
+                </a:defRPr>
+              </a:lvl1pPr>
+            </a:lstStyle>
+            <a:p>
+              <a:r>
+                <a:t>1</a:t>
+              </a:r>
+            </a:p>
+          </p:txBody>
+        </p:sp>
+        <p:sp>
+          <p:nvSpPr>
+            <p:cNvPr id="47" name="Shape 449">
+              <a:extLst>
+                <a:ext uri="{FF2B5EF4-FFF2-40B4-BE49-F238E27FC236}">
+                  <a16:creationId xmlns:a16="http://schemas.microsoft.com/office/drawing/2014/main" id="{E78D098B-3EBF-4DEC-B87A-7F94F5287E8A}"/>
+                </a:ext>
+              </a:extLst>
+            </p:cNvPr>
+            <p:cNvSpPr/>
+            <p:nvPr/>
+          </p:nvSpPr>
+          <p:spPr>
+            <a:xfrm>
+              <a:off x="955675" y="1945809"/>
+              <a:ext cx="7829551" cy="1962457"/>
+            </a:xfrm>
+            <a:prstGeom prst="rect">
+              <a:avLst/>
+            </a:prstGeom>
+            <a:noFill/>
+            <a:ln w="12700" cap="flat">
+              <a:noFill/>
+              <a:miter lim="400000"/>
+            </a:ln>
+            <a:effectLst/>
+            <a:extLst>
+              <a:ext uri="{C572A759-6A51-4108-AA02-DFA0A04FC94B}">
+                <ma14:wrappingTextBoxFlag xmlns="" xmlns:ma14="http://schemas.microsoft.com/office/mac/drawingml/2011/main" val="1"/>
+              </a:ext>
+            </a:extLst>
+          </p:spPr>
+          <p:txBody>
+            <a:bodyPr wrap="square" lIns="45719" tIns="45719" rIns="45719" bIns="45719" numCol="1" anchor="t">
+              <a:spAutoFit/>
+            </a:bodyPr>
+            <a:lstStyle>
+              <a:lvl1pPr algn="l"/>
+            </a:lstStyle>
+            <a:p>
+              <a:r>
+                <a:rPr lang="en-US" sz="2800"/>
+                <a:t>How index changes with different regions? And does lower index actually translate to less time to start a business? </a:t>
+              </a:r>
+              <a:endParaRPr sz="2800"/>
+            </a:p>
+          </p:txBody>
+        </p:sp>
+        <p:sp>
+          <p:nvSpPr>
+            <p:cNvPr id="48" name="Shape 451">
+              <a:extLst>
+                <a:ext uri="{FF2B5EF4-FFF2-40B4-BE49-F238E27FC236}">
+                  <a16:creationId xmlns:a16="http://schemas.microsoft.com/office/drawing/2014/main" id="{9B7E939B-7924-490B-9F0E-CE9F7F13D2DB}"/>
+                </a:ext>
+              </a:extLst>
+            </p:cNvPr>
+            <p:cNvSpPr/>
+            <p:nvPr/>
+          </p:nvSpPr>
+          <p:spPr>
+            <a:xfrm>
+              <a:off x="0" y="2003071"/>
+              <a:ext cx="695325" cy="695326"/>
+            </a:xfrm>
+            <a:prstGeom prst="ellipse">
+              <a:avLst/>
+            </a:prstGeom>
+            <a:solidFill>
+              <a:srgbClr val="3A76B4"/>
+            </a:solidFill>
+            <a:ln w="12700" cap="flat">
+              <a:noFill/>
+              <a:miter lim="400000"/>
+            </a:ln>
+            <a:effectLst/>
+          </p:spPr>
+          <p:txBody>
+            <a:bodyPr wrap="square" lIns="38100" tIns="38100" rIns="38100" bIns="38100" numCol="1" anchor="ctr">
+              <a:noAutofit/>
+            </a:bodyPr>
+            <a:lstStyle/>
+            <a:p>
+              <a:pPr>
+                <a:defRPr sz="1800">
+                  <a:solidFill>
+                    <a:srgbClr val="FEFCFF"/>
+                  </a:solidFill>
+                  <a:latin typeface="Arial"/>
+                  <a:ea typeface="Arial"/>
+                  <a:cs typeface="Arial"/>
+                  <a:sym typeface="Arial"/>
+                </a:defRPr>
+              </a:pPr>
+              <a:endParaRPr/>
+            </a:p>
+          </p:txBody>
+        </p:sp>
+        <p:sp>
+          <p:nvSpPr>
+            <p:cNvPr id="49" name="Shape 452">
+              <a:extLst>
+                <a:ext uri="{FF2B5EF4-FFF2-40B4-BE49-F238E27FC236}">
+                  <a16:creationId xmlns:a16="http://schemas.microsoft.com/office/drawing/2014/main" id="{9EE4DF4B-F960-430A-B139-680009A8ED81}"/>
+                </a:ext>
+              </a:extLst>
+            </p:cNvPr>
+            <p:cNvSpPr/>
+            <p:nvPr/>
+          </p:nvSpPr>
+          <p:spPr>
+            <a:xfrm>
+              <a:off x="21999" y="2083238"/>
+              <a:ext cx="685801" cy="381001"/>
+            </a:xfrm>
+            <a:prstGeom prst="rect">
+              <a:avLst/>
+            </a:prstGeom>
+            <a:noFill/>
+            <a:ln w="12700" cap="flat">
+              <a:noFill/>
+              <a:miter lim="400000"/>
+            </a:ln>
+            <a:effectLst/>
+            <a:extLst>
+              <a:ext uri="{C572A759-6A51-4108-AA02-DFA0A04FC94B}">
+                <ma14:wrappingTextBoxFlag xmlns="" xmlns:ma14="http://schemas.microsoft.com/office/mac/drawingml/2011/main" val="1"/>
+              </a:ext>
+            </a:extLst>
+          </p:spPr>
+          <p:txBody>
+            <a:bodyPr wrap="square" lIns="38100" tIns="38100" rIns="38100" bIns="38100" numCol="1" anchor="t">
+              <a:spAutoFit/>
+            </a:bodyPr>
+            <a:lstStyle>
+              <a:lvl1pPr algn="ctr">
+                <a:defRPr sz="1800" b="1">
+                  <a:solidFill>
+                    <a:srgbClr val="FEFCFF"/>
+                  </a:solidFill>
+                  <a:latin typeface="+mn-lt"/>
+                  <a:ea typeface="+mn-ea"/>
+                  <a:cs typeface="+mn-cs"/>
+                  <a:sym typeface="Open Sans Semibold"/>
+                </a:defRPr>
+              </a:lvl1pPr>
+            </a:lstStyle>
+            <a:p>
+              <a:r>
+                <a:t>2</a:t>
+              </a:r>
+            </a:p>
+          </p:txBody>
+        </p:sp>
+        <p:sp>
+          <p:nvSpPr>
+            <p:cNvPr id="50" name="Shape 455">
+              <a:extLst>
+                <a:ext uri="{FF2B5EF4-FFF2-40B4-BE49-F238E27FC236}">
+                  <a16:creationId xmlns:a16="http://schemas.microsoft.com/office/drawing/2014/main" id="{3ED22ECD-400B-4525-AB0E-F6A396C07259}"/>
+                </a:ext>
+              </a:extLst>
+            </p:cNvPr>
+            <p:cNvSpPr/>
+            <p:nvPr/>
+          </p:nvSpPr>
+          <p:spPr>
+            <a:xfrm>
+              <a:off x="0" y="4150720"/>
+              <a:ext cx="695325" cy="695325"/>
+            </a:xfrm>
+            <a:prstGeom prst="ellipse">
+              <a:avLst/>
+            </a:prstGeom>
+            <a:solidFill>
+              <a:srgbClr val="3A76B4"/>
+            </a:solidFill>
+            <a:ln w="12700" cap="flat">
+              <a:noFill/>
+              <a:miter lim="400000"/>
+            </a:ln>
+            <a:effectLst/>
+          </p:spPr>
+          <p:txBody>
+            <a:bodyPr wrap="square" lIns="38100" tIns="38100" rIns="38100" bIns="38100" numCol="1" anchor="ctr">
+              <a:noAutofit/>
+            </a:bodyPr>
+            <a:lstStyle/>
+            <a:p>
+              <a:pPr>
+                <a:defRPr sz="1800">
+                  <a:solidFill>
+                    <a:srgbClr val="FEFCFF"/>
+                  </a:solidFill>
+                  <a:latin typeface="Arial"/>
+                  <a:ea typeface="Arial"/>
+                  <a:cs typeface="Arial"/>
+                  <a:sym typeface="Arial"/>
+                </a:defRPr>
+              </a:pPr>
+              <a:endParaRPr/>
+            </a:p>
+          </p:txBody>
+        </p:sp>
+        <p:sp>
+          <p:nvSpPr>
+            <p:cNvPr id="51" name="Shape 456">
+              <a:extLst>
+                <a:ext uri="{FF2B5EF4-FFF2-40B4-BE49-F238E27FC236}">
+                  <a16:creationId xmlns:a16="http://schemas.microsoft.com/office/drawing/2014/main" id="{F72DCB20-BE4A-4B76-ADB9-A38FD8AE37C9}"/>
+                </a:ext>
+              </a:extLst>
+            </p:cNvPr>
+            <p:cNvSpPr/>
+            <p:nvPr/>
+          </p:nvSpPr>
+          <p:spPr>
+            <a:xfrm>
+              <a:off x="0" y="4230889"/>
+              <a:ext cx="687389" cy="381000"/>
+            </a:xfrm>
+            <a:prstGeom prst="rect">
+              <a:avLst/>
+            </a:prstGeom>
+            <a:noFill/>
+            <a:ln w="12700" cap="flat">
+              <a:noFill/>
+              <a:miter lim="400000"/>
+            </a:ln>
+            <a:effectLst/>
+            <a:extLst>
+              <a:ext uri="{C572A759-6A51-4108-AA02-DFA0A04FC94B}">
+                <ma14:wrappingTextBoxFlag xmlns="" xmlns:ma14="http://schemas.microsoft.com/office/mac/drawingml/2011/main" val="1"/>
+              </a:ext>
+            </a:extLst>
+          </p:spPr>
+          <p:txBody>
+            <a:bodyPr wrap="square" lIns="38100" tIns="38100" rIns="38100" bIns="38100" numCol="1" anchor="t">
+              <a:spAutoFit/>
+            </a:bodyPr>
+            <a:lstStyle>
+              <a:lvl1pPr algn="ctr">
+                <a:defRPr sz="1800" b="1">
+                  <a:solidFill>
+                    <a:srgbClr val="FEFCFF"/>
+                  </a:solidFill>
+                  <a:latin typeface="+mn-lt"/>
+                  <a:ea typeface="+mn-ea"/>
+                  <a:cs typeface="+mn-cs"/>
+                  <a:sym typeface="Open Sans Semibold"/>
+                </a:defRPr>
+              </a:lvl1pPr>
+            </a:lstStyle>
+            <a:p>
+              <a:r>
+                <a:t>3</a:t>
+              </a:r>
+            </a:p>
+          </p:txBody>
+        </p:sp>
+      </p:grpSp>
+      <p:grpSp>
+        <p:nvGrpSpPr>
+          <p:cNvPr id="12" name="Group 470">
+            <a:extLst>
+              <a:ext uri="{FF2B5EF4-FFF2-40B4-BE49-F238E27FC236}">
+                <a16:creationId xmlns:a16="http://schemas.microsoft.com/office/drawing/2014/main" id="{7BACCC5C-2DC3-40DD-B526-5D12FCFF610C}"/>
+              </a:ext>
+            </a:extLst>
+          </p:cNvPr>
+          <p:cNvGrpSpPr/>
+          <p:nvPr/>
+        </p:nvGrpSpPr>
+        <p:grpSpPr>
+          <a:xfrm>
+            <a:off x="12320117" y="5504140"/>
+            <a:ext cx="695325" cy="4923040"/>
+            <a:chOff x="0" y="0"/>
+            <a:chExt cx="695325" cy="4923040"/>
+          </a:xfrm>
+        </p:grpSpPr>
+        <p:sp>
+          <p:nvSpPr>
+            <p:cNvPr id="54" name="Shape 460">
+              <a:extLst>
+                <a:ext uri="{FF2B5EF4-FFF2-40B4-BE49-F238E27FC236}">
+                  <a16:creationId xmlns:a16="http://schemas.microsoft.com/office/drawing/2014/main" id="{8A613DA2-F3B7-4A92-BC5C-8A309F3BE860}"/>
+                </a:ext>
+              </a:extLst>
+            </p:cNvPr>
+            <p:cNvSpPr/>
+            <p:nvPr/>
+          </p:nvSpPr>
+          <p:spPr>
+            <a:xfrm>
+              <a:off x="0" y="0"/>
+              <a:ext cx="695325" cy="695325"/>
+            </a:xfrm>
+            <a:prstGeom prst="ellipse">
+              <a:avLst/>
+            </a:prstGeom>
+            <a:solidFill>
+              <a:srgbClr val="3A76B4"/>
+            </a:solidFill>
+            <a:ln w="12700" cap="flat">
+              <a:noFill/>
+              <a:miter lim="400000"/>
+            </a:ln>
+            <a:effectLst/>
+          </p:spPr>
+          <p:txBody>
+            <a:bodyPr wrap="square" lIns="38100" tIns="38100" rIns="38100" bIns="38100" numCol="1" anchor="ctr">
+              <a:noAutofit/>
+            </a:bodyPr>
+            <a:lstStyle/>
+            <a:p>
+              <a:pPr>
+                <a:defRPr sz="1800">
+                  <a:solidFill>
+                    <a:srgbClr val="FEFCFF"/>
+                  </a:solidFill>
+                  <a:latin typeface="Arial"/>
+                  <a:ea typeface="Arial"/>
+                  <a:cs typeface="Arial"/>
+                  <a:sym typeface="Arial"/>
+                </a:defRPr>
+              </a:pPr>
+              <a:endParaRPr/>
+            </a:p>
+          </p:txBody>
+        </p:sp>
+        <p:sp>
+          <p:nvSpPr>
+            <p:cNvPr id="55" name="Shape 461">
+              <a:extLst>
+                <a:ext uri="{FF2B5EF4-FFF2-40B4-BE49-F238E27FC236}">
+                  <a16:creationId xmlns:a16="http://schemas.microsoft.com/office/drawing/2014/main" id="{D6D2168E-CD6A-4580-B557-F7E2CDDB00E4}"/>
+                </a:ext>
+              </a:extLst>
+            </p:cNvPr>
+            <p:cNvSpPr/>
+            <p:nvPr/>
+          </p:nvSpPr>
+          <p:spPr>
+            <a:xfrm>
+              <a:off x="0" y="91165"/>
+              <a:ext cx="685801" cy="381001"/>
+            </a:xfrm>
+            <a:prstGeom prst="rect">
+              <a:avLst/>
+            </a:prstGeom>
+            <a:noFill/>
+            <a:ln w="12700" cap="flat">
+              <a:noFill/>
+              <a:miter lim="400000"/>
+            </a:ln>
+            <a:effectLst/>
+            <a:extLst>
+              <a:ext uri="{C572A759-6A51-4108-AA02-DFA0A04FC94B}">
+                <ma14:wrappingTextBoxFlag xmlns="" xmlns:ma14="http://schemas.microsoft.com/office/mac/drawingml/2011/main" val="1"/>
+              </a:ext>
+            </a:extLst>
+          </p:spPr>
+          <p:txBody>
+            <a:bodyPr wrap="square" lIns="38100" tIns="38100" rIns="38100" bIns="38100" numCol="1" anchor="t">
+              <a:spAutoFit/>
+            </a:bodyPr>
+            <a:lstStyle>
+              <a:lvl1pPr algn="ctr">
+                <a:defRPr sz="1800" b="1">
+                  <a:solidFill>
+                    <a:srgbClr val="FEFCFF"/>
+                  </a:solidFill>
+                  <a:latin typeface="+mn-lt"/>
+                  <a:ea typeface="+mn-ea"/>
+                  <a:cs typeface="+mn-cs"/>
+                  <a:sym typeface="Open Sans Semibold"/>
+                </a:defRPr>
+              </a:lvl1pPr>
+            </a:lstStyle>
+            <a:p>
+              <a:r>
+                <a:t>4</a:t>
+              </a:r>
+            </a:p>
+          </p:txBody>
+        </p:sp>
+        <p:sp>
+          <p:nvSpPr>
+            <p:cNvPr id="56" name="Shape 464">
+              <a:extLst>
+                <a:ext uri="{FF2B5EF4-FFF2-40B4-BE49-F238E27FC236}">
+                  <a16:creationId xmlns:a16="http://schemas.microsoft.com/office/drawing/2014/main" id="{7BE6A846-2630-4ABC-9760-41258E13C623}"/>
+                </a:ext>
+              </a:extLst>
+            </p:cNvPr>
+            <p:cNvSpPr/>
+            <p:nvPr/>
+          </p:nvSpPr>
+          <p:spPr>
+            <a:xfrm>
+              <a:off x="0" y="2080066"/>
+              <a:ext cx="695325" cy="695326"/>
+            </a:xfrm>
+            <a:prstGeom prst="ellipse">
+              <a:avLst/>
+            </a:prstGeom>
+            <a:solidFill>
+              <a:srgbClr val="3A76B4"/>
+            </a:solidFill>
+            <a:ln w="12700" cap="flat">
+              <a:noFill/>
+              <a:miter lim="400000"/>
+            </a:ln>
+            <a:effectLst/>
+          </p:spPr>
+          <p:txBody>
+            <a:bodyPr wrap="square" lIns="38100" tIns="38100" rIns="38100" bIns="38100" numCol="1" anchor="ctr">
+              <a:noAutofit/>
+            </a:bodyPr>
+            <a:lstStyle/>
+            <a:p>
+              <a:pPr>
+                <a:defRPr sz="1800">
+                  <a:solidFill>
+                    <a:srgbClr val="FEFCFF"/>
+                  </a:solidFill>
+                  <a:latin typeface="Arial"/>
+                  <a:ea typeface="Arial"/>
+                  <a:cs typeface="Arial"/>
+                  <a:sym typeface="Arial"/>
+                </a:defRPr>
+              </a:pPr>
+              <a:endParaRPr/>
+            </a:p>
+          </p:txBody>
+        </p:sp>
+        <p:sp>
+          <p:nvSpPr>
+            <p:cNvPr id="57" name="Shape 465">
+              <a:extLst>
+                <a:ext uri="{FF2B5EF4-FFF2-40B4-BE49-F238E27FC236}">
+                  <a16:creationId xmlns:a16="http://schemas.microsoft.com/office/drawing/2014/main" id="{B600F3FB-17DD-4659-A788-C15A3687F75F}"/>
+                </a:ext>
+              </a:extLst>
+            </p:cNvPr>
+            <p:cNvSpPr/>
+            <p:nvPr/>
+          </p:nvSpPr>
+          <p:spPr>
+            <a:xfrm>
+              <a:off x="0" y="2171233"/>
+              <a:ext cx="685801" cy="381001"/>
+            </a:xfrm>
+            <a:prstGeom prst="rect">
+              <a:avLst/>
+            </a:prstGeom>
+            <a:noFill/>
+            <a:ln w="12700" cap="flat">
+              <a:noFill/>
+              <a:miter lim="400000"/>
+            </a:ln>
+            <a:effectLst/>
+            <a:extLst>
+              <a:ext uri="{C572A759-6A51-4108-AA02-DFA0A04FC94B}">
+                <ma14:wrappingTextBoxFlag xmlns="" xmlns:ma14="http://schemas.microsoft.com/office/mac/drawingml/2011/main" val="1"/>
+              </a:ext>
+            </a:extLst>
+          </p:spPr>
+          <p:txBody>
+            <a:bodyPr wrap="square" lIns="38100" tIns="38100" rIns="38100" bIns="38100" numCol="1" anchor="t">
+              <a:spAutoFit/>
+            </a:bodyPr>
+            <a:lstStyle>
+              <a:lvl1pPr algn="ctr">
+                <a:defRPr sz="1800" b="1">
+                  <a:solidFill>
+                    <a:srgbClr val="FEFCFF"/>
+                  </a:solidFill>
+                  <a:latin typeface="+mn-lt"/>
+                  <a:ea typeface="+mn-ea"/>
+                  <a:cs typeface="+mn-cs"/>
+                  <a:sym typeface="Open Sans Semibold"/>
+                </a:defRPr>
+              </a:lvl1pPr>
+            </a:lstStyle>
+            <a:p>
+              <a:r>
+                <a:t>5</a:t>
+              </a:r>
+            </a:p>
+          </p:txBody>
+        </p:sp>
+        <p:sp>
+          <p:nvSpPr>
+            <p:cNvPr id="58" name="Shape 468">
+              <a:extLst>
+                <a:ext uri="{FF2B5EF4-FFF2-40B4-BE49-F238E27FC236}">
+                  <a16:creationId xmlns:a16="http://schemas.microsoft.com/office/drawing/2014/main" id="{7B92F5E1-99AF-4519-A397-95CB43795217}"/>
+                </a:ext>
+              </a:extLst>
+            </p:cNvPr>
+            <p:cNvSpPr/>
+            <p:nvPr/>
+          </p:nvSpPr>
+          <p:spPr>
+            <a:xfrm>
+              <a:off x="0" y="4227715"/>
+              <a:ext cx="695325" cy="695325"/>
+            </a:xfrm>
+            <a:prstGeom prst="ellipse">
+              <a:avLst/>
+            </a:prstGeom>
+            <a:solidFill>
+              <a:srgbClr val="3A76B4"/>
+            </a:solidFill>
+            <a:ln w="12700" cap="flat">
+              <a:noFill/>
+              <a:miter lim="400000"/>
+            </a:ln>
+            <a:effectLst/>
+          </p:spPr>
+          <p:txBody>
+            <a:bodyPr wrap="square" lIns="38100" tIns="38100" rIns="38100" bIns="38100" numCol="1" anchor="ctr">
+              <a:noAutofit/>
+            </a:bodyPr>
+            <a:lstStyle/>
+            <a:p>
+              <a:pPr>
+                <a:defRPr sz="1800">
+                  <a:solidFill>
+                    <a:srgbClr val="FEFCFF"/>
+                  </a:solidFill>
+                  <a:latin typeface="Arial"/>
+                  <a:ea typeface="Arial"/>
+                  <a:cs typeface="Arial"/>
+                  <a:sym typeface="Arial"/>
+                </a:defRPr>
+              </a:pPr>
+              <a:endParaRPr/>
+            </a:p>
+          </p:txBody>
+        </p:sp>
+        <p:sp>
+          <p:nvSpPr>
+            <p:cNvPr id="59" name="Shape 469">
+              <a:extLst>
+                <a:ext uri="{FF2B5EF4-FFF2-40B4-BE49-F238E27FC236}">
+                  <a16:creationId xmlns:a16="http://schemas.microsoft.com/office/drawing/2014/main" id="{BC875F77-A8E1-4C41-AA91-40E5B38F4B32}"/>
+                </a:ext>
+              </a:extLst>
+            </p:cNvPr>
+            <p:cNvSpPr/>
+            <p:nvPr/>
+          </p:nvSpPr>
+          <p:spPr>
+            <a:xfrm>
+              <a:off x="0" y="4296884"/>
+              <a:ext cx="687388" cy="381000"/>
+            </a:xfrm>
+            <a:prstGeom prst="rect">
+              <a:avLst/>
+            </a:prstGeom>
+            <a:noFill/>
+            <a:ln w="12700" cap="flat">
+              <a:noFill/>
+              <a:miter lim="400000"/>
+            </a:ln>
+            <a:effectLst/>
+            <a:extLst>
+              <a:ext uri="{C572A759-6A51-4108-AA02-DFA0A04FC94B}">
+                <ma14:wrappingTextBoxFlag xmlns="" xmlns:ma14="http://schemas.microsoft.com/office/mac/drawingml/2011/main" val="1"/>
+              </a:ext>
+            </a:extLst>
+          </p:spPr>
+          <p:txBody>
+            <a:bodyPr wrap="square" lIns="38100" tIns="38100" rIns="38100" bIns="38100" numCol="1" anchor="t">
+              <a:spAutoFit/>
+            </a:bodyPr>
+            <a:lstStyle>
+              <a:lvl1pPr algn="ctr">
+                <a:defRPr sz="1800" b="1">
+                  <a:solidFill>
+                    <a:srgbClr val="FEFCFF"/>
+                  </a:solidFill>
+                  <a:latin typeface="+mn-lt"/>
+                  <a:ea typeface="+mn-ea"/>
+                  <a:cs typeface="+mn-cs"/>
+                  <a:sym typeface="Open Sans Semibold"/>
+                </a:defRPr>
+              </a:lvl1pPr>
+            </a:lstStyle>
+            <a:p>
+              <a:r>
+                <a:t>6</a:t>
+              </a:r>
+            </a:p>
+          </p:txBody>
+        </p:sp>
+      </p:grpSp>
+      <p:sp>
+        <p:nvSpPr>
+          <p:cNvPr id="14" name="Shape 449">
+            <a:extLst>
+              <a:ext uri="{FF2B5EF4-FFF2-40B4-BE49-F238E27FC236}">
+                <a16:creationId xmlns:a16="http://schemas.microsoft.com/office/drawing/2014/main" id="{0BCAA940-B3A0-4288-A58A-E03506E96F40}"/>
+              </a:ext>
+            </a:extLst>
+          </p:cNvPr>
+          <p:cNvSpPr/>
+          <p:nvPr/>
+        </p:nvSpPr>
+        <p:spPr>
+          <a:xfrm>
+            <a:off x="3044824" y="5479875"/>
+            <a:ext cx="7829552" cy="1316128"/>
+          </a:xfrm>
+          <a:prstGeom prst="rect">
+            <a:avLst/>
+          </a:prstGeom>
+          <a:noFill/>
+          <a:ln w="12700" cap="flat">
+            <a:noFill/>
+            <a:miter lim="400000"/>
+          </a:ln>
+          <a:effectLst/>
+          <a:extLst>
+            <a:ext uri="{C572A759-6A51-4108-AA02-DFA0A04FC94B}">
+              <ma14:wrappingTextBoxFlag xmlns="" xmlns:ma14="http://schemas.microsoft.com/office/mac/drawingml/2011/main" val="1"/>
+            </a:ext>
+          </a:extLst>
+        </p:spPr>
+        <p:txBody>
+          <a:bodyPr wrap="square" lIns="45719" tIns="45719" rIns="45719" bIns="45719" numCol="1" anchor="t">
+            <a:spAutoFit/>
+          </a:bodyPr>
+          <a:lstStyle>
+            <a:lvl1pPr algn="l"/>
+          </a:lstStyle>
+          <a:p>
+            <a:r>
+              <a:rPr lang="en-US" sz="2800"/>
+              <a:t>How ease of business varies across different geographies?</a:t>
+            </a:r>
+            <a:endParaRPr sz="2800"/>
+          </a:p>
+        </p:txBody>
+      </p:sp>
+      <p:sp>
+        <p:nvSpPr>
+          <p:cNvPr id="23" name="Shape 449">
+            <a:extLst>
+              <a:ext uri="{FF2B5EF4-FFF2-40B4-BE49-F238E27FC236}">
+                <a16:creationId xmlns:a16="http://schemas.microsoft.com/office/drawing/2014/main" id="{1C1C993A-3705-4F7B-8B0E-2DB5424B7A9A}"/>
+              </a:ext>
+            </a:extLst>
+          </p:cNvPr>
+          <p:cNvSpPr/>
+          <p:nvPr/>
+        </p:nvSpPr>
+        <p:spPr>
+          <a:xfrm>
+            <a:off x="2983025" y="9556960"/>
+            <a:ext cx="7829552" cy="1316128"/>
+          </a:xfrm>
+          <a:prstGeom prst="rect">
+            <a:avLst/>
+          </a:prstGeom>
+          <a:noFill/>
+          <a:ln w="12700" cap="flat">
+            <a:noFill/>
+            <a:miter lim="400000"/>
+          </a:ln>
+          <a:effectLst/>
+          <a:extLst>
+            <a:ext uri="{C572A759-6A51-4108-AA02-DFA0A04FC94B}">
+              <ma14:wrappingTextBoxFlag xmlns="" xmlns:ma14="http://schemas.microsoft.com/office/mac/drawingml/2011/main" val="1"/>
+            </a:ext>
+          </a:extLst>
+        </p:spPr>
+        <p:txBody>
+          <a:bodyPr wrap="square" lIns="45719" tIns="45719" rIns="45719" bIns="45719" numCol="1" anchor="t">
+            <a:spAutoFit/>
+          </a:bodyPr>
+          <a:lstStyle>
+            <a:lvl1pPr algn="l"/>
+          </a:lstStyle>
+          <a:p>
+            <a:r>
+              <a:rPr lang="en-US" sz="2800"/>
+              <a:t>How is ease business index distributed across different income groups? </a:t>
+            </a:r>
+            <a:endParaRPr sz="2800"/>
+          </a:p>
+        </p:txBody>
+      </p:sp>
+      <p:sp>
+        <p:nvSpPr>
+          <p:cNvPr id="31" name="Shape 449">
+            <a:extLst>
+              <a:ext uri="{FF2B5EF4-FFF2-40B4-BE49-F238E27FC236}">
+                <a16:creationId xmlns:a16="http://schemas.microsoft.com/office/drawing/2014/main" id="{33DFA89B-A795-4264-8767-4E61352EB8B8}"/>
+              </a:ext>
+            </a:extLst>
+          </p:cNvPr>
+          <p:cNvSpPr/>
+          <p:nvPr/>
+        </p:nvSpPr>
+        <p:spPr>
+          <a:xfrm>
+            <a:off x="13337251" y="5435878"/>
+            <a:ext cx="7829552" cy="1316128"/>
+          </a:xfrm>
+          <a:prstGeom prst="rect">
+            <a:avLst/>
+          </a:prstGeom>
+          <a:noFill/>
+          <a:ln w="12700" cap="flat">
+            <a:noFill/>
+            <a:miter lim="400000"/>
+          </a:ln>
+          <a:effectLst/>
+          <a:extLst>
+            <a:ext uri="{C572A759-6A51-4108-AA02-DFA0A04FC94B}">
+              <ma14:wrappingTextBoxFlag xmlns="" xmlns:ma14="http://schemas.microsoft.com/office/mac/drawingml/2011/main" val="1"/>
+            </a:ext>
+          </a:extLst>
+        </p:spPr>
+        <p:txBody>
+          <a:bodyPr wrap="square" lIns="45719" tIns="45719" rIns="45719" bIns="45719" numCol="1" anchor="t">
+            <a:spAutoFit/>
+          </a:bodyPr>
+          <a:lstStyle>
+            <a:lvl1pPr algn="l"/>
+          </a:lstStyle>
+          <a:p>
+            <a:r>
+              <a:rPr lang="en-US" sz="2800"/>
+              <a:t>Does the cost of starting a business and the procedures affect the business-index?</a:t>
+            </a:r>
+            <a:endParaRPr sz="2800"/>
+          </a:p>
+        </p:txBody>
+      </p:sp>
+      <p:sp>
+        <p:nvSpPr>
+          <p:cNvPr id="33" name="Shape 449">
+            <a:extLst>
+              <a:ext uri="{FF2B5EF4-FFF2-40B4-BE49-F238E27FC236}">
+                <a16:creationId xmlns:a16="http://schemas.microsoft.com/office/drawing/2014/main" id="{1D3831CC-A491-4F0E-BD85-458A2B6293DD}"/>
+              </a:ext>
+            </a:extLst>
+          </p:cNvPr>
+          <p:cNvSpPr/>
+          <p:nvPr/>
+        </p:nvSpPr>
+        <p:spPr>
+          <a:xfrm>
+            <a:off x="13337251" y="7442308"/>
+            <a:ext cx="7829552" cy="1316128"/>
+          </a:xfrm>
+          <a:prstGeom prst="rect">
+            <a:avLst/>
+          </a:prstGeom>
+          <a:noFill/>
+          <a:ln w="12700" cap="flat">
+            <a:noFill/>
+            <a:miter lim="400000"/>
+          </a:ln>
+          <a:effectLst/>
+          <a:extLst>
+            <a:ext uri="{C572A759-6A51-4108-AA02-DFA0A04FC94B}">
+              <ma14:wrappingTextBoxFlag xmlns="" xmlns:ma14="http://schemas.microsoft.com/office/mac/drawingml/2011/main" val="1"/>
+            </a:ext>
+          </a:extLst>
+        </p:spPr>
+        <p:txBody>
+          <a:bodyPr wrap="square" lIns="45719" tIns="45719" rIns="45719" bIns="45719" numCol="1" anchor="t">
+            <a:spAutoFit/>
+          </a:bodyPr>
+          <a:lstStyle>
+            <a:lvl1pPr algn="l"/>
+          </a:lstStyle>
+          <a:p>
+            <a:r>
+              <a:rPr lang="en-US" sz="2800"/>
+              <a:t>How ease of business varies across different geographies?</a:t>
+            </a:r>
+            <a:endParaRPr sz="2800"/>
+          </a:p>
+        </p:txBody>
+      </p:sp>
+      <p:sp>
+        <p:nvSpPr>
+          <p:cNvPr id="35" name="Shape 449">
+            <a:extLst>
+              <a:ext uri="{FF2B5EF4-FFF2-40B4-BE49-F238E27FC236}">
+                <a16:creationId xmlns:a16="http://schemas.microsoft.com/office/drawing/2014/main" id="{EF2EC20A-F877-4385-8D63-746794FF7B60}"/>
+              </a:ext>
+            </a:extLst>
+          </p:cNvPr>
+          <p:cNvSpPr/>
+          <p:nvPr/>
+        </p:nvSpPr>
+        <p:spPr>
+          <a:xfrm>
+            <a:off x="13337250" y="9556960"/>
+            <a:ext cx="7829552" cy="1316128"/>
+          </a:xfrm>
+          <a:prstGeom prst="rect">
+            <a:avLst/>
+          </a:prstGeom>
+          <a:noFill/>
+          <a:ln w="12700" cap="flat">
+            <a:noFill/>
+            <a:miter lim="400000"/>
+          </a:ln>
+          <a:effectLst/>
+          <a:extLst>
+            <a:ext uri="{C572A759-6A51-4108-AA02-DFA0A04FC94B}">
+              <ma14:wrappingTextBoxFlag xmlns="" xmlns:ma14="http://schemas.microsoft.com/office/mac/drawingml/2011/main" val="1"/>
+            </a:ext>
+          </a:extLst>
+        </p:spPr>
+        <p:txBody>
+          <a:bodyPr wrap="square" lIns="45719" tIns="45719" rIns="45719" bIns="45719" numCol="1" anchor="t">
+            <a:spAutoFit/>
+          </a:bodyPr>
+          <a:lstStyle>
+            <a:lvl1pPr algn="l"/>
+          </a:lstStyle>
+          <a:p>
+            <a:r>
+              <a:rPr lang="en-US" sz="2800"/>
+              <a:t>How ease of business varies across different geographies?</a:t>
+            </a:r>
+            <a:endParaRPr sz="2800"/>
+          </a:p>
+        </p:txBody>
+      </p:sp>
+    </p:spTree>
+    <p:extLst>
+      <p:ext uri="{BB962C8B-B14F-4D97-AF65-F5344CB8AC3E}">
+        <p14:creationId xmlns:p14="http://schemas.microsoft.com/office/powerpoint/2010/main" val="4276710960"/>
+      </p:ext>
+    </p:extLst>
+  </p:cSld>
+  <p:clrMapOvr>
+    <a:masterClrMapping/>
+  </p:clrMapOvr>
+  <p:transition spd="med">
+    <p:push/>
+  </p:transition>
+  <p:timing>
+    <p:tnLst>
+      <p:par>
+        <p:cTn id="1" dur="indefinite" restart="never" fill="hold" nodeType="tmRoot">
+          <p:childTnLst>
+            <p:seq concurrent="1" nextAc="seek">
+              <p:cTn id="2" dur="indefinite" nodeType="mainSeq">
+                <p:childTnLst>
+                  <p:par>
+                    <p:cTn id="3" fill="hold">
+                      <p:stCondLst>
+                        <p:cond delay="indefinite"/>
+                      </p:stCondLst>
+                      <p:childTnLst>
+                        <p:par>
+                          <p:cTn id="4" fill="hold">
+                            <p:stCondLst>
+                              <p:cond delay="0"/>
+                            </p:stCondLst>
+                            <p:childTnLst>
+                              <p:par>
+                                <p:cTn id="5" presetID="2" presetClass="entr" presetSubtype="4" fill="hold" grpId="0" nodeType="clickEffect">
+                                  <p:stCondLst>
+                                    <p:cond delay="0"/>
+                                  </p:stCondLst>
+                                  <p:iterate>
+                                    <p:tmAbs val="0"/>
+                                  </p:iterate>
+                                  <p:childTnLst>
+                                    <p:set>
+                                      <p:cBhvr>
+                                        <p:cTn id="6" fill="hold"/>
+                                        <p:tgtEl>
+                                          <p:spTgt spid="11"/>
+                                        </p:tgtEl>
+                                        <p:attrNameLst>
+                                          <p:attrName>style.visibility</p:attrName>
+                                        </p:attrNameLst>
+                                      </p:cBhvr>
+                                      <p:to>
+                                        <p:strVal val="visible"/>
+                                      </p:to>
+                                    </p:set>
+                                    <p:anim calcmode="lin" valueType="num">
+                                      <p:cBhvr>
+                                        <p:cTn id="7" dur="1000" fill="hold"/>
+                                        <p:tgtEl>
+                                          <p:spTgt spid="11"/>
+                                        </p:tgtEl>
+                                        <p:attrNameLst>
+                                          <p:attrName>ppt_x</p:attrName>
+                                        </p:attrNameLst>
+                                      </p:cBhvr>
+                                      <p:tavLst>
+                                        <p:tav tm="0">
+                                          <p:val>
+                                            <p:strVal val="#ppt_x"/>
+                                          </p:val>
+                                        </p:tav>
+                                        <p:tav tm="100000">
+                                          <p:val>
+                                            <p:strVal val="#ppt_x"/>
+                                          </p:val>
+                                        </p:tav>
+                                      </p:tavLst>
+                                    </p:anim>
+                                    <p:anim calcmode="lin" valueType="num">
+                                      <p:cBhvr>
+                                        <p:cTn id="8" dur="1000" fill="hold"/>
+                                        <p:tgtEl>
+                                          <p:spTgt spid="11"/>
+                                        </p:tgtEl>
+                                        <p:attrNameLst>
+                                          <p:attrName>ppt_y</p:attrName>
+                                        </p:attrNameLst>
+                                      </p:cBhvr>
+                                      <p:tavLst>
+                                        <p:tav tm="0">
+                                          <p:val>
+                                            <p:strVal val="1+#ppt_h/2"/>
+                                          </p:val>
+                                        </p:tav>
+                                        <p:tav tm="100000">
+                                          <p:val>
+                                            <p:strVal val="#ppt_y"/>
+                                          </p:val>
+                                        </p:tav>
+                                      </p:tavLst>
+                                    </p:anim>
+                                  </p:childTnLst>
+                                </p:cTn>
+                              </p:par>
+                            </p:childTnLst>
+                          </p:cTn>
+                        </p:par>
+                      </p:childTnLst>
+                    </p:cTn>
+                  </p:par>
+                  <p:par>
+                    <p:cTn id="9" fill="hold">
+                      <p:stCondLst>
+                        <p:cond delay="indefinite"/>
+                      </p:stCondLst>
+                      <p:childTnLst>
+                        <p:par>
+                          <p:cTn id="10" fill="hold">
+                            <p:stCondLst>
+                              <p:cond delay="0"/>
+                            </p:stCondLst>
+                            <p:childTnLst>
+                              <p:par>
+                                <p:cTn id="11" presetID="2" presetClass="entr" presetSubtype="4" fill="hold" grpId="0" nodeType="clickEffect">
+                                  <p:stCondLst>
+                                    <p:cond delay="0"/>
+                                  </p:stCondLst>
+                                  <p:iterate>
+                                    <p:tmAbs val="0"/>
+                                  </p:iterate>
+                                  <p:childTnLst>
+                                    <p:set>
+                                      <p:cBhvr>
+                                        <p:cTn id="12" fill="hold"/>
+                                        <p:tgtEl>
+                                          <p:spTgt spid="12"/>
+                                        </p:tgtEl>
+                                        <p:attrNameLst>
+                                          <p:attrName>style.visibility</p:attrName>
+                                        </p:attrNameLst>
+                                      </p:cBhvr>
+                                      <p:to>
+                                        <p:strVal val="visible"/>
+                                      </p:to>
+                                    </p:set>
+                                    <p:anim calcmode="lin" valueType="num">
+                                      <p:cBhvr>
+                                        <p:cTn id="13" dur="1000" fill="hold"/>
+                                        <p:tgtEl>
+                                          <p:spTgt spid="12"/>
+                                        </p:tgtEl>
+                                        <p:attrNameLst>
+                                          <p:attrName>ppt_x</p:attrName>
+                                        </p:attrNameLst>
+                                      </p:cBhvr>
+                                      <p:tavLst>
+                                        <p:tav tm="0">
+                                          <p:val>
+                                            <p:strVal val="#ppt_x"/>
+                                          </p:val>
+                                        </p:tav>
+                                        <p:tav tm="100000">
+                                          <p:val>
+                                            <p:strVal val="#ppt_x"/>
+                                          </p:val>
+                                        </p:tav>
+                                      </p:tavLst>
+                                    </p:anim>
+                                    <p:anim calcmode="lin" valueType="num">
+                                      <p:cBhvr>
+                                        <p:cTn id="14" dur="1000" fill="hold"/>
+                                        <p:tgtEl>
+                                          <p:spTgt spid="12"/>
+                                        </p:tgtEl>
+                                        <p:attrNameLst>
+                                          <p:attrName>ppt_y</p:attrName>
+                                        </p:attrNameLst>
+                                      </p:cBhvr>
+                                      <p:tavLst>
+                                        <p:tav tm="0">
+                                          <p:val>
+                                            <p:strVal val="1+#ppt_h/2"/>
+                                          </p:val>
+                                        </p:tav>
+                                        <p:tav tm="100000">
+                                          <p:val>
+                                            <p:strVal val="#ppt_y"/>
+                                          </p:val>
+                                        </p:tav>
+                                      </p:tavLst>
+                                    </p:anim>
+                                  </p:childTnLst>
+                                </p:cTn>
+                              </p:par>
+                            </p:childTnLst>
+                          </p:cTn>
+                        </p:par>
+                      </p:childTnLst>
+                    </p:cTn>
+                  </p:par>
+                </p:childTnLst>
+              </p:cTn>
+              <p:prevCondLst>
+                <p:cond evt="onPrev" delay="0">
+                  <p:tgtEl>
+                    <p:sldTgt/>
+                  </p:tgtEl>
+                </p:cond>
+              </p:prevCondLst>
+              <p:nextCondLst>
+                <p:cond evt="onNext" delay="0">
+                  <p:tgtEl>
+                    <p:sldTgt/>
+                  </p:tgtEl>
+                </p:cond>
+              </p:nextCondLst>
+            </p:seq>
+          </p:childTnLst>
+        </p:cTn>
+      </p:par>
+    </p:tnLst>
+    <p:bldLst>
+      <p:bldP spid="11" grpId="0" animBg="1" advAuto="0"/>
+      <p:bldP spid="12" grpId="0" animBg="1" advAuto="0"/>
+    </p:bldLst>
+  </p:timing>
+</p:sld>
+</file>
+
+<file path=ppt/slides/slide12.xml><?xml version="1.0" encoding="utf-8"?>
+<p:sld xmlns:a="http://schemas.openxmlformats.org/drawingml/2006/main" xmlns:r="http://schemas.openxmlformats.org/officeDocument/2006/relationships" xmlns:p="http://schemas.openxmlformats.org/presentationml/2006/main">
+  <p:cSld>
+    <p:spTree>
+      <p:nvGrpSpPr>
+        <p:cNvPr id="1" name=""/>
+        <p:cNvGrpSpPr/>
+        <p:nvPr/>
+      </p:nvGrpSpPr>
+      <p:grpSpPr>
+        <a:xfrm>
+          <a:off x="0" y="0"/>
+          <a:ext cx="0" cy="0"/>
+          <a:chOff x="0" y="0"/>
+          <a:chExt cx="0" cy="0"/>
+        </a:xfrm>
+      </p:grpSpPr>
       <p:pic>
         <p:nvPicPr>
           <p:cNvPr id="2" name="Picture 2" descr="A map of the table&#10;&#10;Description automatically generated">
@@ -10365,7 +12339,7 @@
           <a:effectLst/>
           <a:extLst>
             <a:ext uri="{C572A759-6A51-4108-AA02-DFA0A04FC94B}">
-              <ma14:wrappingTextBoxFlag xmlns:ma14="http://schemas.microsoft.com/office/mac/drawingml/2011/main" xmlns="" val="1"/>
+              <ma14:wrappingTextBoxFlag xmlns="" xmlns:ma14="http://schemas.microsoft.com/office/mac/drawingml/2011/main" val="1"/>
             </a:ext>
           </a:extLst>
         </p:spPr>
@@ -10388,9 +12362,14 @@
           </a:lstStyle>
           <a:p>
             <a:r>
-              <a:rPr lang="en-US" sz="7000"/>
-              <a:t>The layout of the dashboard in Knime</a:t>
+              <a:rPr lang="en-US" sz="7000" dirty="0"/>
+              <a:t>The layout of the dashboard in </a:t>
             </a:r>
+            <a:r>
+              <a:rPr lang="en-US" sz="7000" dirty="0" err="1"/>
+              <a:t>Knime</a:t>
+            </a:r>
+            <a:endParaRPr lang="en-US" sz="7000" dirty="0"/>
           </a:p>
         </p:txBody>
       </p:sp>
@@ -10405,7 +12384,7 @@
 </p:sld>
 </file>
 
-<file path=ppt/slides/slide11.xml><?xml version="1.0" encoding="utf-8"?>
+<file path=ppt/slides/slide13.xml><?xml version="1.0" encoding="utf-8"?>
 <p:sld xmlns:a="http://schemas.openxmlformats.org/drawingml/2006/main" xmlns:r="http://schemas.openxmlformats.org/officeDocument/2006/relationships" xmlns:p="http://schemas.openxmlformats.org/presentationml/2006/main">
   <p:cSld>
     <p:spTree>
@@ -10438,7 +12417,7 @@
           </a:prstGeom>
           <a:extLst>
             <a:ext uri="{C572A759-6A51-4108-AA02-DFA0A04FC94B}">
-              <ma14:wrappingTextBoxFlag xmlns:ma14="http://schemas.microsoft.com/office/mac/drawingml/2011/main" xmlns="" val="1"/>
+              <ma14:wrappingTextBoxFlag xmlns="" xmlns:ma14="http://schemas.microsoft.com/office/mac/drawingml/2011/main" val="1"/>
             </a:ext>
           </a:extLst>
         </p:spPr>
@@ -10455,7 +12434,7 @@
           </a:lstStyle>
           <a:p>
             <a:fld id="{86CB4B4D-7CA3-9044-876B-883B54F8677D}" type="slidenum">
-              <a:t>11</a:t>
+              <a:t>13</a:t>
             </a:fld>
             <a:endParaRPr/>
           </a:p>
@@ -10489,7 +12468,7 @@
           <a:effectLst/>
           <a:extLst>
             <a:ext uri="{C572A759-6A51-4108-AA02-DFA0A04FC94B}">
-              <ma14:wrappingTextBoxFlag xmlns:ma14="http://schemas.microsoft.com/office/mac/drawingml/2011/main" xmlns="" val="1"/>
+              <ma14:wrappingTextBoxFlag xmlns="" xmlns:ma14="http://schemas.microsoft.com/office/mac/drawingml/2011/main" val="1"/>
             </a:ext>
           </a:extLst>
         </p:spPr>
@@ -10512,7 +12491,7 @@
           </a:lstStyle>
           <a:p>
             <a:r>
-              <a:rPr lang="en-US" sz="7000"/>
+              <a:rPr lang="en-US" sz="7000" dirty="0"/>
               <a:t>The Dashboard</a:t>
             </a:r>
           </a:p>
@@ -10576,7 +12555,7 @@
           <a:effectLst/>
           <a:extLst>
             <a:ext uri="{C572A759-6A51-4108-AA02-DFA0A04FC94B}">
-              <ma14:wrappingTextBoxFlag xmlns:ma14="http://schemas.microsoft.com/office/mac/drawingml/2011/main" xmlns="" val="1"/>
+              <ma14:wrappingTextBoxFlag xmlns="" xmlns:ma14="http://schemas.microsoft.com/office/mac/drawingml/2011/main" val="1"/>
             </a:ext>
           </a:extLst>
         </p:spPr>
@@ -10613,6 +12592,134 @@
   <p:transition spd="med">
     <p:push/>
   </p:transition>
+</p:sld>
+</file>
+
+<file path=ppt/slides/slide14.xml><?xml version="1.0" encoding="utf-8"?>
+<p:sld xmlns:a="http://schemas.openxmlformats.org/drawingml/2006/main" xmlns:r="http://schemas.openxmlformats.org/officeDocument/2006/relationships" xmlns:p="http://schemas.openxmlformats.org/presentationml/2006/main">
+  <p:cSld>
+    <p:spTree>
+      <p:nvGrpSpPr>
+        <p:cNvPr id="1" name=""/>
+        <p:cNvGrpSpPr/>
+        <p:nvPr/>
+      </p:nvGrpSpPr>
+      <p:grpSpPr>
+        <a:xfrm>
+          <a:off x="0" y="0"/>
+          <a:ext cx="0" cy="0"/>
+          <a:chOff x="0" y="0"/>
+          <a:chExt cx="0" cy="0"/>
+        </a:xfrm>
+      </p:grpSpPr>
+      <p:sp>
+        <p:nvSpPr>
+          <p:cNvPr id="3" name="Shape 2969">
+            <a:extLst>
+              <a:ext uri="{FF2B5EF4-FFF2-40B4-BE49-F238E27FC236}">
+                <a16:creationId xmlns:a16="http://schemas.microsoft.com/office/drawing/2014/main" id="{FCE9B15F-A714-4002-B8F4-7E5A904083DE}"/>
+              </a:ext>
+            </a:extLst>
+          </p:cNvPr>
+          <p:cNvSpPr/>
+          <p:nvPr/>
+        </p:nvSpPr>
+        <p:spPr>
+          <a:xfrm>
+            <a:off x="6792912" y="4379981"/>
+            <a:ext cx="10798176" cy="4956037"/>
+          </a:xfrm>
+          <a:prstGeom prst="rect">
+            <a:avLst/>
+          </a:prstGeom>
+          <a:noFill/>
+          <a:ln w="12700" cap="flat">
+            <a:noFill/>
+            <a:miter lim="400000"/>
+          </a:ln>
+          <a:effectLst/>
+          <a:extLst>
+            <a:ext uri="{C572A759-6A51-4108-AA02-DFA0A04FC94B}">
+              <ma14:wrappingTextBoxFlag xmlns="" xmlns:ma14="http://schemas.microsoft.com/office/mac/drawingml/2011/main" val="1"/>
+            </a:ext>
+          </a:extLst>
+        </p:spPr>
+        <p:txBody>
+          <a:bodyPr wrap="square" lIns="38100" tIns="38100" rIns="38100" bIns="38100" numCol="1" anchor="t">
+            <a:spAutoFit/>
+          </a:bodyPr>
+          <a:lstStyle/>
+          <a:p>
+            <a:pPr algn="l">
+              <a:lnSpc>
+                <a:spcPct val="70000"/>
+              </a:lnSpc>
+              <a:defRPr sz="15000" b="1">
+                <a:solidFill>
+                  <a:srgbClr val="282828"/>
+                </a:solidFill>
+                <a:latin typeface="+mn-lt"/>
+                <a:ea typeface="+mn-ea"/>
+                <a:cs typeface="+mn-cs"/>
+                <a:sym typeface="Open Sans Semibold"/>
+              </a:defRPr>
+            </a:pPr>
+            <a:r>
+              <a:rPr lang="hu-HU" dirty="0"/>
+              <a:t>Thank you!</a:t>
+            </a:r>
+          </a:p>
+          <a:p>
+            <a:pPr algn="l">
+              <a:lnSpc>
+                <a:spcPct val="70000"/>
+              </a:lnSpc>
+              <a:defRPr sz="15000" b="1">
+                <a:solidFill>
+                  <a:srgbClr val="282828"/>
+                </a:solidFill>
+                <a:latin typeface="+mn-lt"/>
+                <a:ea typeface="+mn-ea"/>
+                <a:cs typeface="+mn-cs"/>
+                <a:sym typeface="Open Sans Semibold"/>
+              </a:defRPr>
+            </a:pPr>
+            <a:endParaRPr lang="hu-HU" dirty="0"/>
+          </a:p>
+          <a:p>
+            <a:pPr algn="ctr">
+              <a:lnSpc>
+                <a:spcPct val="70000"/>
+              </a:lnSpc>
+              <a:defRPr sz="15000" b="1">
+                <a:solidFill>
+                  <a:srgbClr val="282828"/>
+                </a:solidFill>
+                <a:latin typeface="+mn-lt"/>
+                <a:ea typeface="+mn-ea"/>
+                <a:cs typeface="+mn-cs"/>
+                <a:sym typeface="Open Sans Semibold"/>
+              </a:defRPr>
+            </a:pPr>
+            <a:r>
+              <a:rPr lang="hu-HU" dirty="0"/>
+              <a:t>Q&amp;A</a:t>
+            </a:r>
+            <a:endParaRPr dirty="0"/>
+          </a:p>
+        </p:txBody>
+      </p:sp>
+    </p:spTree>
+    <p:extLst>
+      <p:ext uri="{BB962C8B-B14F-4D97-AF65-F5344CB8AC3E}">
+        <p14:creationId xmlns:p14="http://schemas.microsoft.com/office/powerpoint/2010/main" val="2904184908"/>
+      </p:ext>
+    </p:extLst>
+  </p:cSld>
+  <p:clrMapOvr>
+    <a:masterClrMapping/>
+  </p:clrMapOvr>
+  <p:transition spd="med"/>
 </p:sld>
 </file>
 
@@ -10728,7 +12835,7 @@
           </a:prstGeom>
           <a:extLst>
             <a:ext uri="{C572A759-6A51-4108-AA02-DFA0A04FC94B}">
-              <ma14:wrappingTextBoxFlag xmlns:ma14="http://schemas.microsoft.com/office/mac/drawingml/2011/main" xmlns="" val="1"/>
+              <ma14:wrappingTextBoxFlag xmlns="" xmlns:ma14="http://schemas.microsoft.com/office/mac/drawingml/2011/main" val="1"/>
             </a:ext>
           </a:extLst>
         </p:spPr>
@@ -10787,7 +12894,7 @@
             <a:effectLst/>
             <a:extLst>
               <a:ext uri="{C572A759-6A51-4108-AA02-DFA0A04FC94B}">
-                <ma14:wrappingTextBoxFlag xmlns:ma14="http://schemas.microsoft.com/office/mac/drawingml/2011/main" xmlns="" val="1"/>
+                <ma14:wrappingTextBoxFlag xmlns="" xmlns:ma14="http://schemas.microsoft.com/office/mac/drawingml/2011/main" val="1"/>
               </a:ext>
             </a:extLst>
           </p:spPr>
@@ -10839,7 +12946,7 @@
             <a:effectLst/>
             <a:extLst>
               <a:ext uri="{C572A759-6A51-4108-AA02-DFA0A04FC94B}">
-                <ma14:wrappingTextBoxFlag xmlns:ma14="http://schemas.microsoft.com/office/mac/drawingml/2011/main" xmlns="" val="1"/>
+                <ma14:wrappingTextBoxFlag xmlns="" xmlns:ma14="http://schemas.microsoft.com/office/mac/drawingml/2011/main" val="1"/>
               </a:ext>
             </a:extLst>
           </p:spPr>
@@ -11475,7 +13582,7 @@
           </a:prstGeom>
           <a:extLst>
             <a:ext uri="{C572A759-6A51-4108-AA02-DFA0A04FC94B}">
-              <ma14:wrappingTextBoxFlag xmlns:ma14="http://schemas.microsoft.com/office/mac/drawingml/2011/main" xmlns="" val="1"/>
+              <ma14:wrappingTextBoxFlag xmlns="" xmlns:ma14="http://schemas.microsoft.com/office/mac/drawingml/2011/main" val="1"/>
             </a:ext>
           </a:extLst>
         </p:spPr>
@@ -11520,7 +13627,7 @@
           <a:effectLst/>
           <a:extLst>
             <a:ext uri="{C572A759-6A51-4108-AA02-DFA0A04FC94B}">
-              <ma14:wrappingTextBoxFlag xmlns:ma14="http://schemas.microsoft.com/office/mac/drawingml/2011/main" xmlns="" val="1"/>
+              <ma14:wrappingTextBoxFlag xmlns="" xmlns:ma14="http://schemas.microsoft.com/office/mac/drawingml/2011/main" val="1"/>
             </a:ext>
           </a:extLst>
         </p:spPr>
@@ -11577,7 +13684,7 @@
           </a:ln>
           <a:extLst>
             <a:ext uri="{C572A759-6A51-4108-AA02-DFA0A04FC94B}">
-              <ma14:wrappingTextBoxFlag xmlns:ma14="http://schemas.microsoft.com/office/mac/drawingml/2011/main" xmlns="" val="1"/>
+              <ma14:wrappingTextBoxFlag xmlns="" xmlns:ma14="http://schemas.microsoft.com/office/mac/drawingml/2011/main" val="1"/>
             </a:ext>
           </a:extLst>
         </p:spPr>
@@ -11991,7 +14098,7 @@
             <a:effectLst/>
             <a:extLst>
               <a:ext uri="{C572A759-6A51-4108-AA02-DFA0A04FC94B}">
-                <ma14:wrappingTextBoxFlag xmlns:ma14="http://schemas.microsoft.com/office/mac/drawingml/2011/main" xmlns="" val="1"/>
+                <ma14:wrappingTextBoxFlag xmlns="" xmlns:ma14="http://schemas.microsoft.com/office/mac/drawingml/2011/main" val="1"/>
               </a:ext>
             </a:extLst>
           </p:spPr>
@@ -12047,7 +14154,7 @@
             <a:effectLst/>
             <a:extLst>
               <a:ext uri="{C572A759-6A51-4108-AA02-DFA0A04FC94B}">
-                <ma14:wrappingTextBoxFlag xmlns:ma14="http://schemas.microsoft.com/office/mac/drawingml/2011/main" xmlns="" val="1"/>
+                <ma14:wrappingTextBoxFlag xmlns="" xmlns:ma14="http://schemas.microsoft.com/office/mac/drawingml/2011/main" val="1"/>
               </a:ext>
             </a:extLst>
           </p:spPr>
@@ -12145,7 +14252,7 @@
             <a:effectLst/>
             <a:extLst>
               <a:ext uri="{C572A759-6A51-4108-AA02-DFA0A04FC94B}">
-                <ma14:wrappingTextBoxFlag xmlns:ma14="http://schemas.microsoft.com/office/mac/drawingml/2011/main" xmlns="" val="1"/>
+                <ma14:wrappingTextBoxFlag xmlns="" xmlns:ma14="http://schemas.microsoft.com/office/mac/drawingml/2011/main" val="1"/>
               </a:ext>
             </a:extLst>
           </p:spPr>
@@ -12251,7 +14358,7 @@
             <a:effectLst/>
             <a:extLst>
               <a:ext uri="{C572A759-6A51-4108-AA02-DFA0A04FC94B}">
-                <ma14:wrappingTextBoxFlag xmlns:ma14="http://schemas.microsoft.com/office/mac/drawingml/2011/main" xmlns="" val="1"/>
+                <ma14:wrappingTextBoxFlag xmlns="" xmlns:ma14="http://schemas.microsoft.com/office/mac/drawingml/2011/main" val="1"/>
               </a:ext>
             </a:extLst>
           </p:spPr>
@@ -12378,7 +14485,7 @@
             <a:effectLst/>
             <a:extLst>
               <a:ext uri="{C572A759-6A51-4108-AA02-DFA0A04FC94B}">
-                <ma14:wrappingTextBoxFlag xmlns:ma14="http://schemas.microsoft.com/office/mac/drawingml/2011/main" xmlns="" val="1"/>
+                <ma14:wrappingTextBoxFlag xmlns="" xmlns:ma14="http://schemas.microsoft.com/office/mac/drawingml/2011/main" val="1"/>
               </a:ext>
             </a:extLst>
           </p:spPr>
@@ -12484,7 +14591,7 @@
             <a:effectLst/>
             <a:extLst>
               <a:ext uri="{C572A759-6A51-4108-AA02-DFA0A04FC94B}">
-                <ma14:wrappingTextBoxFlag xmlns:ma14="http://schemas.microsoft.com/office/mac/drawingml/2011/main" xmlns="" val="1"/>
+                <ma14:wrappingTextBoxFlag xmlns="" xmlns:ma14="http://schemas.microsoft.com/office/mac/drawingml/2011/main" val="1"/>
               </a:ext>
             </a:extLst>
           </p:spPr>
@@ -12590,7 +14697,7 @@
             <a:effectLst/>
             <a:extLst>
               <a:ext uri="{C572A759-6A51-4108-AA02-DFA0A04FC94B}">
-                <ma14:wrappingTextBoxFlag xmlns:ma14="http://schemas.microsoft.com/office/mac/drawingml/2011/main" xmlns="" val="1"/>
+                <ma14:wrappingTextBoxFlag xmlns="" xmlns:ma14="http://schemas.microsoft.com/office/mac/drawingml/2011/main" val="1"/>
               </a:ext>
             </a:extLst>
           </p:spPr>
@@ -12647,7 +14754,7 @@
           <a:effectLst/>
           <a:extLst>
             <a:ext uri="{C572A759-6A51-4108-AA02-DFA0A04FC94B}">
-              <ma14:wrappingTextBoxFlag xmlns:ma14="http://schemas.microsoft.com/office/mac/drawingml/2011/main" xmlns="" val="1"/>
+              <ma14:wrappingTextBoxFlag xmlns="" xmlns:ma14="http://schemas.microsoft.com/office/mac/drawingml/2011/main" val="1"/>
             </a:ext>
           </a:extLst>
         </p:spPr>
@@ -12695,7 +14802,7 @@
           <a:effectLst/>
           <a:extLst>
             <a:ext uri="{C572A759-6A51-4108-AA02-DFA0A04FC94B}">
-              <ma14:wrappingTextBoxFlag xmlns:ma14="http://schemas.microsoft.com/office/mac/drawingml/2011/main" xmlns="" val="1"/>
+              <ma14:wrappingTextBoxFlag xmlns="" xmlns:ma14="http://schemas.microsoft.com/office/mac/drawingml/2011/main" val="1"/>
             </a:ext>
           </a:extLst>
         </p:spPr>
@@ -12743,7 +14850,7 @@
           <a:effectLst/>
           <a:extLst>
             <a:ext uri="{C572A759-6A51-4108-AA02-DFA0A04FC94B}">
-              <ma14:wrappingTextBoxFlag xmlns:ma14="http://schemas.microsoft.com/office/mac/drawingml/2011/main" xmlns="" val="1"/>
+              <ma14:wrappingTextBoxFlag xmlns="" xmlns:ma14="http://schemas.microsoft.com/office/mac/drawingml/2011/main" val="1"/>
             </a:ext>
           </a:extLst>
         </p:spPr>
@@ -12791,7 +14898,7 @@
           <a:effectLst/>
           <a:extLst>
             <a:ext uri="{C572A759-6A51-4108-AA02-DFA0A04FC94B}">
-              <ma14:wrappingTextBoxFlag xmlns:ma14="http://schemas.microsoft.com/office/mac/drawingml/2011/main" xmlns="" val="1"/>
+              <ma14:wrappingTextBoxFlag xmlns="" xmlns:ma14="http://schemas.microsoft.com/office/mac/drawingml/2011/main" val="1"/>
             </a:ext>
           </a:extLst>
         </p:spPr>
@@ -12839,7 +14946,7 @@
           <a:effectLst/>
           <a:extLst>
             <a:ext uri="{C572A759-6A51-4108-AA02-DFA0A04FC94B}">
-              <ma14:wrappingTextBoxFlag xmlns:ma14="http://schemas.microsoft.com/office/mac/drawingml/2011/main" xmlns="" val="1"/>
+              <ma14:wrappingTextBoxFlag xmlns="" xmlns:ma14="http://schemas.microsoft.com/office/mac/drawingml/2011/main" val="1"/>
             </a:ext>
           </a:extLst>
         </p:spPr>
@@ -13128,7 +15235,7 @@
           <a:effectLst/>
           <a:extLst>
             <a:ext uri="{C572A759-6A51-4108-AA02-DFA0A04FC94B}">
-              <ma14:wrappingTextBoxFlag xmlns:ma14="http://schemas.microsoft.com/office/mac/drawingml/2011/main" xmlns="" val="1"/>
+              <ma14:wrappingTextBoxFlag xmlns="" xmlns:ma14="http://schemas.microsoft.com/office/mac/drawingml/2011/main" val="1"/>
             </a:ext>
           </a:extLst>
         </p:spPr>
@@ -13239,7 +15346,7 @@
             <a:effectLst/>
             <a:extLst>
               <a:ext uri="{C572A759-6A51-4108-AA02-DFA0A04FC94B}">
-                <ma14:wrappingTextBoxFlag xmlns:ma14="http://schemas.microsoft.com/office/mac/drawingml/2011/main" xmlns="" val="1"/>
+                <ma14:wrappingTextBoxFlag xmlns="" xmlns:ma14="http://schemas.microsoft.com/office/mac/drawingml/2011/main" val="1"/>
               </a:ext>
             </a:extLst>
           </p:spPr>
@@ -13435,7 +15542,7 @@
           </a:prstGeom>
           <a:extLst>
             <a:ext uri="{C572A759-6A51-4108-AA02-DFA0A04FC94B}">
-              <ma14:wrappingTextBoxFlag xmlns:ma14="http://schemas.microsoft.com/office/mac/drawingml/2011/main" xmlns="" val="1"/>
+              <ma14:wrappingTextBoxFlag xmlns="" xmlns:ma14="http://schemas.microsoft.com/office/mac/drawingml/2011/main" val="1"/>
             </a:ext>
           </a:extLst>
         </p:spPr>
@@ -13859,7 +15966,7 @@
               <a:effectLst/>
               <a:extLst>
                 <a:ext uri="{C572A759-6A51-4108-AA02-DFA0A04FC94B}">
-                  <ma14:wrappingTextBoxFlag xmlns:ma14="http://schemas.microsoft.com/office/mac/drawingml/2011/main" xmlns="" val="1"/>
+                  <ma14:wrappingTextBoxFlag xmlns="" xmlns:ma14="http://schemas.microsoft.com/office/mac/drawingml/2011/main" val="1"/>
                 </a:ext>
               </a:extLst>
             </p:spPr>
@@ -13955,7 +16062,7 @@
               <a:effectLst/>
               <a:extLst>
                 <a:ext uri="{C572A759-6A51-4108-AA02-DFA0A04FC94B}">
-                  <ma14:wrappingTextBoxFlag xmlns:ma14="http://schemas.microsoft.com/office/mac/drawingml/2011/main" xmlns="" val="1"/>
+                  <ma14:wrappingTextBoxFlag xmlns="" xmlns:ma14="http://schemas.microsoft.com/office/mac/drawingml/2011/main" val="1"/>
                 </a:ext>
               </a:extLst>
             </p:spPr>
@@ -14020,7 +16127,7 @@
               <a:effectLst/>
               <a:extLst>
                 <a:ext uri="{C572A759-6A51-4108-AA02-DFA0A04FC94B}">
-                  <ma14:wrappingTextBoxFlag xmlns:ma14="http://schemas.microsoft.com/office/mac/drawingml/2011/main" xmlns="" val="1"/>
+                  <ma14:wrappingTextBoxFlag xmlns="" xmlns:ma14="http://schemas.microsoft.com/office/mac/drawingml/2011/main" val="1"/>
                 </a:ext>
               </a:extLst>
             </p:spPr>
@@ -14060,7 +16167,7 @@
               <a:effectLst/>
               <a:extLst>
                 <a:ext uri="{C572A759-6A51-4108-AA02-DFA0A04FC94B}">
-                  <ma14:wrappingTextBoxFlag xmlns:ma14="http://schemas.microsoft.com/office/mac/drawingml/2011/main" xmlns="" val="1"/>
+                  <ma14:wrappingTextBoxFlag xmlns="" xmlns:ma14="http://schemas.microsoft.com/office/mac/drawingml/2011/main" val="1"/>
                 </a:ext>
               </a:extLst>
             </p:spPr>
@@ -14156,7 +16263,7 @@
               <a:effectLst/>
               <a:extLst>
                 <a:ext uri="{C572A759-6A51-4108-AA02-DFA0A04FC94B}">
-                  <ma14:wrappingTextBoxFlag xmlns:ma14="http://schemas.microsoft.com/office/mac/drawingml/2011/main" xmlns="" val="1"/>
+                  <ma14:wrappingTextBoxFlag xmlns="" xmlns:ma14="http://schemas.microsoft.com/office/mac/drawingml/2011/main" val="1"/>
                 </a:ext>
               </a:extLst>
             </p:spPr>
@@ -14221,7 +16328,7 @@
               <a:effectLst/>
               <a:extLst>
                 <a:ext uri="{C572A759-6A51-4108-AA02-DFA0A04FC94B}">
-                  <ma14:wrappingTextBoxFlag xmlns:ma14="http://schemas.microsoft.com/office/mac/drawingml/2011/main" xmlns="" val="1"/>
+                  <ma14:wrappingTextBoxFlag xmlns="" xmlns:ma14="http://schemas.microsoft.com/office/mac/drawingml/2011/main" val="1"/>
                 </a:ext>
               </a:extLst>
             </p:spPr>
@@ -14317,7 +16424,7 @@
               <a:effectLst/>
               <a:extLst>
                 <a:ext uri="{C572A759-6A51-4108-AA02-DFA0A04FC94B}">
-                  <ma14:wrappingTextBoxFlag xmlns:ma14="http://schemas.microsoft.com/office/mac/drawingml/2011/main" xmlns="" val="1"/>
+                  <ma14:wrappingTextBoxFlag xmlns="" xmlns:ma14="http://schemas.microsoft.com/office/mac/drawingml/2011/main" val="1"/>
                 </a:ext>
               </a:extLst>
             </p:spPr>
@@ -14425,7 +16532,7 @@
           <a:effectLst/>
           <a:extLst>
             <a:ext uri="{C572A759-6A51-4108-AA02-DFA0A04FC94B}">
-              <ma14:wrappingTextBoxFlag xmlns:ma14="http://schemas.microsoft.com/office/mac/drawingml/2011/main" xmlns="" val="1"/>
+              <ma14:wrappingTextBoxFlag xmlns="" xmlns:ma14="http://schemas.microsoft.com/office/mac/drawingml/2011/main" val="1"/>
             </a:ext>
           </a:extLst>
         </p:spPr>
@@ -14483,7 +16590,7 @@
           <a:effectLst/>
           <a:extLst>
             <a:ext uri="{C572A759-6A51-4108-AA02-DFA0A04FC94B}">
-              <ma14:wrappingTextBoxFlag xmlns:ma14="http://schemas.microsoft.com/office/mac/drawingml/2011/main" xmlns="" val="1"/>
+              <ma14:wrappingTextBoxFlag xmlns="" xmlns:ma14="http://schemas.microsoft.com/office/mac/drawingml/2011/main" val="1"/>
             </a:ext>
           </a:extLst>
         </p:spPr>
@@ -14529,7 +16636,7 @@
           <a:effectLst/>
           <a:extLst>
             <a:ext uri="{C572A759-6A51-4108-AA02-DFA0A04FC94B}">
-              <ma14:wrappingTextBoxFlag xmlns:ma14="http://schemas.microsoft.com/office/mac/drawingml/2011/main" xmlns="" val="1"/>
+              <ma14:wrappingTextBoxFlag xmlns="" xmlns:ma14="http://schemas.microsoft.com/office/mac/drawingml/2011/main" val="1"/>
             </a:ext>
           </a:extLst>
         </p:spPr>
@@ -14577,7 +16684,7 @@
           <a:effectLst/>
           <a:extLst>
             <a:ext uri="{C572A759-6A51-4108-AA02-DFA0A04FC94B}">
-              <ma14:wrappingTextBoxFlag xmlns:ma14="http://schemas.microsoft.com/office/mac/drawingml/2011/main" xmlns="" val="1"/>
+              <ma14:wrappingTextBoxFlag xmlns="" xmlns:ma14="http://schemas.microsoft.com/office/mac/drawingml/2011/main" val="1"/>
             </a:ext>
           </a:extLst>
         </p:spPr>
@@ -14635,7 +16742,7 @@
           <a:effectLst/>
           <a:extLst>
             <a:ext uri="{C572A759-6A51-4108-AA02-DFA0A04FC94B}">
-              <ma14:wrappingTextBoxFlag xmlns:ma14="http://schemas.microsoft.com/office/mac/drawingml/2011/main" xmlns="" val="1"/>
+              <ma14:wrappingTextBoxFlag xmlns="" xmlns:ma14="http://schemas.microsoft.com/office/mac/drawingml/2011/main" val="1"/>
             </a:ext>
           </a:extLst>
         </p:spPr>
@@ -14929,6 +17036,112 @@
       </p:grpSpPr>
       <p:sp>
         <p:nvSpPr>
+          <p:cNvPr id="2" name="AutoShape 2">
+            <a:extLst>
+              <a:ext uri="{FF2B5EF4-FFF2-40B4-BE49-F238E27FC236}">
+                <a16:creationId xmlns:a16="http://schemas.microsoft.com/office/drawing/2014/main" id="{15A931B5-FCC4-4FE9-8287-F64C038D200C}"/>
+              </a:ext>
+            </a:extLst>
+          </p:cNvPr>
+          <p:cNvSpPr>
+            <a:spLocks noChangeAspect="1" noChangeArrowheads="1"/>
+          </p:cNvSpPr>
+          <p:nvPr/>
+        </p:nvSpPr>
+        <p:spPr bwMode="auto">
+          <a:xfrm>
+            <a:off x="12039599" y="6705599"/>
+            <a:ext cx="7495309" cy="7495309"/>
+          </a:xfrm>
+          <a:prstGeom prst="rect">
+            <a:avLst/>
+          </a:prstGeom>
+          <a:noFill/>
+          <a:extLst>
+            <a:ext uri="{909E8E84-426E-40DD-AFC4-6F175D3DCCD1}">
+              <a14:hiddenFill xmlns:a14="http://schemas.microsoft.com/office/drawing/2010/main">
+                <a:solidFill>
+                  <a:srgbClr val="FFFFFF"/>
+                </a:solidFill>
+              </a14:hiddenFill>
+            </a:ext>
+          </a:extLst>
+        </p:spPr>
+        <p:txBody>
+          <a:bodyPr vert="horz" wrap="square" lIns="91440" tIns="45720" rIns="91440" bIns="45720" numCol="1" anchor="t" anchorCtr="0" compatLnSpc="1">
+            <a:prstTxWarp prst="textNoShape">
+              <a:avLst/>
+            </a:prstTxWarp>
+          </a:bodyPr>
+          <a:lstStyle/>
+          <a:p>
+            <a:endParaRPr lang="en-US"/>
+          </a:p>
+        </p:txBody>
+      </p:sp>
+      <p:pic>
+        <p:nvPicPr>
+          <p:cNvPr id="4" name="Picture 3">
+            <a:extLst>
+              <a:ext uri="{FF2B5EF4-FFF2-40B4-BE49-F238E27FC236}">
+                <a16:creationId xmlns:a16="http://schemas.microsoft.com/office/drawing/2014/main" id="{35109F96-24F9-4BFF-9C5F-AC2A2EBC8726}"/>
+              </a:ext>
+            </a:extLst>
+          </p:cNvPr>
+          <p:cNvPicPr>
+            <a:picLocks noChangeAspect="1"/>
+          </p:cNvPicPr>
+          <p:nvPr/>
+        </p:nvPicPr>
+        <p:blipFill>
+          <a:blip r:embed="rId2"/>
+          <a:stretch>
+            <a:fillRect/>
+          </a:stretch>
+        </p:blipFill>
+        <p:spPr>
+          <a:xfrm>
+            <a:off x="5753100" y="1352550"/>
+            <a:ext cx="12877800" cy="11010900"/>
+          </a:xfrm>
+          <a:prstGeom prst="rect">
+            <a:avLst/>
+          </a:prstGeom>
+        </p:spPr>
+      </p:pic>
+    </p:spTree>
+    <p:extLst>
+      <p:ext uri="{BB962C8B-B14F-4D97-AF65-F5344CB8AC3E}">
+        <p14:creationId xmlns:p14="http://schemas.microsoft.com/office/powerpoint/2010/main" val="92012262"/>
+      </p:ext>
+    </p:extLst>
+  </p:cSld>
+  <p:clrMapOvr>
+    <a:masterClrMapping/>
+  </p:clrMapOvr>
+  <p:transition spd="med"/>
+</p:sld>
+</file>
+
+<file path=ppt/slides/slide7.xml><?xml version="1.0" encoding="utf-8"?>
+<p:sld xmlns:a="http://schemas.openxmlformats.org/drawingml/2006/main" xmlns:r="http://schemas.openxmlformats.org/officeDocument/2006/relationships" xmlns:p="http://schemas.openxmlformats.org/presentationml/2006/main">
+  <p:cSld>
+    <p:spTree>
+      <p:nvGrpSpPr>
+        <p:cNvPr id="1" name=""/>
+        <p:cNvGrpSpPr/>
+        <p:nvPr/>
+      </p:nvGrpSpPr>
+      <p:grpSpPr>
+        <a:xfrm>
+          <a:off x="0" y="0"/>
+          <a:ext cx="0" cy="0"/>
+          <a:chOff x="0" y="0"/>
+          <a:chExt cx="0" cy="0"/>
+        </a:xfrm>
+      </p:grpSpPr>
+      <p:sp>
+        <p:nvSpPr>
           <p:cNvPr id="2969" name="Shape 2969"/>
           <p:cNvSpPr/>
           <p:nvPr/>
@@ -14949,7 +17162,7 @@
           <a:effectLst/>
           <a:extLst>
             <a:ext uri="{C572A759-6A51-4108-AA02-DFA0A04FC94B}">
-              <ma14:wrappingTextBoxFlag xmlns:ma14="http://schemas.microsoft.com/office/mac/drawingml/2011/main" xmlns="" val="1"/>
+              <ma14:wrappingTextBoxFlag xmlns="" xmlns:ma14="http://schemas.microsoft.com/office/mac/drawingml/2011/main" val="1"/>
             </a:ext>
           </a:extLst>
         </p:spPr>
@@ -15060,7 +17273,7 @@
             <a:effectLst/>
             <a:extLst>
               <a:ext uri="{C572A759-6A51-4108-AA02-DFA0A04FC94B}">
-                <ma14:wrappingTextBoxFlag xmlns:ma14="http://schemas.microsoft.com/office/mac/drawingml/2011/main" xmlns="" val="1"/>
+                <ma14:wrappingTextBoxFlag xmlns="" xmlns:ma14="http://schemas.microsoft.com/office/mac/drawingml/2011/main" val="1"/>
               </a:ext>
             </a:extLst>
           </p:spPr>
@@ -15233,7 +17446,7 @@
 </p:sld>
 </file>
 
-<file path=ppt/slides/slide7.xml><?xml version="1.0" encoding="utf-8"?>
+<file path=ppt/slides/slide8.xml><?xml version="1.0" encoding="utf-8"?>
 <p:sld xmlns:a="http://schemas.openxmlformats.org/drawingml/2006/main" xmlns:r="http://schemas.openxmlformats.org/officeDocument/2006/relationships" xmlns:p="http://schemas.openxmlformats.org/presentationml/2006/main">
   <p:cSld>
     <p:spTree>
@@ -15296,7 +17509,7 @@
           </a:prstGeom>
           <a:extLst>
             <a:ext uri="{C572A759-6A51-4108-AA02-DFA0A04FC94B}">
-              <ma14:wrappingTextBoxFlag xmlns:ma14="http://schemas.microsoft.com/office/mac/drawingml/2011/main" xmlns="" val="1"/>
+              <ma14:wrappingTextBoxFlag xmlns="" xmlns:ma14="http://schemas.microsoft.com/office/mac/drawingml/2011/main" val="1"/>
             </a:ext>
           </a:extLst>
         </p:spPr>
@@ -15313,7 +17526,7 @@
           </a:lstStyle>
           <a:p>
             <a:fld id="{86CB4B4D-7CA3-9044-876B-883B54F8677D}" type="slidenum">
-              <a:t>7</a:t>
+              <a:t>8</a:t>
             </a:fld>
             <a:endParaRPr/>
           </a:p>
@@ -15355,7 +17568,7 @@
             <a:effectLst/>
             <a:extLst>
               <a:ext uri="{C572A759-6A51-4108-AA02-DFA0A04FC94B}">
-                <ma14:wrappingTextBoxFlag xmlns:ma14="http://schemas.microsoft.com/office/mac/drawingml/2011/main" xmlns="" val="1"/>
+                <ma14:wrappingTextBoxFlag xmlns="" xmlns:ma14="http://schemas.microsoft.com/office/mac/drawingml/2011/main" val="1"/>
               </a:ext>
             </a:extLst>
           </p:spPr>
@@ -15400,7 +17613,7 @@
             <a:effectLst/>
             <a:extLst>
               <a:ext uri="{C572A759-6A51-4108-AA02-DFA0A04FC94B}">
-                <ma14:wrappingTextBoxFlag xmlns:ma14="http://schemas.microsoft.com/office/mac/drawingml/2011/main" xmlns="" val="1"/>
+                <ma14:wrappingTextBoxFlag xmlns="" xmlns:ma14="http://schemas.microsoft.com/office/mac/drawingml/2011/main" val="1"/>
               </a:ext>
             </a:extLst>
           </p:spPr>
@@ -15521,7 +17734,7 @@
             <a:effectLst/>
             <a:extLst>
               <a:ext uri="{C572A759-6A51-4108-AA02-DFA0A04FC94B}">
-                <ma14:wrappingTextBoxFlag xmlns:ma14="http://schemas.microsoft.com/office/mac/drawingml/2011/main" xmlns="" val="1"/>
+                <ma14:wrappingTextBoxFlag xmlns="" xmlns:ma14="http://schemas.microsoft.com/office/mac/drawingml/2011/main" val="1"/>
               </a:ext>
             </a:extLst>
           </p:spPr>
@@ -15566,7 +17779,7 @@
             <a:effectLst/>
             <a:extLst>
               <a:ext uri="{C572A759-6A51-4108-AA02-DFA0A04FC94B}">
-                <ma14:wrappingTextBoxFlag xmlns:ma14="http://schemas.microsoft.com/office/mac/drawingml/2011/main" xmlns="" val="1"/>
+                <ma14:wrappingTextBoxFlag xmlns="" xmlns:ma14="http://schemas.microsoft.com/office/mac/drawingml/2011/main" val="1"/>
               </a:ext>
             </a:extLst>
           </p:spPr>
@@ -15688,7 +17901,7 @@
             <a:effectLst/>
             <a:extLst>
               <a:ext uri="{C572A759-6A51-4108-AA02-DFA0A04FC94B}">
-                <ma14:wrappingTextBoxFlag xmlns:ma14="http://schemas.microsoft.com/office/mac/drawingml/2011/main" xmlns="" val="1"/>
+                <ma14:wrappingTextBoxFlag xmlns="" xmlns:ma14="http://schemas.microsoft.com/office/mac/drawingml/2011/main" val="1"/>
               </a:ext>
             </a:extLst>
           </p:spPr>
@@ -15727,7 +17940,7 @@
             <a:effectLst/>
             <a:extLst>
               <a:ext uri="{C572A759-6A51-4108-AA02-DFA0A04FC94B}">
-                <ma14:wrappingTextBoxFlag xmlns:ma14="http://schemas.microsoft.com/office/mac/drawingml/2011/main" xmlns="" val="1"/>
+                <ma14:wrappingTextBoxFlag xmlns="" xmlns:ma14="http://schemas.microsoft.com/office/mac/drawingml/2011/main" val="1"/>
               </a:ext>
             </a:extLst>
           </p:spPr>
@@ -15849,7 +18062,7 @@
             <a:effectLst/>
             <a:extLst>
               <a:ext uri="{C572A759-6A51-4108-AA02-DFA0A04FC94B}">
-                <ma14:wrappingTextBoxFlag xmlns:ma14="http://schemas.microsoft.com/office/mac/drawingml/2011/main" xmlns="" val="1"/>
+                <ma14:wrappingTextBoxFlag xmlns="" xmlns:ma14="http://schemas.microsoft.com/office/mac/drawingml/2011/main" val="1"/>
               </a:ext>
             </a:extLst>
           </p:spPr>
@@ -15894,7 +18107,7 @@
             <a:effectLst/>
             <a:extLst>
               <a:ext uri="{C572A759-6A51-4108-AA02-DFA0A04FC94B}">
-                <ma14:wrappingTextBoxFlag xmlns:ma14="http://schemas.microsoft.com/office/mac/drawingml/2011/main" xmlns="" val="1"/>
+                <ma14:wrappingTextBoxFlag xmlns="" xmlns:ma14="http://schemas.microsoft.com/office/mac/drawingml/2011/main" val="1"/>
               </a:ext>
             </a:extLst>
           </p:spPr>
@@ -15996,7 +18209,7 @@
           <a:effectLst/>
           <a:extLst>
             <a:ext uri="{C572A759-6A51-4108-AA02-DFA0A04FC94B}">
-              <ma14:wrappingTextBoxFlag xmlns:ma14="http://schemas.microsoft.com/office/mac/drawingml/2011/main" xmlns="" val="1"/>
+              <ma14:wrappingTextBoxFlag xmlns="" xmlns:ma14="http://schemas.microsoft.com/office/mac/drawingml/2011/main" val="1"/>
             </a:ext>
           </a:extLst>
         </p:spPr>
@@ -16432,7 +18645,7 @@
 </p:sld>
 </file>
 
-<file path=ppt/slides/slide8.xml><?xml version="1.0" encoding="utf-8"?>
+<file path=ppt/slides/slide9.xml><?xml version="1.0" encoding="utf-8"?>
 <p:sld xmlns:a="http://schemas.openxmlformats.org/drawingml/2006/main" xmlns:r="http://schemas.openxmlformats.org/officeDocument/2006/relationships" xmlns:p="http://schemas.openxmlformats.org/presentationml/2006/main">
   <p:cSld>
     <p:spTree>
@@ -16477,7 +18690,7 @@
           <a:effectLst/>
           <a:extLst>
             <a:ext uri="{C572A759-6A51-4108-AA02-DFA0A04FC94B}">
-              <ma14:wrappingTextBoxFlag xmlns:ma14="http://schemas.microsoft.com/office/mac/drawingml/2011/main" xmlns="" val="1"/>
+              <ma14:wrappingTextBoxFlag xmlns="" xmlns:ma14="http://schemas.microsoft.com/office/mac/drawingml/2011/main" val="1"/>
             </a:ext>
           </a:extLst>
         </p:spPr>
@@ -16547,330 +18760,6 @@
     <a:masterClrMapping/>
   </p:clrMapOvr>
   <p:transition spd="med"/>
-</p:sld>
-</file>
-
-<file path=ppt/slides/slide9.xml><?xml version="1.0" encoding="utf-8"?>
-<p:sld xmlns:a="http://schemas.openxmlformats.org/drawingml/2006/main" xmlns:r="http://schemas.openxmlformats.org/officeDocument/2006/relationships" xmlns:p="http://schemas.openxmlformats.org/presentationml/2006/main">
-  <p:cSld>
-    <p:spTree>
-      <p:nvGrpSpPr>
-        <p:cNvPr id="1" name=""/>
-        <p:cNvGrpSpPr/>
-        <p:nvPr/>
-      </p:nvGrpSpPr>
-      <p:grpSpPr>
-        <a:xfrm>
-          <a:off x="0" y="0"/>
-          <a:ext cx="0" cy="0"/>
-          <a:chOff x="0" y="0"/>
-          <a:chExt cx="0" cy="0"/>
-        </a:xfrm>
-      </p:grpSpPr>
-      <p:sp>
-        <p:nvSpPr>
-          <p:cNvPr id="2969" name="Shape 2969"/>
-          <p:cNvSpPr/>
-          <p:nvPr/>
-        </p:nvSpPr>
-        <p:spPr>
-          <a:xfrm>
-            <a:off x="7078662" y="5191124"/>
-            <a:ext cx="10798176" cy="1785425"/>
-          </a:xfrm>
-          <a:prstGeom prst="rect">
-            <a:avLst/>
-          </a:prstGeom>
-          <a:noFill/>
-          <a:ln w="12700" cap="flat">
-            <a:noFill/>
-            <a:miter lim="400000"/>
-          </a:ln>
-          <a:effectLst/>
-          <a:extLst>
-            <a:ext uri="{C572A759-6A51-4108-AA02-DFA0A04FC94B}">
-              <ma14:wrappingTextBoxFlag xmlns:ma14="http://schemas.microsoft.com/office/mac/drawingml/2011/main" xmlns="" val="1"/>
-            </a:ext>
-          </a:extLst>
-        </p:spPr>
-        <p:txBody>
-          <a:bodyPr wrap="square" lIns="38100" tIns="38100" rIns="38100" bIns="38100" numCol="1" anchor="t">
-            <a:spAutoFit/>
-          </a:bodyPr>
-          <a:lstStyle/>
-          <a:p>
-            <a:pPr algn="l">
-              <a:lnSpc>
-                <a:spcPct val="70000"/>
-              </a:lnSpc>
-              <a:defRPr sz="15000" b="1">
-                <a:solidFill>
-                  <a:srgbClr val="282828"/>
-                </a:solidFill>
-                <a:latin typeface="+mn-lt"/>
-                <a:ea typeface="+mn-ea"/>
-                <a:cs typeface="+mn-cs"/>
-                <a:sym typeface="Open Sans Semibold"/>
-              </a:defRPr>
-            </a:pPr>
-            <a:r>
-              <a:rPr lang="en-US"/>
-              <a:t>Analytics</a:t>
-            </a:r>
-            <a:endParaRPr/>
-          </a:p>
-        </p:txBody>
-      </p:sp>
-      <p:grpSp>
-        <p:nvGrpSpPr>
-          <p:cNvPr id="2973" name="Group 2973"/>
-          <p:cNvGrpSpPr/>
-          <p:nvPr/>
-        </p:nvGrpSpPr>
-        <p:grpSpPr>
-          <a:xfrm>
-            <a:off x="2614612" y="-2"/>
-            <a:ext cx="3673477" cy="9741084"/>
-            <a:chOff x="0" y="-1"/>
-            <a:chExt cx="3673476" cy="9741082"/>
-          </a:xfrm>
-        </p:grpSpPr>
-        <p:sp>
-          <p:nvSpPr>
-            <p:cNvPr id="2971" name="Shape 2971"/>
-            <p:cNvSpPr/>
-            <p:nvPr/>
-          </p:nvSpPr>
-          <p:spPr>
-            <a:xfrm rot="5400000">
-              <a:off x="-2852738" y="2852737"/>
-              <a:ext cx="9378951" cy="3673476"/>
-            </a:xfrm>
-            <a:prstGeom prst="rect">
-              <a:avLst/>
-            </a:prstGeom>
-            <a:solidFill>
-              <a:srgbClr val="3A76B4"/>
-            </a:solidFill>
-            <a:ln w="12700" cap="flat">
-              <a:noFill/>
-              <a:miter lim="400000"/>
-            </a:ln>
-            <a:effectLst/>
-          </p:spPr>
-          <p:txBody>
-            <a:bodyPr wrap="square" lIns="38100" tIns="38100" rIns="38100" bIns="38100" numCol="1" anchor="ctr">
-              <a:noAutofit/>
-            </a:bodyPr>
-            <a:lstStyle/>
-            <a:p>
-              <a:pPr>
-                <a:defRPr sz="1800">
-                  <a:solidFill>
-                    <a:srgbClr val="FEFCFF"/>
-                  </a:solidFill>
-                  <a:latin typeface="Arial"/>
-                  <a:ea typeface="Arial"/>
-                  <a:cs typeface="Arial"/>
-                  <a:sym typeface="Arial"/>
-                </a:defRPr>
-              </a:pPr>
-              <a:endParaRPr/>
-            </a:p>
-          </p:txBody>
-        </p:sp>
-        <p:sp>
-          <p:nvSpPr>
-            <p:cNvPr id="2972" name="Shape 2972"/>
-            <p:cNvSpPr/>
-            <p:nvPr/>
-          </p:nvSpPr>
-          <p:spPr>
-            <a:xfrm>
-              <a:off x="792162" y="6570662"/>
-              <a:ext cx="2376488" cy="3170419"/>
-            </a:xfrm>
-            <a:prstGeom prst="rect">
-              <a:avLst/>
-            </a:prstGeom>
-            <a:noFill/>
-            <a:ln w="12700" cap="flat">
-              <a:noFill/>
-              <a:miter lim="400000"/>
-            </a:ln>
-            <a:effectLst/>
-            <a:extLst>
-              <a:ext uri="{C572A759-6A51-4108-AA02-DFA0A04FC94B}">
-                <ma14:wrappingTextBoxFlag xmlns:ma14="http://schemas.microsoft.com/office/mac/drawingml/2011/main" xmlns="" val="1"/>
-              </a:ext>
-            </a:extLst>
-          </p:spPr>
-          <p:txBody>
-            <a:bodyPr wrap="square" lIns="38100" tIns="38100" rIns="38100" bIns="38100" numCol="1" anchor="t">
-              <a:spAutoFit/>
-            </a:bodyPr>
-            <a:lstStyle>
-              <a:lvl1pPr>
-                <a:defRPr sz="15000" b="1">
-                  <a:solidFill>
-                    <a:srgbClr val="FEFCFF"/>
-                  </a:solidFill>
-                  <a:latin typeface="+mn-lt"/>
-                  <a:ea typeface="+mn-ea"/>
-                  <a:cs typeface="+mn-cs"/>
-                  <a:sym typeface="Open Sans Semibold"/>
-                </a:defRPr>
-              </a:lvl1pPr>
-            </a:lstStyle>
-            <a:p>
-              <a:r>
-                <a:t>0</a:t>
-              </a:r>
-              <a:r>
-                <a:rPr lang="en-US"/>
-                <a:t>3</a:t>
-              </a:r>
-              <a:endParaRPr/>
-            </a:p>
-          </p:txBody>
-        </p:sp>
-      </p:grpSp>
-    </p:spTree>
-    <p:extLst>
-      <p:ext uri="{BB962C8B-B14F-4D97-AF65-F5344CB8AC3E}">
-        <p14:creationId xmlns:p14="http://schemas.microsoft.com/office/powerpoint/2010/main" val="2908928930"/>
-      </p:ext>
-    </p:extLst>
-  </p:cSld>
-  <p:clrMapOvr>
-    <a:masterClrMapping/>
-  </p:clrMapOvr>
-  <p:transition spd="med">
-    <p:push/>
-  </p:transition>
-  <p:timing>
-    <p:tnLst>
-      <p:par>
-        <p:cTn id="1" dur="indefinite" restart="never" fill="hold" nodeType="tmRoot">
-          <p:childTnLst>
-            <p:seq concurrent="1" prevAc="none" nextAc="seek">
-              <p:cTn id="2" dur="indefinite" fill="hold" nodeType="mainSeq">
-                <p:childTnLst>
-                  <p:par>
-                    <p:cTn id="3" fill="hold">
-                      <p:stCondLst>
-                        <p:cond delay="indefinite"/>
-                      </p:stCondLst>
-                      <p:childTnLst>
-                        <p:par>
-                          <p:cTn id="4" fill="hold">
-                            <p:stCondLst>
-                              <p:cond delay="0"/>
-                            </p:stCondLst>
-                            <p:childTnLst>
-                              <p:par>
-                                <p:cTn id="5" presetID="2" presetClass="entr" presetSubtype="1" fill="hold" grpId="0" nodeType="clickEffect">
-                                  <p:stCondLst>
-                                    <p:cond delay="0"/>
-                                  </p:stCondLst>
-                                  <p:iterate>
-                                    <p:tmAbs val="0"/>
-                                  </p:iterate>
-                                  <p:childTnLst>
-                                    <p:set>
-                                      <p:cBhvr>
-                                        <p:cTn id="6" fill="hold"/>
-                                        <p:tgtEl>
-                                          <p:spTgt spid="2973"/>
-                                        </p:tgtEl>
-                                        <p:attrNameLst>
-                                          <p:attrName>style.visibility</p:attrName>
-                                        </p:attrNameLst>
-                                      </p:cBhvr>
-                                      <p:to>
-                                        <p:strVal val="visible"/>
-                                      </p:to>
-                                    </p:set>
-                                    <p:anim calcmode="lin" valueType="num">
-                                      <p:cBhvr>
-                                        <p:cTn id="7" dur="1000" fill="hold"/>
-                                        <p:tgtEl>
-                                          <p:spTgt spid="2973"/>
-                                        </p:tgtEl>
-                                        <p:attrNameLst>
-                                          <p:attrName>ppt_x</p:attrName>
-                                        </p:attrNameLst>
-                                      </p:cBhvr>
-                                      <p:tavLst>
-                                        <p:tav tm="0">
-                                          <p:val>
-                                            <p:strVal val="#ppt_x"/>
-                                          </p:val>
-                                        </p:tav>
-                                        <p:tav tm="100000">
-                                          <p:val>
-                                            <p:strVal val="#ppt_x"/>
-                                          </p:val>
-                                        </p:tav>
-                                      </p:tavLst>
-                                    </p:anim>
-                                    <p:anim calcmode="lin" valueType="num">
-                                      <p:cBhvr>
-                                        <p:cTn id="8" dur="1000" fill="hold"/>
-                                        <p:tgtEl>
-                                          <p:spTgt spid="2973"/>
-                                        </p:tgtEl>
-                                        <p:attrNameLst>
-                                          <p:attrName>ppt_y</p:attrName>
-                                        </p:attrNameLst>
-                                      </p:cBhvr>
-                                      <p:tavLst>
-                                        <p:tav tm="0">
-                                          <p:val>
-                                            <p:strVal val="0-#ppt_h/2"/>
-                                          </p:val>
-                                        </p:tav>
-                                        <p:tav tm="100000">
-                                          <p:val>
-                                            <p:strVal val="#ppt_y"/>
-                                          </p:val>
-                                        </p:tav>
-                                      </p:tavLst>
-                                    </p:anim>
-                                  </p:childTnLst>
-                                </p:cTn>
-                              </p:par>
-                            </p:childTnLst>
-                          </p:cTn>
-                        </p:par>
-                      </p:childTnLst>
-                    </p:cTn>
-                  </p:par>
-                </p:childTnLst>
-              </p:cTn>
-              <p:prevCondLst>
-                <p:cond evt="onPrev" delay="0">
-                  <p:tgtEl>
-                    <p:sldTgt/>
-                  </p:tgtEl>
-                </p:cond>
-              </p:prevCondLst>
-              <p:nextCondLst>
-                <p:cond evt="onNext" delay="0">
-                  <p:tgtEl>
-                    <p:sldTgt/>
-                  </p:tgtEl>
-                </p:cond>
-              </p:nextCondLst>
-            </p:seq>
-          </p:childTnLst>
-        </p:cTn>
-      </p:par>
-    </p:tnLst>
-    <p:bldLst>
-      <p:bldP spid="2973" grpId="0" animBg="1" advAuto="0"/>
-    </p:bldLst>
-  </p:timing>
 </p:sld>
 </file>
 
